--- a/PPCRAIG.pptx
+++ b/PPCRAIG.pptx
@@ -5,7 +5,7 @@
     <p:sldMasterId id="2147483687" r:id="rId4"/>
   </p:sldMasterIdLst>
   <p:notesMasterIdLst>
-    <p:notesMasterId r:id="rId25"/>
+    <p:notesMasterId r:id="rId23"/>
   </p:notesMasterIdLst>
   <p:sldIdLst>
     <p:sldId id="1864" r:id="rId5"/>
@@ -15,19 +15,17 @@
     <p:sldId id="1892" r:id="rId9"/>
     <p:sldId id="1858" r:id="rId10"/>
     <p:sldId id="1890" r:id="rId11"/>
-    <p:sldId id="1891" r:id="rId12"/>
-    <p:sldId id="1866" r:id="rId13"/>
-    <p:sldId id="1873" r:id="rId14"/>
-    <p:sldId id="1874" r:id="rId15"/>
-    <p:sldId id="1872" r:id="rId16"/>
-    <p:sldId id="1875" r:id="rId17"/>
-    <p:sldId id="1878" r:id="rId18"/>
-    <p:sldId id="1879" r:id="rId19"/>
-    <p:sldId id="1876" r:id="rId20"/>
-    <p:sldId id="1880" r:id="rId21"/>
-    <p:sldId id="1881" r:id="rId22"/>
-    <p:sldId id="1877" r:id="rId23"/>
-    <p:sldId id="1869" r:id="rId24"/>
+    <p:sldId id="1877" r:id="rId12"/>
+    <p:sldId id="1881" r:id="rId13"/>
+    <p:sldId id="1904" r:id="rId14"/>
+    <p:sldId id="1906" r:id="rId15"/>
+    <p:sldId id="1905" r:id="rId16"/>
+    <p:sldId id="1880" r:id="rId17"/>
+    <p:sldId id="1907" r:id="rId18"/>
+    <p:sldId id="1908" r:id="rId19"/>
+    <p:sldId id="1909" r:id="rId20"/>
+    <p:sldId id="1910" r:id="rId21"/>
+    <p:sldId id="1913" r:id="rId22"/>
   </p:sldIdLst>
   <p:sldSz cx="12192000" cy="6858000"/>
   <p:notesSz cx="6858000" cy="9144000"/>
@@ -158,7 +156,7 @@
   </p:defaultTextStyle>
   <p:extLst>
     <p:ext uri="{EFAFB233-063F-42B5-8137-9DF3F51BA10A}">
-      <p15:sldGuideLst xmlns="" xmlns:p15="http://schemas.microsoft.com/office/powerpoint/2012/main">
+      <p15:sldGuideLst xmlns:p15="http://schemas.microsoft.com/office/powerpoint/2012/main" xmlns="">
         <p15:guide id="1" orient="horz" pos="2160" userDrawn="1">
           <p15:clr>
             <a:srgbClr val="A4A3A4"/>
@@ -215,7 +213,7 @@
           <p:cNvPr id="30722" name="Rectangle 2">
             <a:extLst>
               <a:ext uri="{FF2B5EF4-FFF2-40B4-BE49-F238E27FC236}">
-                <a16:creationId xmlns="" xmlns:a16="http://schemas.microsoft.com/office/drawing/2014/main" id="{D9F622F8-1824-4338-8C3C-5529D3BDEF4A}"/>
+                <a16:creationId xmlns:a16="http://schemas.microsoft.com/office/drawing/2014/main" xmlns="" id="{D9F622F8-1824-4338-8C3C-5529D3BDEF4A}"/>
               </a:ext>
             </a:extLst>
           </p:cNvPr>
@@ -269,7 +267,7 @@
           <p:cNvPr id="30723" name="Rectangle 3">
             <a:extLst>
               <a:ext uri="{FF2B5EF4-FFF2-40B4-BE49-F238E27FC236}">
-                <a16:creationId xmlns="" xmlns:a16="http://schemas.microsoft.com/office/drawing/2014/main" id="{618DDD53-BB38-4118-BC75-9CE27D49C550}"/>
+                <a16:creationId xmlns:a16="http://schemas.microsoft.com/office/drawing/2014/main" xmlns="" id="{618DDD53-BB38-4118-BC75-9CE27D49C550}"/>
               </a:ext>
             </a:extLst>
           </p:cNvPr>
@@ -323,7 +321,7 @@
           <p:cNvPr id="14340" name="Rectangle 4">
             <a:extLst>
               <a:ext uri="{FF2B5EF4-FFF2-40B4-BE49-F238E27FC236}">
-                <a16:creationId xmlns="" xmlns:a16="http://schemas.microsoft.com/office/drawing/2014/main" id="{6C03B6F7-B1AE-4118-ABA2-FFEC9B8F0E9C}"/>
+                <a16:creationId xmlns:a16="http://schemas.microsoft.com/office/drawing/2014/main" xmlns="" id="{6C03B6F7-B1AE-4118-ABA2-FFEC9B8F0E9C}"/>
               </a:ext>
             </a:extLst>
           </p:cNvPr>
@@ -353,7 +351,7 @@
           </a:ln>
           <a:extLst>
             <a:ext uri="{909E8E84-426E-40DD-AFC4-6F175D3DCCD1}">
-              <a14:hiddenFill xmlns="" xmlns:a14="http://schemas.microsoft.com/office/drawing/2010/main">
+              <a14:hiddenFill xmlns:a14="http://schemas.microsoft.com/office/drawing/2010/main" xmlns="">
                 <a:solidFill>
                   <a:srgbClr val="FFFFFF"/>
                 </a:solidFill>
@@ -367,7 +365,7 @@
           <p:cNvPr id="30725" name="Rectangle 5">
             <a:extLst>
               <a:ext uri="{FF2B5EF4-FFF2-40B4-BE49-F238E27FC236}">
-                <a16:creationId xmlns="" xmlns:a16="http://schemas.microsoft.com/office/drawing/2014/main" id="{646F5356-BDE8-43C1-9587-85323D02B191}"/>
+                <a16:creationId xmlns:a16="http://schemas.microsoft.com/office/drawing/2014/main" xmlns="" id="{646F5356-BDE8-43C1-9587-85323D02B191}"/>
               </a:ext>
             </a:extLst>
           </p:cNvPr>
@@ -444,7 +442,7 @@
           <p:cNvPr id="30726" name="Rectangle 6">
             <a:extLst>
               <a:ext uri="{FF2B5EF4-FFF2-40B4-BE49-F238E27FC236}">
-                <a16:creationId xmlns="" xmlns:a16="http://schemas.microsoft.com/office/drawing/2014/main" id="{89912C35-11A9-4DA7-8476-F1823F658CAA}"/>
+                <a16:creationId xmlns:a16="http://schemas.microsoft.com/office/drawing/2014/main" xmlns="" id="{89912C35-11A9-4DA7-8476-F1823F658CAA}"/>
               </a:ext>
             </a:extLst>
           </p:cNvPr>
@@ -498,7 +496,7 @@
           <p:cNvPr id="30727" name="Rectangle 7">
             <a:extLst>
               <a:ext uri="{FF2B5EF4-FFF2-40B4-BE49-F238E27FC236}">
-                <a16:creationId xmlns="" xmlns:a16="http://schemas.microsoft.com/office/drawing/2014/main" id="{7180ED79-CEC3-4FB9-B511-8597B20A0C10}"/>
+                <a16:creationId xmlns:a16="http://schemas.microsoft.com/office/drawing/2014/main" xmlns="" id="{7180ED79-CEC3-4FB9-B511-8597B20A0C10}"/>
               </a:ext>
             </a:extLst>
           </p:cNvPr>
@@ -595,7 +593,7 @@
           <p:cNvPr id="15362" name="Rectangle 7">
             <a:extLst>
               <a:ext uri="{FF2B5EF4-FFF2-40B4-BE49-F238E27FC236}">
-                <a16:creationId xmlns="" xmlns:a16="http://schemas.microsoft.com/office/drawing/2014/main" id="{FA4671F7-4D2C-4B1E-AED7-24676BE8B496}"/>
+                <a16:creationId xmlns:a16="http://schemas.microsoft.com/office/drawing/2014/main" xmlns="" id="{FA4671F7-4D2C-4B1E-AED7-24676BE8B496}"/>
               </a:ext>
             </a:extLst>
           </p:cNvPr>
@@ -611,14 +609,14 @@
           <a:ln/>
           <a:extLst>
             <a:ext uri="{909E8E84-426E-40DD-AFC4-6F175D3DCCD1}">
-              <a14:hiddenFill xmlns="" xmlns:a14="http://schemas.microsoft.com/office/drawing/2010/main">
+              <a14:hiddenFill xmlns:a14="http://schemas.microsoft.com/office/drawing/2010/main" xmlns="">
                 <a:solidFill>
                   <a:srgbClr val="FFFFFF"/>
                 </a:solidFill>
               </a14:hiddenFill>
             </a:ext>
             <a:ext uri="{91240B29-F687-4F45-9708-019B960494DF}">
-              <a14:hiddenLine xmlns="" xmlns:a14="http://schemas.microsoft.com/office/drawing/2010/main" w="9525">
+              <a14:hiddenLine xmlns:a14="http://schemas.microsoft.com/office/drawing/2010/main" xmlns="" w="9525">
                 <a:solidFill>
                   <a:srgbClr val="000000"/>
                 </a:solidFill>
@@ -749,7 +747,7 @@
           <p:cNvPr id="15363" name="Rectangle 2">
             <a:extLst>
               <a:ext uri="{FF2B5EF4-FFF2-40B4-BE49-F238E27FC236}">
-                <a16:creationId xmlns="" xmlns:a16="http://schemas.microsoft.com/office/drawing/2014/main" id="{D8E83BD0-7AE4-4323-9047-FC368929C520}"/>
+                <a16:creationId xmlns:a16="http://schemas.microsoft.com/office/drawing/2014/main" xmlns="" id="{D8E83BD0-7AE4-4323-9047-FC368929C520}"/>
               </a:ext>
             </a:extLst>
           </p:cNvPr>
@@ -769,7 +767,7 @@
           <p:cNvPr id="15364" name="Rectangle 3">
             <a:extLst>
               <a:ext uri="{FF2B5EF4-FFF2-40B4-BE49-F238E27FC236}">
-                <a16:creationId xmlns="" xmlns:a16="http://schemas.microsoft.com/office/drawing/2014/main" id="{FDECF5EC-C5EC-4723-8F4F-A75A20018F65}"/>
+                <a16:creationId xmlns:a16="http://schemas.microsoft.com/office/drawing/2014/main" xmlns="" id="{FDECF5EC-C5EC-4723-8F4F-A75A20018F65}"/>
               </a:ext>
             </a:extLst>
           </p:cNvPr>
@@ -785,14 +783,14 @@
           <a:ln/>
           <a:extLst>
             <a:ext uri="{909E8E84-426E-40DD-AFC4-6F175D3DCCD1}">
-              <a14:hiddenFill xmlns="" xmlns:a14="http://schemas.microsoft.com/office/drawing/2010/main">
+              <a14:hiddenFill xmlns:a14="http://schemas.microsoft.com/office/drawing/2010/main" xmlns="">
                 <a:solidFill>
                   <a:srgbClr val="FFFFFF"/>
                 </a:solidFill>
               </a14:hiddenFill>
             </a:ext>
             <a:ext uri="{91240B29-F687-4F45-9708-019B960494DF}">
-              <a14:hiddenLine xmlns="" xmlns:a14="http://schemas.microsoft.com/office/drawing/2010/main" w="9525">
+              <a14:hiddenLine xmlns:a14="http://schemas.microsoft.com/office/drawing/2010/main" xmlns="" w="9525">
                 <a:solidFill>
                   <a:srgbClr val="000000"/>
                 </a:solidFill>
@@ -815,7 +813,7 @@
     </p:spTree>
     <p:extLst>
       <p:ext uri="{BB962C8B-B14F-4D97-AF65-F5344CB8AC3E}">
-        <p14:creationId xmlns="" xmlns:p14="http://schemas.microsoft.com/office/powerpoint/2010/main" val="1950814835"/>
+        <p14:creationId xmlns:p14="http://schemas.microsoft.com/office/powerpoint/2010/main" xmlns="" val="1950814835"/>
       </p:ext>
     </p:extLst>
   </p:cSld>
@@ -845,7 +843,7 @@
     </p:spTree>
     <p:extLst>
       <p:ext uri="{BB962C8B-B14F-4D97-AF65-F5344CB8AC3E}">
-        <p14:creationId xmlns="" xmlns:p14="http://schemas.microsoft.com/office/powerpoint/2010/main" val="2719101752"/>
+        <p14:creationId xmlns:p14="http://schemas.microsoft.com/office/powerpoint/2010/main" xmlns="" val="2719101752"/>
       </p:ext>
     </p:extLst>
   </p:cSld>
@@ -930,92 +928,7 @@
     </p:spTree>
     <p:extLst>
       <p:ext uri="{BB962C8B-B14F-4D97-AF65-F5344CB8AC3E}">
-        <p14:creationId xmlns="" xmlns:p14="http://schemas.microsoft.com/office/powerpoint/2010/main" val="1632278876"/>
-      </p:ext>
-    </p:extLst>
-  </p:cSld>
-  <p:clrMapOvr>
-    <a:masterClrMapping/>
-  </p:clrMapOvr>
-</p:notes>
-</file>
-
-<file path=ppt/notesSlides/notesSlide4.xml><?xml version="1.0" encoding="utf-8"?>
-<p:notes xmlns:a="http://schemas.openxmlformats.org/drawingml/2006/main" xmlns:r="http://schemas.openxmlformats.org/officeDocument/2006/relationships" xmlns:p="http://schemas.openxmlformats.org/presentationml/2006/main">
-  <p:cSld>
-    <p:spTree>
-      <p:nvGrpSpPr>
-        <p:cNvPr id="1" name=""/>
-        <p:cNvGrpSpPr/>
-        <p:nvPr/>
-      </p:nvGrpSpPr>
-      <p:grpSpPr>
-        <a:xfrm>
-          <a:off x="0" y="0"/>
-          <a:ext cx="0" cy="0"/>
-          <a:chOff x="0" y="0"/>
-          <a:chExt cx="0" cy="0"/>
-        </a:xfrm>
-      </p:grpSpPr>
-      <p:sp>
-        <p:nvSpPr>
-          <p:cNvPr id="2" name="Slide Image Placeholder 1"/>
-          <p:cNvSpPr>
-            <a:spLocks noGrp="1" noRot="1" noChangeAspect="1"/>
-          </p:cNvSpPr>
-          <p:nvPr>
-            <p:ph type="sldImg"/>
-          </p:nvPr>
-        </p:nvSpPr>
-        <p:spPr/>
-      </p:sp>
-      <p:sp>
-        <p:nvSpPr>
-          <p:cNvPr id="3" name="Notes Placeholder 2"/>
-          <p:cNvSpPr>
-            <a:spLocks noGrp="1"/>
-          </p:cNvSpPr>
-          <p:nvPr>
-            <p:ph type="body" idx="1"/>
-          </p:nvPr>
-        </p:nvSpPr>
-        <p:spPr/>
-        <p:txBody>
-          <a:bodyPr/>
-          <a:lstStyle/>
-          <a:p>
-            <a:endParaRPr lang="en-US" dirty="0"/>
-          </a:p>
-        </p:txBody>
-      </p:sp>
-      <p:sp>
-        <p:nvSpPr>
-          <p:cNvPr id="4" name="Slide Number Placeholder 3"/>
-          <p:cNvSpPr>
-            <a:spLocks noGrp="1"/>
-          </p:cNvSpPr>
-          <p:nvPr>
-            <p:ph type="sldNum" sz="quarter" idx="5"/>
-          </p:nvPr>
-        </p:nvSpPr>
-        <p:spPr/>
-        <p:txBody>
-          <a:bodyPr/>
-          <a:lstStyle/>
-          <a:p>
-            <a:fld id="{6DEB7EE2-04A2-4FB2-9625-C9C73AC4D32F}" type="slidenum">
-              <a:rPr lang="en-US" altLang="en-US" smtClean="0"/>
-              <a:pPr/>
-              <a:t>20</a:t>
-            </a:fld>
-            <a:endParaRPr lang="en-US" altLang="en-US" dirty="0"/>
-          </a:p>
-        </p:txBody>
-      </p:sp>
-    </p:spTree>
-    <p:extLst>
-      <p:ext uri="{BB962C8B-B14F-4D97-AF65-F5344CB8AC3E}">
-        <p14:creationId xmlns="" xmlns:p14="http://schemas.microsoft.com/office/powerpoint/2010/main" val="4095288264"/>
+        <p14:creationId xmlns:p14="http://schemas.microsoft.com/office/powerpoint/2010/main" xmlns="" val="1632278876"/>
       </p:ext>
     </p:extLst>
   </p:cSld>
@@ -1055,7 +968,7 @@
           <p:cNvPr id="2" name="Picture 1" descr="Chart, background pattern&#10;&#10;Description automatically generated">
             <a:extLst>
               <a:ext uri="{FF2B5EF4-FFF2-40B4-BE49-F238E27FC236}">
-                <a16:creationId xmlns="" xmlns:a16="http://schemas.microsoft.com/office/drawing/2014/main" id="{F3386FAC-ADFA-41EF-9C49-66952E35CA9C}"/>
+                <a16:creationId xmlns:a16="http://schemas.microsoft.com/office/drawing/2014/main" xmlns="" id="{F3386FAC-ADFA-41EF-9C49-66952E35CA9C}"/>
               </a:ext>
             </a:extLst>
           </p:cNvPr>
@@ -1068,7 +981,7 @@
           <a:blip r:embed="rId2">
             <a:extLst>
               <a:ext uri="{28A0092B-C50C-407E-A947-70E740481C1C}">
-                <a14:useLocalDpi xmlns="" xmlns:a14="http://schemas.microsoft.com/office/drawing/2010/main" val="0"/>
+                <a14:useLocalDpi xmlns:a14="http://schemas.microsoft.com/office/drawing/2010/main" xmlns="" val="0"/>
               </a:ext>
             </a:extLst>
           </a:blip>
@@ -1090,7 +1003,7 @@
           <p:cNvPr id="19" name="Text Placeholder 18">
             <a:extLst>
               <a:ext uri="{FF2B5EF4-FFF2-40B4-BE49-F238E27FC236}">
-                <a16:creationId xmlns="" xmlns:a16="http://schemas.microsoft.com/office/drawing/2014/main" id="{69BE3FD0-1382-4F0E-A01F-F6C205E7DCDC}"/>
+                <a16:creationId xmlns:a16="http://schemas.microsoft.com/office/drawing/2014/main" xmlns="" id="{69BE3FD0-1382-4F0E-A01F-F6C205E7DCDC}"/>
               </a:ext>
             </a:extLst>
           </p:cNvPr>
@@ -1149,7 +1062,7 @@
           <p:cNvPr id="7" name="Rectangle 2">
             <a:extLst>
               <a:ext uri="{FF2B5EF4-FFF2-40B4-BE49-F238E27FC236}">
-                <a16:creationId xmlns="" xmlns:a16="http://schemas.microsoft.com/office/drawing/2014/main" id="{2E0BC0C9-E1C8-43B4-B02D-558783360CD4}"/>
+                <a16:creationId xmlns:a16="http://schemas.microsoft.com/office/drawing/2014/main" xmlns="" id="{2E0BC0C9-E1C8-43B4-B02D-558783360CD4}"/>
               </a:ext>
             </a:extLst>
           </p:cNvPr>
@@ -1194,7 +1107,7 @@
     </p:spTree>
     <p:extLst>
       <p:ext uri="{BB962C8B-B14F-4D97-AF65-F5344CB8AC3E}">
-        <p14:creationId xmlns="" xmlns:p14="http://schemas.microsoft.com/office/powerpoint/2010/main" val="1440679267"/>
+        <p14:creationId xmlns:p14="http://schemas.microsoft.com/office/powerpoint/2010/main" xmlns="" val="1440679267"/>
       </p:ext>
     </p:extLst>
   </p:cSld>
@@ -1203,7 +1116,7 @@
   </p:clrMapOvr>
   <p:extLst>
     <p:ext uri="{DCECCB84-F9BA-43D5-87BE-67443E8EF086}">
-      <p15:sldGuideLst xmlns="" xmlns:p15="http://schemas.microsoft.com/office/powerpoint/2012/main">
+      <p15:sldGuideLst xmlns:p15="http://schemas.microsoft.com/office/powerpoint/2012/main" xmlns="">
         <p15:guide id="1" pos="2808" userDrawn="1">
           <p15:clr>
             <a:srgbClr val="FBAE40"/>
@@ -1310,7 +1223,7 @@
     </p:spTree>
     <p:extLst>
       <p:ext uri="{BB962C8B-B14F-4D97-AF65-F5344CB8AC3E}">
-        <p14:creationId xmlns="" xmlns:p14="http://schemas.microsoft.com/office/powerpoint/2010/main" val="4137841689"/>
+        <p14:creationId xmlns:p14="http://schemas.microsoft.com/office/powerpoint/2010/main" xmlns="" val="4137841689"/>
       </p:ext>
     </p:extLst>
   </p:cSld>
@@ -1350,7 +1263,7 @@
           <p:cNvPr id="3" name="Picture 2" descr="Chart, background pattern&#10;&#10;Description automatically generated">
             <a:extLst>
               <a:ext uri="{FF2B5EF4-FFF2-40B4-BE49-F238E27FC236}">
-                <a16:creationId xmlns="" xmlns:a16="http://schemas.microsoft.com/office/drawing/2014/main" id="{E9914566-E790-44E9-BF0F-0D38A423F962}"/>
+                <a16:creationId xmlns:a16="http://schemas.microsoft.com/office/drawing/2014/main" xmlns="" id="{E9914566-E790-44E9-BF0F-0D38A423F962}"/>
               </a:ext>
             </a:extLst>
           </p:cNvPr>
@@ -1363,7 +1276,7 @@
           <a:blip r:embed="rId2">
             <a:extLst>
               <a:ext uri="{28A0092B-C50C-407E-A947-70E740481C1C}">
-                <a14:useLocalDpi xmlns="" xmlns:a14="http://schemas.microsoft.com/office/drawing/2010/main" val="0"/>
+                <a14:useLocalDpi xmlns:a14="http://schemas.microsoft.com/office/drawing/2010/main" xmlns="" val="0"/>
               </a:ext>
             </a:extLst>
           </a:blip>
@@ -1385,7 +1298,7 @@
           <p:cNvPr id="16" name="Text Placeholder 15">
             <a:extLst>
               <a:ext uri="{FF2B5EF4-FFF2-40B4-BE49-F238E27FC236}">
-                <a16:creationId xmlns="" xmlns:a16="http://schemas.microsoft.com/office/drawing/2014/main" id="{8498B63D-F60C-4A9D-8D3E-0C7CD748FEDE}"/>
+                <a16:creationId xmlns:a16="http://schemas.microsoft.com/office/drawing/2014/main" xmlns="" id="{8498B63D-F60C-4A9D-8D3E-0C7CD748FEDE}"/>
               </a:ext>
             </a:extLst>
           </p:cNvPr>
@@ -1434,7 +1347,7 @@
           <p:cNvPr id="14" name="Picture Placeholder 13">
             <a:extLst>
               <a:ext uri="{FF2B5EF4-FFF2-40B4-BE49-F238E27FC236}">
-                <a16:creationId xmlns="" xmlns:a16="http://schemas.microsoft.com/office/drawing/2014/main" id="{9B1932CF-F265-4AEE-8704-F42C01AFB479}"/>
+                <a16:creationId xmlns:a16="http://schemas.microsoft.com/office/drawing/2014/main" xmlns="" id="{9B1932CF-F265-4AEE-8704-F42C01AFB479}"/>
               </a:ext>
             </a:extLst>
           </p:cNvPr>
@@ -1473,7 +1386,7 @@
           <p:cNvPr id="2" name="Title 1">
             <a:extLst>
               <a:ext uri="{FF2B5EF4-FFF2-40B4-BE49-F238E27FC236}">
-                <a16:creationId xmlns="" xmlns:a16="http://schemas.microsoft.com/office/drawing/2014/main" id="{891853E6-9C06-4DC2-B8A4-681C3D34BE75}"/>
+                <a16:creationId xmlns:a16="http://schemas.microsoft.com/office/drawing/2014/main" xmlns="" id="{891853E6-9C06-4DC2-B8A4-681C3D34BE75}"/>
               </a:ext>
             </a:extLst>
           </p:cNvPr>
@@ -1519,7 +1432,7 @@
     </p:spTree>
     <p:extLst>
       <p:ext uri="{BB962C8B-B14F-4D97-AF65-F5344CB8AC3E}">
-        <p14:creationId xmlns="" xmlns:p14="http://schemas.microsoft.com/office/powerpoint/2010/main" val="3104946878"/>
+        <p14:creationId xmlns:p14="http://schemas.microsoft.com/office/powerpoint/2010/main" xmlns="" val="3104946878"/>
       </p:ext>
     </p:extLst>
   </p:cSld>
@@ -1559,7 +1472,7 @@
           <p:cNvPr id="3" name="Picture 2" descr="Chart, background pattern&#10;&#10;Description automatically generated">
             <a:extLst>
               <a:ext uri="{FF2B5EF4-FFF2-40B4-BE49-F238E27FC236}">
-                <a16:creationId xmlns="" xmlns:a16="http://schemas.microsoft.com/office/drawing/2014/main" id="{B4F28166-FA93-42F3-90D5-A5BBE10D86FE}"/>
+                <a16:creationId xmlns:a16="http://schemas.microsoft.com/office/drawing/2014/main" xmlns="" id="{B4F28166-FA93-42F3-90D5-A5BBE10D86FE}"/>
               </a:ext>
             </a:extLst>
           </p:cNvPr>
@@ -1572,7 +1485,7 @@
           <a:blip r:embed="rId2">
             <a:extLst>
               <a:ext uri="{28A0092B-C50C-407E-A947-70E740481C1C}">
-                <a14:useLocalDpi xmlns="" xmlns:a14="http://schemas.microsoft.com/office/drawing/2010/main" val="0"/>
+                <a14:useLocalDpi xmlns:a14="http://schemas.microsoft.com/office/drawing/2010/main" xmlns="" val="0"/>
               </a:ext>
             </a:extLst>
           </a:blip>
@@ -1594,7 +1507,7 @@
           <p:cNvPr id="16" name="Text Placeholder 15">
             <a:extLst>
               <a:ext uri="{FF2B5EF4-FFF2-40B4-BE49-F238E27FC236}">
-                <a16:creationId xmlns="" xmlns:a16="http://schemas.microsoft.com/office/drawing/2014/main" id="{8498B63D-F60C-4A9D-8D3E-0C7CD748FEDE}"/>
+                <a16:creationId xmlns:a16="http://schemas.microsoft.com/office/drawing/2014/main" xmlns="" id="{8498B63D-F60C-4A9D-8D3E-0C7CD748FEDE}"/>
               </a:ext>
             </a:extLst>
           </p:cNvPr>
@@ -1643,7 +1556,7 @@
           <p:cNvPr id="8" name="Picture Placeholder 13">
             <a:extLst>
               <a:ext uri="{FF2B5EF4-FFF2-40B4-BE49-F238E27FC236}">
-                <a16:creationId xmlns="" xmlns:a16="http://schemas.microsoft.com/office/drawing/2014/main" id="{89E410BA-B0FE-4F0E-8BE5-D33CC016635B}"/>
+                <a16:creationId xmlns:a16="http://schemas.microsoft.com/office/drawing/2014/main" xmlns="" id="{89E410BA-B0FE-4F0E-8BE5-D33CC016635B}"/>
               </a:ext>
             </a:extLst>
           </p:cNvPr>
@@ -1684,7 +1597,7 @@
           <p:cNvPr id="9" name="Picture Placeholder 13">
             <a:extLst>
               <a:ext uri="{FF2B5EF4-FFF2-40B4-BE49-F238E27FC236}">
-                <a16:creationId xmlns="" xmlns:a16="http://schemas.microsoft.com/office/drawing/2014/main" id="{827A95C0-AE8D-46E1-9EF9-64504CBEF99E}"/>
+                <a16:creationId xmlns:a16="http://schemas.microsoft.com/office/drawing/2014/main" xmlns="" id="{827A95C0-AE8D-46E1-9EF9-64504CBEF99E}"/>
               </a:ext>
             </a:extLst>
           </p:cNvPr>
@@ -1725,7 +1638,7 @@
           <p:cNvPr id="7" name="Title 1">
             <a:extLst>
               <a:ext uri="{FF2B5EF4-FFF2-40B4-BE49-F238E27FC236}">
-                <a16:creationId xmlns="" xmlns:a16="http://schemas.microsoft.com/office/drawing/2014/main" id="{9AF0AFCE-F48A-4C35-9245-AFC319274E50}"/>
+                <a16:creationId xmlns:a16="http://schemas.microsoft.com/office/drawing/2014/main" xmlns="" id="{9AF0AFCE-F48A-4C35-9245-AFC319274E50}"/>
               </a:ext>
             </a:extLst>
           </p:cNvPr>
@@ -1771,7 +1684,7 @@
     </p:spTree>
     <p:extLst>
       <p:ext uri="{BB962C8B-B14F-4D97-AF65-F5344CB8AC3E}">
-        <p14:creationId xmlns="" xmlns:p14="http://schemas.microsoft.com/office/powerpoint/2010/main" val="1586680172"/>
+        <p14:creationId xmlns:p14="http://schemas.microsoft.com/office/powerpoint/2010/main" xmlns="" val="1586680172"/>
       </p:ext>
     </p:extLst>
   </p:cSld>
@@ -1780,7 +1693,7 @@
   </p:clrMapOvr>
   <p:extLst>
     <p:ext uri="{DCECCB84-F9BA-43D5-87BE-67443E8EF086}">
-      <p15:sldGuideLst xmlns="" xmlns:p15="http://schemas.microsoft.com/office/powerpoint/2012/main">
+      <p15:sldGuideLst xmlns:p15="http://schemas.microsoft.com/office/powerpoint/2012/main" xmlns="">
         <p15:guide id="1" orient="horz" pos="3672" userDrawn="1">
           <p15:clr>
             <a:srgbClr val="FBAE40"/>
@@ -1824,7 +1737,7 @@
           <p:cNvPr id="2" name="Picture 1" descr="Chart, background pattern&#10;&#10;Description automatically generated">
             <a:extLst>
               <a:ext uri="{FF2B5EF4-FFF2-40B4-BE49-F238E27FC236}">
-                <a16:creationId xmlns="" xmlns:a16="http://schemas.microsoft.com/office/drawing/2014/main" id="{570FCE13-E0EE-4C5A-BDB0-04E8FE4D216E}"/>
+                <a16:creationId xmlns:a16="http://schemas.microsoft.com/office/drawing/2014/main" xmlns="" id="{570FCE13-E0EE-4C5A-BDB0-04E8FE4D216E}"/>
               </a:ext>
             </a:extLst>
           </p:cNvPr>
@@ -1837,7 +1750,7 @@
           <a:blip r:embed="rId2">
             <a:extLst>
               <a:ext uri="{28A0092B-C50C-407E-A947-70E740481C1C}">
-                <a14:useLocalDpi xmlns="" xmlns:a14="http://schemas.microsoft.com/office/drawing/2010/main" val="0"/>
+                <a14:useLocalDpi xmlns:a14="http://schemas.microsoft.com/office/drawing/2010/main" xmlns="" val="0"/>
               </a:ext>
             </a:extLst>
           </a:blip>
@@ -1859,7 +1772,7 @@
           <p:cNvPr id="12" name="Text Placeholder 15">
             <a:extLst>
               <a:ext uri="{FF2B5EF4-FFF2-40B4-BE49-F238E27FC236}">
-                <a16:creationId xmlns="" xmlns:a16="http://schemas.microsoft.com/office/drawing/2014/main" id="{E8DBED36-2461-46D0-AF71-79E0064B3758}"/>
+                <a16:creationId xmlns:a16="http://schemas.microsoft.com/office/drawing/2014/main" xmlns="" id="{E8DBED36-2461-46D0-AF71-79E0064B3758}"/>
               </a:ext>
             </a:extLst>
           </p:cNvPr>
@@ -1920,7 +1833,7 @@
           <p:cNvPr id="3" name="Title 2">
             <a:extLst>
               <a:ext uri="{FF2B5EF4-FFF2-40B4-BE49-F238E27FC236}">
-                <a16:creationId xmlns="" xmlns:a16="http://schemas.microsoft.com/office/drawing/2014/main" id="{F23A82FA-1F05-4BAB-8768-A4575B1AEA6A}"/>
+                <a16:creationId xmlns:a16="http://schemas.microsoft.com/office/drawing/2014/main" xmlns="" id="{F23A82FA-1F05-4BAB-8768-A4575B1AEA6A}"/>
               </a:ext>
             </a:extLst>
           </p:cNvPr>
@@ -1969,7 +1882,7 @@
     </p:spTree>
     <p:extLst>
       <p:ext uri="{BB962C8B-B14F-4D97-AF65-F5344CB8AC3E}">
-        <p14:creationId xmlns="" xmlns:p14="http://schemas.microsoft.com/office/powerpoint/2010/main" val="172072613"/>
+        <p14:creationId xmlns:p14="http://schemas.microsoft.com/office/powerpoint/2010/main" xmlns="" val="172072613"/>
       </p:ext>
     </p:extLst>
   </p:cSld>
@@ -1977,7 +1890,7 @@
     <a:overrideClrMapping bg1="lt1" tx1="dk1" bg2="lt2" tx2="dk2" accent1="accent1" accent2="accent2" accent3="accent3" accent4="accent4" accent5="accent5" accent6="accent6" hlink="hlink" folHlink="folHlink"/>
   </p:clrMapOvr>
   <mc:AlternateContent xmlns:mc="http://schemas.openxmlformats.org/markup-compatibility/2006">
-    <mc:Choice xmlns="" xmlns:p14="http://schemas.microsoft.com/office/powerpoint/2010/main" Requires="p14">
+    <mc:Choice xmlns:p14="http://schemas.microsoft.com/office/powerpoint/2010/main" xmlns="" Requires="p14">
       <p:transition spd="med" p14:dur="700">
         <p:fade/>
       </p:transition>
@@ -1990,7 +1903,7 @@
   </mc:AlternateContent>
   <p:extLst>
     <p:ext uri="{DCECCB84-F9BA-43D5-87BE-67443E8EF086}">
-      <p15:sldGuideLst xmlns="" xmlns:p15="http://schemas.microsoft.com/office/powerpoint/2012/main">
+      <p15:sldGuideLst xmlns:p15="http://schemas.microsoft.com/office/powerpoint/2012/main" xmlns="">
         <p15:guide id="1" orient="horz" pos="2160">
           <p15:clr>
             <a:srgbClr val="FBAE40"/>
@@ -2047,7 +1960,7 @@
           <p:cNvPr id="3" name="Picture 2" descr="Chart, background pattern&#10;&#10;Description automatically generated">
             <a:extLst>
               <a:ext uri="{FF2B5EF4-FFF2-40B4-BE49-F238E27FC236}">
-                <a16:creationId xmlns="" xmlns:a16="http://schemas.microsoft.com/office/drawing/2014/main" id="{D02F07F5-7B28-4FAB-AE64-9567EE73DE58}"/>
+                <a16:creationId xmlns:a16="http://schemas.microsoft.com/office/drawing/2014/main" xmlns="" id="{D02F07F5-7B28-4FAB-AE64-9567EE73DE58}"/>
               </a:ext>
             </a:extLst>
           </p:cNvPr>
@@ -2060,7 +1973,7 @@
           <a:blip r:embed="rId2">
             <a:extLst>
               <a:ext uri="{28A0092B-C50C-407E-A947-70E740481C1C}">
-                <a14:useLocalDpi xmlns="" xmlns:a14="http://schemas.microsoft.com/office/drawing/2010/main" val="0"/>
+                <a14:useLocalDpi xmlns:a14="http://schemas.microsoft.com/office/drawing/2010/main" xmlns="" val="0"/>
               </a:ext>
             </a:extLst>
           </a:blip>
@@ -2082,7 +1995,7 @@
           <p:cNvPr id="12" name="Text Placeholder 15">
             <a:extLst>
               <a:ext uri="{FF2B5EF4-FFF2-40B4-BE49-F238E27FC236}">
-                <a16:creationId xmlns="" xmlns:a16="http://schemas.microsoft.com/office/drawing/2014/main" id="{E8DBED36-2461-46D0-AF71-79E0064B3758}"/>
+                <a16:creationId xmlns:a16="http://schemas.microsoft.com/office/drawing/2014/main" xmlns="" id="{E8DBED36-2461-46D0-AF71-79E0064B3758}"/>
               </a:ext>
             </a:extLst>
           </p:cNvPr>
@@ -2143,7 +2056,7 @@
           <p:cNvPr id="2" name="Title 1">
             <a:extLst>
               <a:ext uri="{FF2B5EF4-FFF2-40B4-BE49-F238E27FC236}">
-                <a16:creationId xmlns="" xmlns:a16="http://schemas.microsoft.com/office/drawing/2014/main" id="{13E3504F-F7AC-4961-8027-04414EA28A76}"/>
+                <a16:creationId xmlns:a16="http://schemas.microsoft.com/office/drawing/2014/main" xmlns="" id="{13E3504F-F7AC-4961-8027-04414EA28A76}"/>
               </a:ext>
             </a:extLst>
           </p:cNvPr>
@@ -2196,7 +2109,7 @@
     </p:spTree>
     <p:extLst>
       <p:ext uri="{BB962C8B-B14F-4D97-AF65-F5344CB8AC3E}">
-        <p14:creationId xmlns="" xmlns:p14="http://schemas.microsoft.com/office/powerpoint/2010/main" val="2189876105"/>
+        <p14:creationId xmlns:p14="http://schemas.microsoft.com/office/powerpoint/2010/main" xmlns="" val="2189876105"/>
       </p:ext>
     </p:extLst>
   </p:cSld>
@@ -2204,7 +2117,7 @@
     <a:masterClrMapping/>
   </p:clrMapOvr>
   <mc:AlternateContent xmlns:mc="http://schemas.openxmlformats.org/markup-compatibility/2006">
-    <mc:Choice xmlns="" xmlns:p14="http://schemas.microsoft.com/office/powerpoint/2010/main" Requires="p14">
+    <mc:Choice xmlns:p14="http://schemas.microsoft.com/office/powerpoint/2010/main" xmlns="" Requires="p14">
       <p:transition spd="med" p14:dur="700">
         <p:fade/>
       </p:transition>
@@ -2217,7 +2130,7 @@
   </mc:AlternateContent>
   <p:extLst>
     <p:ext uri="{DCECCB84-F9BA-43D5-87BE-67443E8EF086}">
-      <p15:sldGuideLst xmlns="" xmlns:p15="http://schemas.microsoft.com/office/powerpoint/2012/main">
+      <p15:sldGuideLst xmlns:p15="http://schemas.microsoft.com/office/powerpoint/2012/main" xmlns="">
         <p15:guide id="1" orient="horz" pos="2160">
           <p15:clr>
             <a:srgbClr val="FBAE40"/>
@@ -2274,7 +2187,7 @@
           <p:cNvPr id="3" name="Picture 2" descr="Shape, arrow&#10;&#10;Description automatically generated">
             <a:extLst>
               <a:ext uri="{FF2B5EF4-FFF2-40B4-BE49-F238E27FC236}">
-                <a16:creationId xmlns="" xmlns:a16="http://schemas.microsoft.com/office/drawing/2014/main" id="{028401E1-3B09-44F5-B61D-E811BC24E22A}"/>
+                <a16:creationId xmlns:a16="http://schemas.microsoft.com/office/drawing/2014/main" xmlns="" id="{028401E1-3B09-44F5-B61D-E811BC24E22A}"/>
               </a:ext>
             </a:extLst>
           </p:cNvPr>
@@ -2288,7 +2201,7 @@
             <a:alphaModFix amt="35000"/>
             <a:extLst>
               <a:ext uri="{28A0092B-C50C-407E-A947-70E740481C1C}">
-                <a14:useLocalDpi xmlns="" xmlns:a14="http://schemas.microsoft.com/office/drawing/2010/main" val="0"/>
+                <a14:useLocalDpi xmlns:a14="http://schemas.microsoft.com/office/drawing/2010/main" xmlns="" val="0"/>
               </a:ext>
             </a:extLst>
           </a:blip>
@@ -2310,7 +2223,7 @@
           <p:cNvPr id="5" name="Title 1">
             <a:extLst>
               <a:ext uri="{FF2B5EF4-FFF2-40B4-BE49-F238E27FC236}">
-                <a16:creationId xmlns="" xmlns:a16="http://schemas.microsoft.com/office/drawing/2014/main" id="{3D9303A2-B30A-054C-B809-053B909E125F}"/>
+                <a16:creationId xmlns:a16="http://schemas.microsoft.com/office/drawing/2014/main" xmlns="" id="{3D9303A2-B30A-054C-B809-053B909E125F}"/>
               </a:ext>
             </a:extLst>
           </p:cNvPr>
@@ -2368,7 +2281,7 @@
           <p:cNvPr id="6" name="Text Placeholder 4">
             <a:extLst>
               <a:ext uri="{FF2B5EF4-FFF2-40B4-BE49-F238E27FC236}">
-                <a16:creationId xmlns="" xmlns:a16="http://schemas.microsoft.com/office/drawing/2014/main" id="{10F58DD1-3970-D84D-8040-EF33B0971D59}"/>
+                <a16:creationId xmlns:a16="http://schemas.microsoft.com/office/drawing/2014/main" xmlns="" id="{10F58DD1-3970-D84D-8040-EF33B0971D59}"/>
               </a:ext>
             </a:extLst>
           </p:cNvPr>
@@ -2425,7 +2338,7 @@
     </p:spTree>
     <p:extLst>
       <p:ext uri="{BB962C8B-B14F-4D97-AF65-F5344CB8AC3E}">
-        <p14:creationId xmlns="" xmlns:p14="http://schemas.microsoft.com/office/powerpoint/2010/main" val="3240882942"/>
+        <p14:creationId xmlns:p14="http://schemas.microsoft.com/office/powerpoint/2010/main" xmlns="" val="3240882942"/>
       </p:ext>
     </p:extLst>
   </p:cSld>
@@ -2433,7 +2346,7 @@
     <a:masterClrMapping/>
   </p:clrMapOvr>
   <mc:AlternateContent xmlns:mc="http://schemas.openxmlformats.org/markup-compatibility/2006">
-    <mc:Choice xmlns="" xmlns:p14="http://schemas.microsoft.com/office/powerpoint/2010/main" Requires="p14">
+    <mc:Choice xmlns:p14="http://schemas.microsoft.com/office/powerpoint/2010/main" xmlns="" Requires="p14">
       <p:transition spd="med" p14:dur="700">
         <p:fade/>
       </p:transition>
@@ -2446,7 +2359,7 @@
   </mc:AlternateContent>
   <p:extLst>
     <p:ext uri="{DCECCB84-F9BA-43D5-87BE-67443E8EF086}">
-      <p15:sldGuideLst xmlns="" xmlns:p15="http://schemas.microsoft.com/office/powerpoint/2012/main">
+      <p15:sldGuideLst xmlns:p15="http://schemas.microsoft.com/office/powerpoint/2012/main" xmlns="">
         <p15:guide id="1" orient="horz" pos="2160">
           <p15:clr>
             <a:srgbClr val="FBAE40"/>
@@ -2503,7 +2416,7 @@
           <p:cNvPr id="14" name="Text Placeholder 4">
             <a:extLst>
               <a:ext uri="{FF2B5EF4-FFF2-40B4-BE49-F238E27FC236}">
-                <a16:creationId xmlns="" xmlns:a16="http://schemas.microsoft.com/office/drawing/2014/main" id="{1EEF53A4-35A6-4E43-B220-67DA381C5910}"/>
+                <a16:creationId xmlns:a16="http://schemas.microsoft.com/office/drawing/2014/main" xmlns="" id="{1EEF53A4-35A6-4E43-B220-67DA381C5910}"/>
               </a:ext>
             </a:extLst>
           </p:cNvPr>
@@ -2564,7 +2477,7 @@
           <p:cNvPr id="5" name="Title 1">
             <a:extLst>
               <a:ext uri="{FF2B5EF4-FFF2-40B4-BE49-F238E27FC236}">
-                <a16:creationId xmlns="" xmlns:a16="http://schemas.microsoft.com/office/drawing/2014/main" id="{07724906-4405-47F4-B533-7291B003B0A2}"/>
+                <a16:creationId xmlns:a16="http://schemas.microsoft.com/office/drawing/2014/main" xmlns="" id="{07724906-4405-47F4-B533-7291B003B0A2}"/>
               </a:ext>
             </a:extLst>
           </p:cNvPr>
@@ -2623,7 +2536,7 @@
           <p:cNvPr id="2" name="Picture 1" descr="Chart, background pattern&#10;&#10;Description automatically generated">
             <a:extLst>
               <a:ext uri="{FF2B5EF4-FFF2-40B4-BE49-F238E27FC236}">
-                <a16:creationId xmlns="" xmlns:a16="http://schemas.microsoft.com/office/drawing/2014/main" id="{F2674189-311A-4AD6-ACED-1AF38642799F}"/>
+                <a16:creationId xmlns:a16="http://schemas.microsoft.com/office/drawing/2014/main" xmlns="" id="{F2674189-311A-4AD6-ACED-1AF38642799F}"/>
               </a:ext>
             </a:extLst>
           </p:cNvPr>
@@ -2636,7 +2549,7 @@
           <a:blip r:embed="rId2">
             <a:extLst>
               <a:ext uri="{28A0092B-C50C-407E-A947-70E740481C1C}">
-                <a14:useLocalDpi xmlns="" xmlns:a14="http://schemas.microsoft.com/office/drawing/2010/main" val="0"/>
+                <a14:useLocalDpi xmlns:a14="http://schemas.microsoft.com/office/drawing/2010/main" xmlns="" val="0"/>
               </a:ext>
             </a:extLst>
           </a:blip>
@@ -2656,7 +2569,7 @@
     </p:spTree>
     <p:extLst>
       <p:ext uri="{BB962C8B-B14F-4D97-AF65-F5344CB8AC3E}">
-        <p14:creationId xmlns="" xmlns:p14="http://schemas.microsoft.com/office/powerpoint/2010/main" val="495523106"/>
+        <p14:creationId xmlns:p14="http://schemas.microsoft.com/office/powerpoint/2010/main" xmlns="" val="495523106"/>
       </p:ext>
     </p:extLst>
   </p:cSld>
@@ -2696,7 +2609,7 @@
           <p:cNvPr id="13" name="Title 1">
             <a:extLst>
               <a:ext uri="{FF2B5EF4-FFF2-40B4-BE49-F238E27FC236}">
-                <a16:creationId xmlns="" xmlns:a16="http://schemas.microsoft.com/office/drawing/2014/main" id="{BC00585D-E155-409A-899A-29BDF4E57FD3}"/>
+                <a16:creationId xmlns:a16="http://schemas.microsoft.com/office/drawing/2014/main" xmlns="" id="{BC00585D-E155-409A-899A-29BDF4E57FD3}"/>
               </a:ext>
             </a:extLst>
           </p:cNvPr>
@@ -2755,7 +2668,7 @@
           <p:cNvPr id="5" name="Text Placeholder 4">
             <a:extLst>
               <a:ext uri="{FF2B5EF4-FFF2-40B4-BE49-F238E27FC236}">
-                <a16:creationId xmlns="" xmlns:a16="http://schemas.microsoft.com/office/drawing/2014/main" id="{2D944D9B-AA15-4DB5-AE58-0FA514F6FE87}"/>
+                <a16:creationId xmlns:a16="http://schemas.microsoft.com/office/drawing/2014/main" xmlns="" id="{2D944D9B-AA15-4DB5-AE58-0FA514F6FE87}"/>
               </a:ext>
             </a:extLst>
           </p:cNvPr>
@@ -2816,7 +2729,7 @@
           <p:cNvPr id="2" name="Picture 1" descr="Chart, background pattern&#10;&#10;Description automatically generated">
             <a:extLst>
               <a:ext uri="{FF2B5EF4-FFF2-40B4-BE49-F238E27FC236}">
-                <a16:creationId xmlns="" xmlns:a16="http://schemas.microsoft.com/office/drawing/2014/main" id="{75AA916B-1CCB-46CB-9D3B-BAF329AD02FA}"/>
+                <a16:creationId xmlns:a16="http://schemas.microsoft.com/office/drawing/2014/main" xmlns="" id="{75AA916B-1CCB-46CB-9D3B-BAF329AD02FA}"/>
               </a:ext>
             </a:extLst>
           </p:cNvPr>
@@ -2829,7 +2742,7 @@
           <a:blip r:embed="rId2">
             <a:extLst>
               <a:ext uri="{28A0092B-C50C-407E-A947-70E740481C1C}">
-                <a14:useLocalDpi xmlns="" xmlns:a14="http://schemas.microsoft.com/office/drawing/2010/main" val="0"/>
+                <a14:useLocalDpi xmlns:a14="http://schemas.microsoft.com/office/drawing/2010/main" xmlns="" val="0"/>
               </a:ext>
             </a:extLst>
           </a:blip>
@@ -2849,7 +2762,7 @@
     </p:spTree>
     <p:extLst>
       <p:ext uri="{BB962C8B-B14F-4D97-AF65-F5344CB8AC3E}">
-        <p14:creationId xmlns="" xmlns:p14="http://schemas.microsoft.com/office/powerpoint/2010/main" val="2499009600"/>
+        <p14:creationId xmlns:p14="http://schemas.microsoft.com/office/powerpoint/2010/main" xmlns="" val="2499009600"/>
       </p:ext>
     </p:extLst>
   </p:cSld>
@@ -2889,7 +2802,7 @@
           <p:cNvPr id="22" name="Text Placeholder 21">
             <a:extLst>
               <a:ext uri="{FF2B5EF4-FFF2-40B4-BE49-F238E27FC236}">
-                <a16:creationId xmlns="" xmlns:a16="http://schemas.microsoft.com/office/drawing/2014/main" id="{CC31B5EA-A920-4B2A-8F05-3C688980E26F}"/>
+                <a16:creationId xmlns:a16="http://schemas.microsoft.com/office/drawing/2014/main" xmlns="" id="{CC31B5EA-A920-4B2A-8F05-3C688980E26F}"/>
               </a:ext>
             </a:extLst>
           </p:cNvPr>
@@ -2999,7 +2912,7 @@
           <p:cNvPr id="16" name="Picture Placeholder 15">
             <a:extLst>
               <a:ext uri="{FF2B5EF4-FFF2-40B4-BE49-F238E27FC236}">
-                <a16:creationId xmlns="" xmlns:a16="http://schemas.microsoft.com/office/drawing/2014/main" id="{FE42B32E-80DC-4AC0-B306-CE8E5CCD934F}"/>
+                <a16:creationId xmlns:a16="http://schemas.microsoft.com/office/drawing/2014/main" xmlns="" id="{FE42B32E-80DC-4AC0-B306-CE8E5CCD934F}"/>
               </a:ext>
             </a:extLst>
           </p:cNvPr>
@@ -3045,7 +2958,7 @@
           <p:cNvPr id="20" name="Picture Placeholder 15">
             <a:extLst>
               <a:ext uri="{FF2B5EF4-FFF2-40B4-BE49-F238E27FC236}">
-                <a16:creationId xmlns="" xmlns:a16="http://schemas.microsoft.com/office/drawing/2014/main" id="{A4E97807-A99D-4012-BE47-7B3C54B502FA}"/>
+                <a16:creationId xmlns:a16="http://schemas.microsoft.com/office/drawing/2014/main" xmlns="" id="{A4E97807-A99D-4012-BE47-7B3C54B502FA}"/>
               </a:ext>
             </a:extLst>
           </p:cNvPr>
@@ -3091,7 +3004,7 @@
           <p:cNvPr id="21" name="Picture Placeholder 15">
             <a:extLst>
               <a:ext uri="{FF2B5EF4-FFF2-40B4-BE49-F238E27FC236}">
-                <a16:creationId xmlns="" xmlns:a16="http://schemas.microsoft.com/office/drawing/2014/main" id="{31025974-D850-4FC0-B6B0-BBF7DFCE1ECE}"/>
+                <a16:creationId xmlns:a16="http://schemas.microsoft.com/office/drawing/2014/main" xmlns="" id="{31025974-D850-4FC0-B6B0-BBF7DFCE1ECE}"/>
               </a:ext>
             </a:extLst>
           </p:cNvPr>
@@ -3137,7 +3050,7 @@
           <p:cNvPr id="19" name="Text Placeholder 4">
             <a:extLst>
               <a:ext uri="{FF2B5EF4-FFF2-40B4-BE49-F238E27FC236}">
-                <a16:creationId xmlns="" xmlns:a16="http://schemas.microsoft.com/office/drawing/2014/main" id="{3E65ED86-A26C-479A-8393-0BFDCBCD43F2}"/>
+                <a16:creationId xmlns:a16="http://schemas.microsoft.com/office/drawing/2014/main" xmlns="" id="{3E65ED86-A26C-479A-8393-0BFDCBCD43F2}"/>
               </a:ext>
             </a:extLst>
           </p:cNvPr>
@@ -3198,7 +3111,7 @@
           <p:cNvPr id="4" name="Title 1">
             <a:extLst>
               <a:ext uri="{FF2B5EF4-FFF2-40B4-BE49-F238E27FC236}">
-                <a16:creationId xmlns="" xmlns:a16="http://schemas.microsoft.com/office/drawing/2014/main" id="{F858EEFF-117E-4B86-B6B2-CD8F71AA8C4A}"/>
+                <a16:creationId xmlns:a16="http://schemas.microsoft.com/office/drawing/2014/main" xmlns="" id="{F858EEFF-117E-4B86-B6B2-CD8F71AA8C4A}"/>
               </a:ext>
             </a:extLst>
           </p:cNvPr>
@@ -3257,7 +3170,7 @@
           <p:cNvPr id="23" name="Text Placeholder 21">
             <a:extLst>
               <a:ext uri="{FF2B5EF4-FFF2-40B4-BE49-F238E27FC236}">
-                <a16:creationId xmlns="" xmlns:a16="http://schemas.microsoft.com/office/drawing/2014/main" id="{C073AF55-A66A-4112-A82D-E09A3D14EDBE}"/>
+                <a16:creationId xmlns:a16="http://schemas.microsoft.com/office/drawing/2014/main" xmlns="" id="{C073AF55-A66A-4112-A82D-E09A3D14EDBE}"/>
               </a:ext>
             </a:extLst>
           </p:cNvPr>
@@ -3367,7 +3280,7 @@
           <p:cNvPr id="24" name="Text Placeholder 21">
             <a:extLst>
               <a:ext uri="{FF2B5EF4-FFF2-40B4-BE49-F238E27FC236}">
-                <a16:creationId xmlns="" xmlns:a16="http://schemas.microsoft.com/office/drawing/2014/main" id="{CBC8787E-EB24-4D42-8555-6C6C11DD51B3}"/>
+                <a16:creationId xmlns:a16="http://schemas.microsoft.com/office/drawing/2014/main" xmlns="" id="{CBC8787E-EB24-4D42-8555-6C6C11DD51B3}"/>
               </a:ext>
             </a:extLst>
           </p:cNvPr>
@@ -3475,7 +3388,7 @@
     </p:spTree>
     <p:extLst>
       <p:ext uri="{BB962C8B-B14F-4D97-AF65-F5344CB8AC3E}">
-        <p14:creationId xmlns="" xmlns:p14="http://schemas.microsoft.com/office/powerpoint/2010/main" val="1422917410"/>
+        <p14:creationId xmlns:p14="http://schemas.microsoft.com/office/powerpoint/2010/main" xmlns="" val="1422917410"/>
       </p:ext>
     </p:extLst>
   </p:cSld>
@@ -3729,7 +3642,7 @@
     </p:spTree>
     <p:extLst>
       <p:ext uri="{BB962C8B-B14F-4D97-AF65-F5344CB8AC3E}">
-        <p14:creationId xmlns="" xmlns:p14="http://schemas.microsoft.com/office/powerpoint/2010/main" val="3429690444"/>
+        <p14:creationId xmlns:p14="http://schemas.microsoft.com/office/powerpoint/2010/main" xmlns="" val="3429690444"/>
       </p:ext>
     </p:extLst>
   </p:cSld>
@@ -4059,7 +3972,7 @@
           <p:cNvPr id="3074" name="Rectangle 2">
             <a:extLst>
               <a:ext uri="{FF2B5EF4-FFF2-40B4-BE49-F238E27FC236}">
-                <a16:creationId xmlns="" xmlns:a16="http://schemas.microsoft.com/office/drawing/2014/main" id="{ED2DB031-9003-4F74-A88F-FE2A2ABABC72}"/>
+                <a16:creationId xmlns:a16="http://schemas.microsoft.com/office/drawing/2014/main" xmlns="" id="{ED2DB031-9003-4F74-A88F-FE2A2ABABC72}"/>
               </a:ext>
             </a:extLst>
           </p:cNvPr>
@@ -4089,7 +4002,15 @@
                   <a:schemeClr val="accent2"/>
                 </a:solidFill>
               </a:rPr>
-              <a:t>COVID-19 Impact on Navajo Nation in Arizona &amp; New Mexico</a:t>
+              <a:t>COVID-19 Impact on Navajo </a:t>
+            </a:r>
+            <a:r>
+              <a:rPr lang="en-US" altLang="en-US" sz="2800" b="1" dirty="0" smtClean="0">
+                <a:solidFill>
+                  <a:schemeClr val="accent2"/>
+                </a:solidFill>
+              </a:rPr>
+              <a:t>Nation</a:t>
             </a:r>
             <a:endParaRPr lang="en-US" altLang="en-US" sz="2800" b="1" dirty="0">
               <a:solidFill>
@@ -4105,7 +4026,7 @@
           <p:cNvPr id="3" name="Rectangle 2">
             <a:extLst>
               <a:ext uri="{FF2B5EF4-FFF2-40B4-BE49-F238E27FC236}">
-                <a16:creationId xmlns="" xmlns:a16="http://schemas.microsoft.com/office/drawing/2014/main" id="{ED2DB031-9003-4F74-A88F-FE2A2ABABC72}"/>
+                <a16:creationId xmlns:a16="http://schemas.microsoft.com/office/drawing/2014/main" xmlns="" id="{ED2DB031-9003-4F74-A88F-FE2A2ABABC72}"/>
               </a:ext>
             </a:extLst>
           </p:cNvPr>
@@ -4180,7 +4101,7 @@
     </p:spTree>
     <p:extLst>
       <p:ext uri="{BB962C8B-B14F-4D97-AF65-F5344CB8AC3E}">
-        <p14:creationId xmlns="" xmlns:p14="http://schemas.microsoft.com/office/powerpoint/2010/main" val="1543265293"/>
+        <p14:creationId xmlns:p14="http://schemas.microsoft.com/office/powerpoint/2010/main" xmlns="" val="1543265293"/>
       </p:ext>
     </p:extLst>
   </p:cSld>
@@ -4188,7 +4109,7 @@
     <a:masterClrMapping/>
   </p:clrMapOvr>
   <mc:AlternateContent xmlns:mc="http://schemas.openxmlformats.org/markup-compatibility/2006">
-    <mc:Choice xmlns="" xmlns:p14="http://schemas.microsoft.com/office/powerpoint/2010/main" Requires="p14">
+    <mc:Choice xmlns:p14="http://schemas.microsoft.com/office/powerpoint/2010/main" xmlns="" Requires="p14">
       <p:transition spd="med" p14:dur="700">
         <p:fade/>
       </p:transition>
@@ -4221,32 +4142,7 @@
       </p:grpSpPr>
       <p:sp>
         <p:nvSpPr>
-          <p:cNvPr id="3" name="Text Placeholder 2"/>
-          <p:cNvSpPr>
-            <a:spLocks noGrp="1"/>
-          </p:cNvSpPr>
-          <p:nvPr>
-            <p:ph type="body" sz="quarter" idx="13"/>
-          </p:nvPr>
-        </p:nvSpPr>
-        <p:spPr/>
-        <p:txBody>
-          <a:bodyPr/>
-          <a:lstStyle/>
-          <a:p>
-            <a:endParaRPr lang="en-US"/>
-          </a:p>
-        </p:txBody>
-      </p:sp>
-      <p:sp>
-        <p:nvSpPr>
-          <p:cNvPr id="5" name="Title 3">
-            <a:extLst>
-              <a:ext uri="{FF2B5EF4-FFF2-40B4-BE49-F238E27FC236}">
-                <a16:creationId xmlns="" xmlns:a16="http://schemas.microsoft.com/office/drawing/2014/main" id="{048FBE6B-DC67-4E64-80F4-CADE978D2FE3}"/>
-              </a:ext>
-            </a:extLst>
-          </p:cNvPr>
+          <p:cNvPr id="2" name="Title 1"/>
           <p:cNvSpPr>
             <a:spLocks noGrp="1"/>
           </p:cNvSpPr>
@@ -4254,28 +4150,718 @@
             <p:ph type="title"/>
           </p:nvPr>
         </p:nvSpPr>
-        <p:spPr/>
+        <p:spPr>
+          <a:xfrm>
+            <a:off x="1439576" y="785792"/>
+            <a:ext cx="9141397" cy="615553"/>
+          </a:xfrm>
+        </p:spPr>
         <p:txBody>
           <a:bodyPr/>
           <a:lstStyle/>
           <a:p>
-            <a:pPr algn="ctr"/>
-            <a:r>
-              <a:rPr lang="en-US" dirty="0" smtClean="0">
-                <a:solidFill>
-                  <a:schemeClr val="accent2"/>
-                </a:solidFill>
-              </a:rPr>
-              <a:t>History</a:t>
-            </a:r>
-            <a:r>
-              <a:rPr lang="en-US" altLang="en-US" dirty="0" smtClean="0"/>
-              <a:t>COVID-19 Impact on Navajo Nation in Arizona &amp; New Mexico</a:t>
-            </a:r>
-            <a:endParaRPr lang="en-US" dirty="0">
+            <a:r>
+              <a:rPr lang="en-US" dirty="0" smtClean="0"/>
+              <a:t>Statistical Analysis in R</a:t>
+            </a:r>
+            <a:endParaRPr lang="en-US" dirty="0"/>
+          </a:p>
+        </p:txBody>
+      </p:sp>
+      <p:sp>
+        <p:nvSpPr>
+          <p:cNvPr id="3" name="Text Placeholder 2"/>
+          <p:cNvSpPr>
+            <a:spLocks noGrp="1"/>
+          </p:cNvSpPr>
+          <p:nvPr>
+            <p:ph type="body" sz="quarter" idx="12"/>
+          </p:nvPr>
+        </p:nvSpPr>
+        <p:spPr>
+          <a:xfrm>
+            <a:off x="352426" y="1498580"/>
+            <a:ext cx="11572874" cy="4845070"/>
+          </a:xfrm>
+        </p:spPr>
+        <p:txBody>
+          <a:bodyPr/>
+          <a:lstStyle/>
+          <a:p>
+            <a:pPr lvl="1"/>
+            <a:r>
+              <a:rPr lang="en-US" sz="2600" dirty="0" smtClean="0"/>
+              <a:t>Next we set upon the task of sorting through our data. </a:t>
+            </a:r>
+          </a:p>
+          <a:p>
+            <a:pPr lvl="2"/>
+            <a:r>
+              <a:rPr lang="en-US" sz="2200" dirty="0" smtClean="0"/>
+              <a:t>In the WRANGLING part mentioned in the previous slide, we loaded our dataset .</a:t>
+            </a:r>
+            <a:r>
+              <a:rPr lang="en-US" sz="2200" dirty="0" err="1" smtClean="0"/>
+              <a:t>csv</a:t>
+            </a:r>
+            <a:r>
+              <a:rPr lang="en-US" sz="2200" dirty="0" smtClean="0"/>
+              <a:t> file into R Studio and used the language of R to begin performing our analysis of the data from Johns </a:t>
+            </a:r>
+            <a:r>
+              <a:rPr lang="en-US" sz="2400" dirty="0" smtClean="0"/>
+              <a:t>Hopkins.  </a:t>
+            </a:r>
+          </a:p>
+          <a:p>
+            <a:pPr lvl="2"/>
+            <a:r>
+              <a:rPr lang="en-US" sz="2400" dirty="0" smtClean="0"/>
+              <a:t>Our original sample size included data that was compiled from 3982 locations from around the world.    </a:t>
+            </a:r>
+          </a:p>
+          <a:p>
+            <a:pPr lvl="2"/>
+            <a:r>
+              <a:rPr lang="en-US" sz="2400" dirty="0" smtClean="0"/>
+              <a:t>We took this data and cross referenced it with </a:t>
+            </a:r>
+            <a:r>
+              <a:rPr lang="en-US" sz="2400" dirty="0" err="1" smtClean="0"/>
+              <a:t>FIPS</a:t>
+            </a:r>
+            <a:r>
+              <a:rPr lang="en-US" sz="2400" dirty="0" smtClean="0"/>
+              <a:t> Codes which is a system developed (US only), and is Federal </a:t>
+            </a:r>
+            <a:r>
+              <a:rPr lang="en-US" sz="2400" dirty="0" smtClean="0"/>
+              <a:t>Information Processing Standards code that uniquely </a:t>
+            </a:r>
+            <a:r>
+              <a:rPr lang="en-US" sz="2400" dirty="0" smtClean="0"/>
+              <a:t>identify </a:t>
+            </a:r>
+            <a:r>
+              <a:rPr lang="en-US" sz="2400" dirty="0" smtClean="0"/>
+              <a:t>counties within the USA.</a:t>
+            </a:r>
+            <a:r>
+              <a:rPr lang="en-US" sz="2400" dirty="0" smtClean="0"/>
+              <a:t>. </a:t>
+            </a:r>
+          </a:p>
+          <a:p>
+            <a:pPr lvl="3"/>
+            <a:r>
+              <a:rPr lang="en-US" sz="1600" dirty="0" smtClean="0"/>
+              <a:t>Source</a:t>
+            </a:r>
+            <a:r>
+              <a:rPr lang="en-US" sz="1600" dirty="0" smtClean="0"/>
+              <a:t>: </a:t>
+            </a:r>
+            <a:r>
+              <a:rPr lang="en-US" sz="1600" dirty="0" smtClean="0">
+                <a:hlinkClick r:id="rId2"/>
+              </a:rPr>
+              <a:t>https://www.policymap.com/2012/07/tips-on-fips-a-quick-guide-to-geographic-place-codes</a:t>
+            </a:r>
+            <a:r>
+              <a:rPr lang="en-US" sz="1600" dirty="0" smtClean="0">
+                <a:hlinkClick r:id="rId2"/>
+              </a:rPr>
+              <a:t>/</a:t>
+            </a:r>
+            <a:r>
+              <a:rPr lang="en-US" sz="1600" dirty="0" smtClean="0"/>
+              <a:t> </a:t>
+            </a:r>
+          </a:p>
+          <a:p>
+            <a:pPr lvl="2"/>
+            <a:r>
+              <a:rPr lang="en-US" sz="2400" dirty="0" smtClean="0"/>
+              <a:t>These codes we verified on Google.com, to determine what locations were on and around the Navajo Nation in the states of Arizona and New Mexico.  </a:t>
+            </a:r>
+          </a:p>
+          <a:p>
+            <a:pPr lvl="2"/>
+            <a:r>
+              <a:rPr lang="en-US" sz="2400" dirty="0" smtClean="0"/>
+              <a:t>When we were done with the WRANGLING we had a Dataset that included information from 48 locations.   These locations from here forward will be referred to our SAMPLE SIZE.  </a:t>
+            </a:r>
+            <a:endParaRPr lang="en-US" sz="2200" dirty="0" smtClean="0"/>
+          </a:p>
+          <a:p>
+            <a:pPr marL="1371600" lvl="2" indent="-457200">
+              <a:buFont typeface="+mj-lt"/>
+              <a:buAutoNum type="arabicPeriod"/>
+            </a:pPr>
+            <a:endParaRPr lang="en-US" sz="2200" dirty="0" smtClean="0"/>
+          </a:p>
+          <a:p>
+            <a:pPr lvl="2"/>
+            <a:endParaRPr lang="en-US" sz="2200" dirty="0" smtClean="0"/>
+          </a:p>
+          <a:p>
+            <a:pPr lvl="3"/>
+            <a:endParaRPr lang="en-US" sz="1600" dirty="0" smtClean="0"/>
+          </a:p>
+        </p:txBody>
+      </p:sp>
+      <p:sp>
+        <p:nvSpPr>
+          <p:cNvPr id="6" name="Title 3">
+            <a:extLst>
+              <a:ext uri="{FF2B5EF4-FFF2-40B4-BE49-F238E27FC236}">
+                <a16:creationId xmlns:a16="http://schemas.microsoft.com/office/drawing/2014/main" xmlns="" id="{048FBE6B-DC67-4E64-80F4-CADE978D2FE3}"/>
+              </a:ext>
+            </a:extLst>
+          </p:cNvPr>
+          <p:cNvSpPr txBox="1">
+            <a:spLocks/>
+          </p:cNvSpPr>
+          <p:nvPr/>
+        </p:nvSpPr>
+        <p:spPr>
+          <a:xfrm>
+            <a:off x="895350" y="135552"/>
+            <a:ext cx="10668000" cy="615553"/>
+          </a:xfrm>
+          <a:prstGeom prst="rect">
+            <a:avLst/>
+          </a:prstGeom>
+          <a:noFill/>
+        </p:spPr>
+        <p:txBody>
+          <a:bodyPr vert="horz" wrap="square" lIns="0" tIns="0" rIns="0" bIns="0" rtlCol="0" anchor="b" anchorCtr="0">
+            <a:spAutoFit/>
+          </a:bodyPr>
+          <a:lstStyle/>
+          <a:p>
+            <a:pPr marL="0" marR="0" lvl="0" indent="0" algn="ctr" defTabSz="932742" rtl="0" eaLnBrk="1" fontAlgn="auto" latinLnBrk="0" hangingPunct="1">
+              <a:lnSpc>
+                <a:spcPct val="100000"/>
+              </a:lnSpc>
+              <a:spcBef>
+                <a:spcPct val="0"/>
+              </a:spcBef>
+              <a:spcAft>
+                <a:spcPts val="0"/>
+              </a:spcAft>
+              <a:buClrTx/>
+              <a:buSzTx/>
+              <a:buFontTx/>
+              <a:buNone/>
+              <a:tabLst/>
+              <a:defRPr/>
+            </a:pPr>
+            <a:r>
+              <a:rPr kumimoji="0" lang="en-US" altLang="en-US" sz="4000" b="1" i="0" u="none" strike="noStrike" kern="1200" cap="none" spc="-50" normalizeH="0" baseline="0" noProof="0" dirty="0" smtClean="0">
+                <a:ln w="3175">
+                  <a:noFill/>
+                </a:ln>
+                <a:solidFill>
+                  <a:schemeClr val="tx1"/>
+                </a:solidFill>
+                <a:effectLst/>
+                <a:uLnTx/>
+                <a:uFillTx/>
+                <a:latin typeface="+mj-lt"/>
+                <a:ea typeface="+mn-ea"/>
+                <a:cs typeface="Segoe UI" pitchFamily="34" charset="0"/>
+              </a:rPr>
+              <a:t>COVID-19 </a:t>
+            </a:r>
+            <a:r>
+              <a:rPr kumimoji="0" lang="en-US" altLang="en-US" sz="4000" b="1" i="0" u="none" strike="noStrike" kern="1200" cap="none" spc="-50" normalizeH="0" baseline="0" noProof="0" dirty="0" smtClean="0">
+                <a:ln w="3175">
+                  <a:noFill/>
+                </a:ln>
+                <a:solidFill>
+                  <a:schemeClr val="tx1"/>
+                </a:solidFill>
+                <a:effectLst/>
+                <a:uLnTx/>
+                <a:uFillTx/>
+                <a:latin typeface="+mj-lt"/>
+                <a:ea typeface="+mn-ea"/>
+                <a:cs typeface="Segoe UI" pitchFamily="34" charset="0"/>
+              </a:rPr>
+              <a:t>Impact on Navajo </a:t>
+            </a:r>
+            <a:r>
+              <a:rPr kumimoji="0" lang="en-US" altLang="en-US" sz="4000" b="1" i="0" u="none" strike="noStrike" kern="1200" cap="none" spc="-50" normalizeH="0" baseline="0" noProof="0" dirty="0" smtClean="0">
+                <a:ln w="3175">
+                  <a:noFill/>
+                </a:ln>
+                <a:solidFill>
+                  <a:schemeClr val="tx1"/>
+                </a:solidFill>
+                <a:effectLst/>
+                <a:uLnTx/>
+                <a:uFillTx/>
+                <a:latin typeface="+mj-lt"/>
+                <a:ea typeface="+mn-ea"/>
+                <a:cs typeface="Segoe UI" pitchFamily="34" charset="0"/>
+              </a:rPr>
+              <a:t>Nation</a:t>
+            </a:r>
+            <a:endParaRPr kumimoji="0" lang="en-US" sz="4000" b="1" i="0" u="none" strike="noStrike" kern="1200" cap="none" spc="-50" normalizeH="0" baseline="0" noProof="0" dirty="0">
+              <a:ln w="3175">
+                <a:noFill/>
+              </a:ln>
               <a:solidFill>
                 <a:schemeClr val="accent2"/>
               </a:solidFill>
+              <a:effectLst/>
+              <a:uLnTx/>
+              <a:uFillTx/>
+              <a:latin typeface="+mj-lt"/>
+              <a:ea typeface="+mn-ea"/>
+              <a:cs typeface="Segoe UI" pitchFamily="34" charset="0"/>
+            </a:endParaRPr>
+          </a:p>
+        </p:txBody>
+      </p:sp>
+    </p:spTree>
+  </p:cSld>
+  <p:clrMapOvr>
+    <a:masterClrMapping/>
+  </p:clrMapOvr>
+  <mc:AlternateContent xmlns:mc="http://schemas.openxmlformats.org/markup-compatibility/2006">
+    <mc:Choice xmlns:p14="http://schemas.microsoft.com/office/powerpoint/2010/main" xmlns="" Requires="p14">
+      <p:transition spd="med" p14:dur="700">
+        <p:fade/>
+      </p:transition>
+    </mc:Choice>
+    <mc:Fallback>
+      <p:transition spd="med">
+        <p:fade/>
+      </p:transition>
+    </mc:Fallback>
+  </mc:AlternateContent>
+</p:sld>
+</file>
+
+<file path=ppt/slides/slide11.xml><?xml version="1.0" encoding="utf-8"?>
+<p:sld xmlns:a="http://schemas.openxmlformats.org/drawingml/2006/main" xmlns:r="http://schemas.openxmlformats.org/officeDocument/2006/relationships" xmlns:p="http://schemas.openxmlformats.org/presentationml/2006/main">
+  <p:cSld>
+    <p:spTree>
+      <p:nvGrpSpPr>
+        <p:cNvPr id="1" name=""/>
+        <p:cNvGrpSpPr/>
+        <p:nvPr/>
+      </p:nvGrpSpPr>
+      <p:grpSpPr>
+        <a:xfrm>
+          <a:off x="0" y="0"/>
+          <a:ext cx="0" cy="0"/>
+          <a:chOff x="0" y="0"/>
+          <a:chExt cx="0" cy="0"/>
+        </a:xfrm>
+      </p:grpSpPr>
+      <p:sp>
+        <p:nvSpPr>
+          <p:cNvPr id="2" name="Text Placeholder 1"/>
+          <p:cNvSpPr>
+            <a:spLocks noGrp="1"/>
+          </p:cNvSpPr>
+          <p:nvPr>
+            <p:ph type="body" sz="quarter" idx="12"/>
+          </p:nvPr>
+        </p:nvSpPr>
+        <p:spPr>
+          <a:xfrm>
+            <a:off x="1019175" y="1870055"/>
+            <a:ext cx="10191749" cy="4768870"/>
+          </a:xfrm>
+        </p:spPr>
+        <p:txBody>
+          <a:bodyPr/>
+          <a:lstStyle/>
+          <a:p>
+            <a:pPr algn="l">
+              <a:buFont typeface="Arial" pitchFamily="34" charset="0"/>
+              <a:buChar char="•"/>
+            </a:pPr>
+            <a:r>
+              <a:rPr lang="en-US" dirty="0" smtClean="0">
+                <a:solidFill>
+                  <a:schemeClr val="bg1"/>
+                </a:solidFill>
+              </a:rPr>
+              <a:t> With our WRANGLED dataset </a:t>
+            </a:r>
+            <a:r>
+              <a:rPr lang="en-US" dirty="0" smtClean="0">
+                <a:solidFill>
+                  <a:schemeClr val="bg1"/>
+                </a:solidFill>
+              </a:rPr>
+              <a:t>that </a:t>
+            </a:r>
+            <a:r>
+              <a:rPr lang="en-US" dirty="0" smtClean="0">
+                <a:solidFill>
+                  <a:schemeClr val="bg1"/>
+                </a:solidFill>
+              </a:rPr>
+              <a:t>now had a SAMPLE SIZE OF 48, we then changed the information within the dataset to reflect data that was NAVAJO and NON-NAVAJO NATION locations.</a:t>
+            </a:r>
+          </a:p>
+          <a:p>
+            <a:pPr lvl="1"/>
+            <a:r>
+              <a:rPr lang="en-US" sz="1800" dirty="0" smtClean="0">
+                <a:solidFill>
+                  <a:schemeClr val="bg1"/>
+                </a:solidFill>
+              </a:rPr>
+              <a:t>the data that we used to determine Navajo and Non-Navajo we re-coded to be 1 = Navajo and 0 = Non-Navajo in the dataset. </a:t>
+            </a:r>
+          </a:p>
+          <a:p>
+            <a:pPr lvl="1">
+              <a:buNone/>
+            </a:pPr>
+            <a:endParaRPr lang="en-US" sz="1800" dirty="0" smtClean="0">
+              <a:solidFill>
+                <a:schemeClr val="bg1"/>
+              </a:solidFill>
+            </a:endParaRPr>
+          </a:p>
+          <a:p>
+            <a:pPr algn="l">
+              <a:buFont typeface="Arial" pitchFamily="34" charset="0"/>
+              <a:buChar char="•"/>
+            </a:pPr>
+            <a:r>
+              <a:rPr lang="en-US" dirty="0" smtClean="0">
+                <a:solidFill>
+                  <a:schemeClr val="bg1"/>
+                </a:solidFill>
+              </a:rPr>
+              <a:t>Then we ran ANOVAS all of the different variables that we had in the dataset.  </a:t>
+            </a:r>
+          </a:p>
+          <a:p>
+            <a:pPr lvl="1"/>
+            <a:r>
+              <a:rPr lang="en-US" sz="1800" dirty="0" smtClean="0">
+                <a:solidFill>
+                  <a:schemeClr val="bg1"/>
+                </a:solidFill>
+              </a:rPr>
+              <a:t>An ANOVA is an analysis of variant, and is used to compare two variables against each other. </a:t>
+            </a:r>
+          </a:p>
+          <a:p>
+            <a:pPr lvl="1"/>
+            <a:r>
+              <a:rPr lang="en-US" sz="1800" dirty="0" smtClean="0">
+                <a:solidFill>
+                  <a:schemeClr val="bg1"/>
+                </a:solidFill>
+              </a:rPr>
+              <a:t>The variables we were comparing were four columns / data frames in our dataset.  They were: </a:t>
+            </a:r>
+          </a:p>
+          <a:p>
+            <a:pPr lvl="2"/>
+            <a:r>
+              <a:rPr lang="en-US" sz="1800" dirty="0" smtClean="0">
+                <a:solidFill>
+                  <a:schemeClr val="bg1"/>
+                </a:solidFill>
+              </a:rPr>
+              <a:t>CONFIRMED (Cases)</a:t>
+            </a:r>
+          </a:p>
+          <a:p>
+            <a:pPr lvl="2"/>
+            <a:r>
+              <a:rPr lang="en-US" sz="1800" dirty="0" smtClean="0">
+                <a:solidFill>
+                  <a:schemeClr val="bg1"/>
+                </a:solidFill>
+              </a:rPr>
+              <a:t>DEATHS</a:t>
+            </a:r>
+          </a:p>
+          <a:p>
+            <a:pPr lvl="2"/>
+            <a:r>
+              <a:rPr lang="en-US" sz="1800" dirty="0" err="1" smtClean="0">
+                <a:solidFill>
+                  <a:schemeClr val="bg1"/>
+                </a:solidFill>
+              </a:rPr>
+              <a:t>CASE_FATALITY_RATIO</a:t>
+            </a:r>
+            <a:r>
+              <a:rPr lang="en-US" sz="1800" dirty="0" smtClean="0">
+                <a:solidFill>
+                  <a:schemeClr val="bg1"/>
+                </a:solidFill>
+              </a:rPr>
+              <a:t> = </a:t>
+            </a:r>
+            <a:r>
+              <a:rPr lang="en-US" sz="1800" dirty="0" smtClean="0">
+                <a:solidFill>
+                  <a:schemeClr val="bg1"/>
+                </a:solidFill>
+              </a:rPr>
+              <a:t>Number recorded deaths / Number </a:t>
+            </a:r>
+            <a:r>
+              <a:rPr lang="en-US" sz="1800" dirty="0" smtClean="0">
+                <a:solidFill>
+                  <a:schemeClr val="bg1"/>
+                </a:solidFill>
+              </a:rPr>
+              <a:t>cases</a:t>
+            </a:r>
+          </a:p>
+          <a:p>
+            <a:pPr lvl="2"/>
+            <a:r>
+              <a:rPr lang="en-US" sz="1800" dirty="0" err="1" smtClean="0">
+                <a:solidFill>
+                  <a:schemeClr val="bg1"/>
+                </a:solidFill>
+              </a:rPr>
+              <a:t>INCIDENT_RATE</a:t>
+            </a:r>
+            <a:r>
+              <a:rPr lang="en-US" sz="1800" dirty="0" smtClean="0">
+                <a:solidFill>
+                  <a:schemeClr val="bg1"/>
+                </a:solidFill>
+              </a:rPr>
+              <a:t> = </a:t>
+            </a:r>
+            <a:r>
+              <a:rPr lang="en-US" sz="1800" dirty="0" smtClean="0">
+                <a:solidFill>
+                  <a:schemeClr val="bg1"/>
+                </a:solidFill>
+              </a:rPr>
+              <a:t>cases per 100,000 persons</a:t>
+            </a:r>
+            <a:endParaRPr lang="en-US" sz="1800" dirty="0" smtClean="0">
+              <a:solidFill>
+                <a:schemeClr val="bg1"/>
+              </a:solidFill>
+            </a:endParaRPr>
+          </a:p>
+          <a:p>
+            <a:pPr lvl="6"/>
+            <a:endParaRPr lang="en-US" dirty="0" smtClean="0">
+              <a:solidFill>
+                <a:schemeClr val="bg1"/>
+              </a:solidFill>
+            </a:endParaRPr>
+          </a:p>
+          <a:p>
+            <a:pPr lvl="1"/>
+            <a:endParaRPr lang="en-US" dirty="0" smtClean="0">
+              <a:solidFill>
+                <a:schemeClr val="bg1"/>
+              </a:solidFill>
+            </a:endParaRPr>
+          </a:p>
+          <a:p>
+            <a:pPr lvl="3"/>
+            <a:endParaRPr lang="en-US" sz="2000" dirty="0" smtClean="0">
+              <a:solidFill>
+                <a:schemeClr val="bg1"/>
+              </a:solidFill>
+            </a:endParaRPr>
+          </a:p>
+          <a:p>
+            <a:pPr lvl="2">
+              <a:buNone/>
+            </a:pPr>
+            <a:r>
+              <a:rPr lang="en-US" dirty="0" smtClean="0">
+                <a:solidFill>
+                  <a:schemeClr val="bg1"/>
+                </a:solidFill>
+              </a:rPr>
+              <a:t> </a:t>
+            </a:r>
+            <a:endParaRPr lang="en-US" dirty="0" smtClean="0">
+              <a:solidFill>
+                <a:schemeClr val="bg1"/>
+              </a:solidFill>
+            </a:endParaRPr>
+          </a:p>
+          <a:p>
+            <a:pPr algn="l">
+              <a:buFont typeface="Arial" pitchFamily="34" charset="0"/>
+              <a:buChar char="•"/>
+            </a:pPr>
+            <a:endParaRPr lang="en-US" sz="2000" dirty="0" smtClean="0">
+              <a:solidFill>
+                <a:schemeClr val="bg1"/>
+              </a:solidFill>
+            </a:endParaRPr>
+          </a:p>
+          <a:p>
+            <a:pPr algn="l">
+              <a:buFont typeface="Arial" pitchFamily="34" charset="0"/>
+              <a:buChar char="•"/>
+            </a:pPr>
+            <a:endParaRPr lang="en-US" dirty="0">
+              <a:solidFill>
+                <a:schemeClr val="bg1"/>
+              </a:solidFill>
+            </a:endParaRPr>
+          </a:p>
+        </p:txBody>
+      </p:sp>
+      <p:sp>
+        <p:nvSpPr>
+          <p:cNvPr id="3" name="Title 2"/>
+          <p:cNvSpPr>
+            <a:spLocks noGrp="1"/>
+          </p:cNvSpPr>
+          <p:nvPr>
+            <p:ph type="title"/>
+          </p:nvPr>
+        </p:nvSpPr>
+        <p:spPr>
+          <a:xfrm>
+            <a:off x="1468151" y="1118454"/>
+            <a:ext cx="9141397" cy="492443"/>
+          </a:xfrm>
+        </p:spPr>
+        <p:txBody>
+          <a:bodyPr/>
+          <a:lstStyle/>
+          <a:p>
+            <a:r>
+              <a:rPr lang="en-US" sz="3200" dirty="0" smtClean="0"/>
+              <a:t>Statistical Analysis in R (Continued) </a:t>
+            </a:r>
+            <a:endParaRPr lang="en-US" sz="3200" dirty="0"/>
+          </a:p>
+        </p:txBody>
+      </p:sp>
+      <p:sp>
+        <p:nvSpPr>
+          <p:cNvPr id="4" name="Title 3">
+            <a:extLst>
+              <a:ext uri="{FF2B5EF4-FFF2-40B4-BE49-F238E27FC236}">
+                <a16:creationId xmlns:a16="http://schemas.microsoft.com/office/drawing/2014/main" xmlns="" id="{048FBE6B-DC67-4E64-80F4-CADE978D2FE3}"/>
+              </a:ext>
+            </a:extLst>
+          </p:cNvPr>
+          <p:cNvSpPr txBox="1">
+            <a:spLocks/>
+          </p:cNvSpPr>
+          <p:nvPr/>
+        </p:nvSpPr>
+        <p:spPr>
+          <a:xfrm>
+            <a:off x="790575" y="164127"/>
+            <a:ext cx="10668000" cy="615553"/>
+          </a:xfrm>
+          <a:prstGeom prst="rect">
+            <a:avLst/>
+          </a:prstGeom>
+          <a:noFill/>
+        </p:spPr>
+        <p:txBody>
+          <a:bodyPr vert="horz" wrap="square" lIns="0" tIns="0" rIns="0" bIns="0" rtlCol="0" anchor="b" anchorCtr="0">
+            <a:spAutoFit/>
+          </a:bodyPr>
+          <a:lstStyle/>
+          <a:p>
+            <a:pPr marL="0" marR="0" lvl="0" indent="0" algn="ctr" defTabSz="932742" rtl="0" eaLnBrk="1" fontAlgn="auto" latinLnBrk="0" hangingPunct="1">
+              <a:lnSpc>
+                <a:spcPct val="100000"/>
+              </a:lnSpc>
+              <a:spcBef>
+                <a:spcPct val="0"/>
+              </a:spcBef>
+              <a:spcAft>
+                <a:spcPts val="0"/>
+              </a:spcAft>
+              <a:buClrTx/>
+              <a:buSzTx/>
+              <a:buFontTx/>
+              <a:buNone/>
+              <a:tabLst/>
+              <a:defRPr/>
+            </a:pPr>
+            <a:r>
+              <a:rPr kumimoji="0" lang="en-US" altLang="en-US" sz="4000" b="1" i="0" u="none" strike="noStrike" kern="1200" cap="none" spc="-50" normalizeH="0" baseline="0" noProof="0" dirty="0" smtClean="0">
+                <a:ln w="3175">
+                  <a:noFill/>
+                </a:ln>
+                <a:solidFill>
+                  <a:schemeClr val="accent2"/>
+                </a:solidFill>
+                <a:effectLst/>
+                <a:uLnTx/>
+                <a:uFillTx/>
+                <a:latin typeface="+mj-lt"/>
+                <a:ea typeface="+mn-ea"/>
+                <a:cs typeface="Segoe UI" pitchFamily="34" charset="0"/>
+              </a:rPr>
+              <a:t>COVID-19 </a:t>
+            </a:r>
+            <a:r>
+              <a:rPr kumimoji="0" lang="en-US" altLang="en-US" sz="4000" b="1" i="0" u="none" strike="noStrike" kern="1200" cap="none" spc="-50" normalizeH="0" baseline="0" noProof="0" dirty="0" smtClean="0">
+                <a:ln w="3175">
+                  <a:noFill/>
+                </a:ln>
+                <a:solidFill>
+                  <a:schemeClr val="accent2"/>
+                </a:solidFill>
+                <a:effectLst/>
+                <a:uLnTx/>
+                <a:uFillTx/>
+                <a:latin typeface="+mj-lt"/>
+                <a:ea typeface="+mn-ea"/>
+                <a:cs typeface="Segoe UI" pitchFamily="34" charset="0"/>
+              </a:rPr>
+              <a:t>Impact on Navajo </a:t>
+            </a:r>
+            <a:r>
+              <a:rPr kumimoji="0" lang="en-US" altLang="en-US" sz="4000" b="1" i="0" u="none" strike="noStrike" kern="1200" cap="none" spc="-50" normalizeH="0" baseline="0" noProof="0" dirty="0" smtClean="0">
+                <a:ln w="3175">
+                  <a:noFill/>
+                </a:ln>
+                <a:solidFill>
+                  <a:schemeClr val="accent2"/>
+                </a:solidFill>
+                <a:effectLst/>
+                <a:uLnTx/>
+                <a:uFillTx/>
+                <a:latin typeface="+mj-lt"/>
+                <a:ea typeface="+mn-ea"/>
+                <a:cs typeface="Segoe UI" pitchFamily="34" charset="0"/>
+              </a:rPr>
+              <a:t>Nation</a:t>
+            </a:r>
+            <a:endParaRPr kumimoji="0" lang="en-US" sz="4000" b="1" i="0" u="none" strike="noStrike" kern="1200" cap="none" spc="-50" normalizeH="0" baseline="0" noProof="0" dirty="0">
+              <a:ln w="3175">
+                <a:noFill/>
+              </a:ln>
+              <a:solidFill>
+                <a:schemeClr val="accent2"/>
+              </a:solidFill>
+              <a:effectLst/>
+              <a:uLnTx/>
+              <a:uFillTx/>
+              <a:latin typeface="+mj-lt"/>
+              <a:ea typeface="+mn-ea"/>
+              <a:cs typeface="Segoe UI" pitchFamily="34" charset="0"/>
             </a:endParaRPr>
           </a:p>
         </p:txBody>
@@ -4288,7 +4874,7 @@
 </p:sld>
 </file>
 
-<file path=ppt/slides/slide11.xml><?xml version="1.0" encoding="utf-8"?>
+<file path=ppt/slides/slide12.xml><?xml version="1.0" encoding="utf-8"?>
 <p:sld xmlns:a="http://schemas.openxmlformats.org/drawingml/2006/main" xmlns:r="http://schemas.openxmlformats.org/officeDocument/2006/relationships" xmlns:p="http://schemas.openxmlformats.org/presentationml/2006/main">
   <p:cSld>
     <p:spTree>
@@ -4315,12 +4901,21 @@
             <p:ph type="title"/>
           </p:nvPr>
         </p:nvSpPr>
-        <p:spPr/>
+        <p:spPr>
+          <a:xfrm>
+            <a:off x="1420526" y="1047372"/>
+            <a:ext cx="9141397" cy="553998"/>
+          </a:xfrm>
+        </p:spPr>
         <p:txBody>
           <a:bodyPr/>
           <a:lstStyle/>
           <a:p>
-            <a:endParaRPr lang="en-US" dirty="0"/>
+            <a:r>
+              <a:rPr lang="en-US" sz="3600" dirty="0" smtClean="0"/>
+              <a:t>The Analysis – Running the ANOVAs</a:t>
+            </a:r>
+            <a:endParaRPr lang="en-US" sz="3600" dirty="0"/>
           </a:p>
         </p:txBody>
       </p:sp>
@@ -4334,21 +4929,158 @@
             <p:ph type="body" sz="quarter" idx="12"/>
           </p:nvPr>
         </p:nvSpPr>
-        <p:spPr/>
+        <p:spPr>
+          <a:xfrm>
+            <a:off x="352426" y="1689080"/>
+            <a:ext cx="11572874" cy="4845070"/>
+          </a:xfrm>
+        </p:spPr>
         <p:txBody>
           <a:bodyPr/>
           <a:lstStyle/>
           <a:p>
-            <a:endParaRPr lang="en-US"/>
+            <a:pPr marL="1371600" lvl="2" indent="-457200"/>
+            <a:r>
+              <a:rPr lang="en-US" sz="2200" dirty="0" smtClean="0"/>
+              <a:t>In R we used the following libraries to complete the analyses: </a:t>
+            </a:r>
+          </a:p>
+          <a:p>
+            <a:pPr marL="1828800" lvl="3" indent="-457200"/>
+            <a:r>
+              <a:rPr lang="en-US" dirty="0" smtClean="0"/>
+              <a:t>library("</a:t>
+            </a:r>
+            <a:r>
+              <a:rPr lang="en-US" dirty="0" err="1" smtClean="0"/>
+              <a:t>dplyr</a:t>
+            </a:r>
+            <a:r>
+              <a:rPr lang="en-US" dirty="0" smtClean="0"/>
+              <a:t>")</a:t>
+            </a:r>
+          </a:p>
+          <a:p>
+            <a:pPr marL="1828800" lvl="3" indent="-457200"/>
+            <a:r>
+              <a:rPr lang="en-US" dirty="0" smtClean="0"/>
+              <a:t>library("</a:t>
+            </a:r>
+            <a:r>
+              <a:rPr lang="en-US" dirty="0" err="1" smtClean="0"/>
+              <a:t>rcompanion</a:t>
+            </a:r>
+            <a:r>
+              <a:rPr lang="en-US" dirty="0" smtClean="0"/>
+              <a:t>")</a:t>
+            </a:r>
+          </a:p>
+          <a:p>
+            <a:pPr marL="1828800" lvl="3" indent="-457200"/>
+            <a:r>
+              <a:rPr lang="en-US" dirty="0" smtClean="0"/>
+              <a:t>library("car")</a:t>
+            </a:r>
+          </a:p>
+          <a:p>
+            <a:pPr marL="1828800" lvl="3" indent="-457200"/>
+            <a:r>
+              <a:rPr lang="en-US" dirty="0" smtClean="0"/>
+              <a:t>library("fastR2")</a:t>
+            </a:r>
+          </a:p>
+          <a:p>
+            <a:pPr marL="1828800" lvl="3" indent="-457200"/>
+            <a:r>
+              <a:rPr lang="en-US" dirty="0" smtClean="0"/>
+              <a:t>library("</a:t>
+            </a:r>
+            <a:r>
+              <a:rPr lang="en-US" dirty="0" err="1" smtClean="0"/>
+              <a:t>IDPmisc</a:t>
+            </a:r>
+            <a:r>
+              <a:rPr lang="en-US" dirty="0" smtClean="0"/>
+              <a:t>")</a:t>
+            </a:r>
+            <a:endParaRPr lang="en-US" dirty="0" smtClean="0"/>
+          </a:p>
+          <a:p>
+            <a:pPr marL="1371600" lvl="2" indent="-457200">
+              <a:buNone/>
+            </a:pPr>
+            <a:endParaRPr lang="en-US" sz="2200" dirty="0" smtClean="0"/>
+          </a:p>
+          <a:p>
+            <a:pPr marL="1371600" lvl="2" indent="-457200"/>
+            <a:r>
+              <a:rPr lang="en-US" sz="2200" dirty="0" smtClean="0"/>
+              <a:t>We ran an ANOVA on each of the variables mentioned on the previous slide comparing them and sorting them as a variable that was either NAVAJO or NON-NAVAJO land locations.   </a:t>
+            </a:r>
+          </a:p>
+          <a:p>
+            <a:pPr marL="1371600" lvl="2" indent="-457200">
+              <a:buFont typeface="+mj-lt"/>
+              <a:buAutoNum type="arabicPeriod"/>
+            </a:pPr>
+            <a:endParaRPr lang="en-US" sz="2200" dirty="0" smtClean="0"/>
+          </a:p>
+          <a:p>
+            <a:pPr marL="1371600" lvl="2" indent="-457200"/>
+            <a:r>
+              <a:rPr lang="en-US" sz="2200" dirty="0" smtClean="0"/>
+              <a:t>We then converted this information into a .</a:t>
+            </a:r>
+            <a:r>
+              <a:rPr lang="en-US" sz="2200" dirty="0" err="1" smtClean="0"/>
+              <a:t>xlsx</a:t>
+            </a:r>
+            <a:r>
+              <a:rPr lang="en-US" sz="2200" dirty="0" smtClean="0"/>
+              <a:t> file to uploaded into a TABLEAU PUBLIC which is a very versatile Graphic User Interface for producing graphs etc.  </a:t>
+            </a:r>
+          </a:p>
+          <a:p>
+            <a:pPr marL="1371600" lvl="2" indent="-457200"/>
+            <a:endParaRPr lang="en-US" sz="2200" dirty="0" smtClean="0"/>
+          </a:p>
+          <a:p>
+            <a:pPr marL="1371600" lvl="2" indent="-457200"/>
+            <a:r>
+              <a:rPr lang="en-US" sz="2200" dirty="0" smtClean="0"/>
+              <a:t>The results of which are shown on the next slides  </a:t>
+            </a:r>
+          </a:p>
+          <a:p>
+            <a:pPr marL="1828800" lvl="3" indent="-457200">
+              <a:buFont typeface="+mj-lt"/>
+              <a:buAutoNum type="arabicPeriod"/>
+            </a:pPr>
+            <a:endParaRPr lang="en-US" dirty="0" smtClean="0"/>
+          </a:p>
+          <a:p>
+            <a:pPr marL="1371600" lvl="2" indent="-457200">
+              <a:buFont typeface="+mj-lt"/>
+              <a:buAutoNum type="arabicPeriod"/>
+            </a:pPr>
+            <a:endParaRPr lang="en-US" sz="2200" dirty="0" smtClean="0"/>
+          </a:p>
+          <a:p>
+            <a:pPr lvl="2"/>
+            <a:endParaRPr lang="en-US" sz="2200" dirty="0" smtClean="0"/>
+          </a:p>
+          <a:p>
+            <a:pPr lvl="3"/>
+            <a:endParaRPr lang="en-US" sz="1600" dirty="0" smtClean="0"/>
           </a:p>
         </p:txBody>
       </p:sp>
       <p:sp>
         <p:nvSpPr>
-          <p:cNvPr id="4" name="Title 3">
+          <p:cNvPr id="6" name="Title 3">
             <a:extLst>
               <a:ext uri="{FF2B5EF4-FFF2-40B4-BE49-F238E27FC236}">
-                <a16:creationId xmlns="" xmlns:a16="http://schemas.microsoft.com/office/drawing/2014/main" id="{048FBE6B-DC67-4E64-80F4-CADE978D2FE3}"/>
+                <a16:creationId xmlns:a16="http://schemas.microsoft.com/office/drawing/2014/main" xmlns="" id="{048FBE6B-DC67-4E64-80F4-CADE978D2FE3}"/>
               </a:ext>
             </a:extLst>
           </p:cNvPr>
@@ -4359,8 +5091,8 @@
         </p:nvSpPr>
         <p:spPr>
           <a:xfrm>
-            <a:off x="762000" y="101024"/>
-            <a:ext cx="10668000" cy="1231106"/>
+            <a:off x="838200" y="430827"/>
+            <a:ext cx="10668000" cy="615553"/>
           </a:xfrm>
           <a:prstGeom prst="rect">
             <a:avLst/>
@@ -4391,12 +5123,12 @@
               <a:defRPr/>
             </a:pPr>
             <a:r>
-              <a:rPr kumimoji="0" lang="en-US" sz="4000" b="1" i="0" u="none" strike="noStrike" kern="1200" cap="none" spc="-50" normalizeH="0" baseline="0" noProof="0" smtClean="0">
+              <a:rPr kumimoji="0" lang="en-US" altLang="en-US" sz="4000" b="1" i="0" u="none" strike="noStrike" kern="1200" cap="none" spc="-50" normalizeH="0" baseline="0" noProof="0" dirty="0" smtClean="0">
                 <a:ln w="3175">
                   <a:noFill/>
                 </a:ln>
                 <a:solidFill>
-                  <a:schemeClr val="accent2"/>
+                  <a:schemeClr val="tx1"/>
                 </a:solidFill>
                 <a:effectLst/>
                 <a:uLnTx/>
@@ -4405,10 +5137,10 @@
                 <a:ea typeface="+mn-ea"/>
                 <a:cs typeface="Segoe UI" pitchFamily="34" charset="0"/>
               </a:rPr>
-              <a:t>History</a:t>
-            </a:r>
-            <a:r>
-              <a:rPr kumimoji="0" lang="en-US" altLang="en-US" sz="4000" b="1" i="0" u="none" strike="noStrike" kern="1200" cap="none" spc="-50" normalizeH="0" baseline="0" noProof="0" smtClean="0">
+              <a:t>COVID-19 </a:t>
+            </a:r>
+            <a:r>
+              <a:rPr kumimoji="0" lang="en-US" altLang="en-US" sz="4000" b="1" i="0" u="none" strike="noStrike" kern="1200" cap="none" spc="-50" normalizeH="0" baseline="0" noProof="0" dirty="0" smtClean="0">
                 <a:ln w="3175">
                   <a:noFill/>
                 </a:ln>
@@ -4422,7 +5154,24 @@
                 <a:ea typeface="+mn-ea"/>
                 <a:cs typeface="Segoe UI" pitchFamily="34" charset="0"/>
               </a:rPr>
-              <a:t>COVID-19 Impact on Navajo Nation in Arizona &amp; New Mexico</a:t>
+              <a:t>Impact on Navajo </a:t>
+            </a:r>
+            <a:r>
+              <a:rPr kumimoji="0" lang="en-US" altLang="en-US" sz="4000" b="1" i="0" u="none" strike="noStrike" kern="1200" cap="none" spc="-50" normalizeH="0" baseline="0" noProof="0" dirty="0" smtClean="0">
+                <a:ln w="3175">
+                  <a:noFill/>
+                </a:ln>
+                <a:solidFill>
+                  <a:schemeClr val="tx1"/>
+                </a:solidFill>
+                <a:effectLst/>
+                <a:uLnTx/>
+                <a:uFillTx/>
+                <a:latin typeface="+mj-lt"/>
+                <a:ea typeface="+mn-ea"/>
+                <a:cs typeface="Segoe UI" pitchFamily="34" charset="0"/>
+              </a:rPr>
+              <a:t>Nation</a:t>
             </a:r>
             <a:endParaRPr kumimoji="0" lang="en-US" sz="4000" b="1" i="0" u="none" strike="noStrike" kern="1200" cap="none" spc="-50" normalizeH="0" baseline="0" noProof="0" dirty="0">
               <a:ln w="3175">
@@ -4447,7 +5196,7 @@
     <a:masterClrMapping/>
   </p:clrMapOvr>
   <mc:AlternateContent xmlns:mc="http://schemas.openxmlformats.org/markup-compatibility/2006">
-    <mc:Choice xmlns="" xmlns:p14="http://schemas.microsoft.com/office/powerpoint/2010/main" Requires="p14">
+    <mc:Choice xmlns:p14="http://schemas.microsoft.com/office/powerpoint/2010/main" xmlns="" Requires="p14">
       <p:transition spd="med" p14:dur="700">
         <p:fade/>
       </p:transition>
@@ -4461,7 +5210,7 @@
 </p:sld>
 </file>
 
-<file path=ppt/slides/slide12.xml><?xml version="1.0" encoding="utf-8"?>
+<file path=ppt/slides/slide13.xml><?xml version="1.0" encoding="utf-8"?>
 <p:sld xmlns:a="http://schemas.openxmlformats.org/drawingml/2006/main" xmlns:r="http://schemas.openxmlformats.org/officeDocument/2006/relationships" xmlns:p="http://schemas.openxmlformats.org/presentationml/2006/main">
   <p:cSld>
     <p:spTree>
@@ -4480,20 +5229,232 @@
       </p:grpSpPr>
       <p:sp>
         <p:nvSpPr>
-          <p:cNvPr id="3" name="Text Placeholder 2"/>
+          <p:cNvPr id="2" name="Text Placeholder 1"/>
           <p:cNvSpPr>
             <a:spLocks noGrp="1"/>
           </p:cNvSpPr>
           <p:nvPr>
-            <p:ph type="body" sz="quarter" idx="13"/>
+            <p:ph type="body" sz="quarter" idx="12"/>
           </p:nvPr>
         </p:nvSpPr>
-        <p:spPr/>
+        <p:spPr>
+          <a:xfrm>
+            <a:off x="6619876" y="1546205"/>
+            <a:ext cx="5229224" cy="4473595"/>
+          </a:xfrm>
+        </p:spPr>
         <p:txBody>
           <a:bodyPr/>
           <a:lstStyle/>
           <a:p>
-            <a:endParaRPr lang="en-US"/>
+            <a:pPr algn="l"/>
+            <a:r>
+              <a:rPr lang="en-US" sz="2000" dirty="0" smtClean="0">
+                <a:solidFill>
+                  <a:schemeClr val="bg1"/>
+                </a:solidFill>
+              </a:rPr>
+              <a:t>For the variable CONFIRMED of 48 locations in AZ and NM we confirmed the number of cases. </a:t>
+            </a:r>
+          </a:p>
+          <a:p>
+            <a:pPr lvl="1">
+              <a:buNone/>
+            </a:pPr>
+            <a:r>
+              <a:rPr lang="en-US" sz="2000" dirty="0" smtClean="0">
+                <a:solidFill>
+                  <a:schemeClr val="bg1"/>
+                </a:solidFill>
+              </a:rPr>
+              <a:t>Non-Navajo Nation</a:t>
+            </a:r>
+          </a:p>
+          <a:p>
+            <a:pPr lvl="2">
+              <a:buNone/>
+            </a:pPr>
+            <a:r>
+              <a:rPr lang="en-US" dirty="0" smtClean="0">
+                <a:solidFill>
+                  <a:schemeClr val="bg1"/>
+                </a:solidFill>
+              </a:rPr>
+              <a:t>928,501 cases</a:t>
+            </a:r>
+          </a:p>
+          <a:p>
+            <a:pPr lvl="1">
+              <a:buNone/>
+            </a:pPr>
+            <a:r>
+              <a:rPr lang="en-US" sz="2000" dirty="0" smtClean="0">
+                <a:solidFill>
+                  <a:schemeClr val="bg1"/>
+                </a:solidFill>
+              </a:rPr>
+              <a:t>Navajo Nation</a:t>
+            </a:r>
+            <a:endParaRPr lang="en-US" sz="2000" dirty="0" smtClean="0">
+              <a:solidFill>
+                <a:schemeClr val="bg1"/>
+              </a:solidFill>
+            </a:endParaRPr>
+          </a:p>
+          <a:p>
+            <a:pPr lvl="2">
+              <a:buNone/>
+            </a:pPr>
+            <a:r>
+              <a:rPr lang="en-US" dirty="0" smtClean="0">
+                <a:solidFill>
+                  <a:schemeClr val="bg1"/>
+                </a:solidFill>
+              </a:rPr>
+              <a:t>68,097 cases </a:t>
+            </a:r>
+          </a:p>
+          <a:p>
+            <a:pPr algn="l"/>
+            <a:endParaRPr lang="en-US" dirty="0" smtClean="0">
+              <a:solidFill>
+                <a:schemeClr val="bg1"/>
+              </a:solidFill>
+            </a:endParaRPr>
+          </a:p>
+          <a:p>
+            <a:pPr algn="l"/>
+            <a:r>
+              <a:rPr lang="en-US" dirty="0" smtClean="0">
+                <a:solidFill>
+                  <a:schemeClr val="bg1"/>
+                </a:solidFill>
+              </a:rPr>
+              <a:t>The analysis: </a:t>
+            </a:r>
+            <a:r>
+              <a:rPr lang="en-US" sz="1800" dirty="0" smtClean="0">
+                <a:solidFill>
+                  <a:schemeClr val="bg1"/>
+                </a:solidFill>
+              </a:rPr>
+              <a:t> </a:t>
+            </a:r>
+          </a:p>
+          <a:p>
+            <a:pPr lvl="1"/>
+            <a:r>
+              <a:rPr lang="en-US" sz="1800" dirty="0" smtClean="0">
+                <a:solidFill>
+                  <a:schemeClr val="bg1"/>
+                </a:solidFill>
+              </a:rPr>
+              <a:t>The Welch’s One Way ANOVA told us the </a:t>
+            </a:r>
+          </a:p>
+          <a:p>
+            <a:pPr lvl="1">
+              <a:buNone/>
+            </a:pPr>
+            <a:r>
+              <a:rPr lang="en-US" sz="1800" dirty="0" smtClean="0">
+                <a:solidFill>
+                  <a:schemeClr val="bg1"/>
+                </a:solidFill>
+              </a:rPr>
+              <a:t>	P-VALUE = 0.001 </a:t>
+            </a:r>
+            <a:r>
+              <a:rPr lang="en-US" sz="1800" dirty="0" smtClean="0">
+                <a:solidFill>
+                  <a:schemeClr val="bg1"/>
+                </a:solidFill>
+              </a:rPr>
+              <a:t>&lt; .05 </a:t>
+            </a:r>
+            <a:r>
+              <a:rPr lang="en-US" sz="1800" dirty="0" smtClean="0">
+                <a:solidFill>
+                  <a:schemeClr val="bg1"/>
+                </a:solidFill>
+              </a:rPr>
+              <a:t>and is significant</a:t>
+            </a:r>
+          </a:p>
+          <a:p>
+            <a:pPr lvl="1"/>
+            <a:endParaRPr lang="en-US" sz="1800" dirty="0" smtClean="0">
+              <a:solidFill>
+                <a:schemeClr val="bg1"/>
+              </a:solidFill>
+            </a:endParaRPr>
+          </a:p>
+          <a:p>
+            <a:pPr lvl="1"/>
+            <a:r>
+              <a:rPr lang="en-US" sz="1800" dirty="0" smtClean="0">
+                <a:solidFill>
+                  <a:schemeClr val="bg1"/>
+                </a:solidFill>
+              </a:rPr>
+              <a:t>We can also see from the columns that two amounts were significantly different. </a:t>
+            </a:r>
+            <a:endParaRPr lang="en-US" sz="1800" dirty="0" smtClean="0">
+              <a:solidFill>
+                <a:schemeClr val="bg1"/>
+              </a:solidFill>
+            </a:endParaRPr>
+          </a:p>
+          <a:p>
+            <a:endParaRPr lang="en-US" sz="2000" dirty="0" smtClean="0">
+              <a:solidFill>
+                <a:schemeClr val="bg1"/>
+              </a:solidFill>
+            </a:endParaRPr>
+          </a:p>
+          <a:p>
+            <a:pPr algn="l"/>
+            <a:endParaRPr lang="en-US" dirty="0" smtClean="0">
+              <a:solidFill>
+                <a:schemeClr val="bg1"/>
+              </a:solidFill>
+            </a:endParaRPr>
+          </a:p>
+          <a:p>
+            <a:pPr algn="l"/>
+            <a:endParaRPr lang="en-US" dirty="0">
+              <a:solidFill>
+                <a:schemeClr val="bg1"/>
+              </a:solidFill>
+            </a:endParaRPr>
+          </a:p>
+        </p:txBody>
+      </p:sp>
+      <p:sp>
+        <p:nvSpPr>
+          <p:cNvPr id="3" name="Title 2"/>
+          <p:cNvSpPr>
+            <a:spLocks noGrp="1"/>
+          </p:cNvSpPr>
+          <p:nvPr>
+            <p:ph type="title"/>
+          </p:nvPr>
+        </p:nvSpPr>
+        <p:spPr>
+          <a:xfrm>
+            <a:off x="1439576" y="757218"/>
+            <a:ext cx="9141397" cy="615553"/>
+          </a:xfrm>
+        </p:spPr>
+        <p:txBody>
+          <a:bodyPr/>
+          <a:lstStyle/>
+          <a:p>
+            <a:r>
+              <a:rPr lang="en-US" dirty="0" smtClean="0"/>
+              <a:t>Analysis / Reporting </a:t>
+            </a:r>
+            <a:endParaRPr lang="en-US" dirty="0"/>
           </a:p>
         </p:txBody>
       </p:sp>
@@ -4502,43 +5463,148 @@
           <p:cNvPr id="4" name="Title 3">
             <a:extLst>
               <a:ext uri="{FF2B5EF4-FFF2-40B4-BE49-F238E27FC236}">
-                <a16:creationId xmlns="" xmlns:a16="http://schemas.microsoft.com/office/drawing/2014/main" id="{048FBE6B-DC67-4E64-80F4-CADE978D2FE3}"/>
+                <a16:creationId xmlns:a16="http://schemas.microsoft.com/office/drawing/2014/main" xmlns="" id="{048FBE6B-DC67-4E64-80F4-CADE978D2FE3}"/>
               </a:ext>
             </a:extLst>
           </p:cNvPr>
-          <p:cNvSpPr>
-            <a:spLocks noGrp="1"/>
+          <p:cNvSpPr txBox="1">
+            <a:spLocks/>
           </p:cNvSpPr>
-          <p:nvPr>
-            <p:ph type="title"/>
-          </p:nvPr>
+          <p:nvPr/>
         </p:nvSpPr>
-        <p:spPr/>
+        <p:spPr>
+          <a:xfrm>
+            <a:off x="819150" y="154602"/>
+            <a:ext cx="10668000" cy="615553"/>
+          </a:xfrm>
+          <a:prstGeom prst="rect">
+            <a:avLst/>
+          </a:prstGeom>
+          <a:noFill/>
+        </p:spPr>
         <p:txBody>
-          <a:bodyPr/>
+          <a:bodyPr vert="horz" wrap="square" lIns="0" tIns="0" rIns="0" bIns="0" rtlCol="0" anchor="b" anchorCtr="0">
+            <a:spAutoFit/>
+          </a:bodyPr>
           <a:lstStyle/>
           <a:p>
-            <a:pPr algn="ctr"/>
-            <a:r>
-              <a:rPr lang="en-US" dirty="0" smtClean="0">
+            <a:pPr marL="0" marR="0" lvl="0" indent="0" algn="ctr" defTabSz="932742" rtl="0" eaLnBrk="1" fontAlgn="auto" latinLnBrk="0" hangingPunct="1">
+              <a:lnSpc>
+                <a:spcPct val="100000"/>
+              </a:lnSpc>
+              <a:spcBef>
+                <a:spcPct val="0"/>
+              </a:spcBef>
+              <a:spcAft>
+                <a:spcPts val="0"/>
+              </a:spcAft>
+              <a:buClrTx/>
+              <a:buSzTx/>
+              <a:buFontTx/>
+              <a:buNone/>
+              <a:tabLst/>
+              <a:defRPr/>
+            </a:pPr>
+            <a:r>
+              <a:rPr kumimoji="0" lang="en-US" altLang="en-US" sz="4000" b="1" i="0" u="none" strike="noStrike" kern="1200" cap="none" spc="-50" normalizeH="0" baseline="0" noProof="0" dirty="0" smtClean="0">
+                <a:ln w="3175">
+                  <a:noFill/>
+                </a:ln>
                 <a:solidFill>
                   <a:schemeClr val="accent2"/>
                 </a:solidFill>
-              </a:rPr>
-              <a:t>History</a:t>
-            </a:r>
-            <a:r>
-              <a:rPr lang="en-US" altLang="en-US" dirty="0" smtClean="0"/>
-              <a:t>COVID-19 Impact on Navajo Nation in Arizona &amp; New Mexico</a:t>
-            </a:r>
-            <a:endParaRPr lang="en-US" dirty="0">
+                <a:effectLst/>
+                <a:uLnTx/>
+                <a:uFillTx/>
+                <a:latin typeface="+mj-lt"/>
+                <a:ea typeface="+mn-ea"/>
+                <a:cs typeface="Segoe UI" pitchFamily="34" charset="0"/>
+              </a:rPr>
+              <a:t>COVID-19 </a:t>
+            </a:r>
+            <a:r>
+              <a:rPr kumimoji="0" lang="en-US" altLang="en-US" sz="4000" b="1" i="0" u="none" strike="noStrike" kern="1200" cap="none" spc="-50" normalizeH="0" baseline="0" noProof="0" dirty="0" smtClean="0">
+                <a:ln w="3175">
+                  <a:noFill/>
+                </a:ln>
+                <a:solidFill>
+                  <a:schemeClr val="accent2"/>
+                </a:solidFill>
+                <a:effectLst/>
+                <a:uLnTx/>
+                <a:uFillTx/>
+                <a:latin typeface="+mj-lt"/>
+                <a:ea typeface="+mn-ea"/>
+                <a:cs typeface="Segoe UI" pitchFamily="34" charset="0"/>
+              </a:rPr>
+              <a:t>Impact on Navajo </a:t>
+            </a:r>
+            <a:r>
+              <a:rPr kumimoji="0" lang="en-US" altLang="en-US" sz="4000" b="1" i="0" u="none" strike="noStrike" kern="1200" cap="none" spc="-50" normalizeH="0" baseline="0" noProof="0" dirty="0" smtClean="0">
+                <a:ln w="3175">
+                  <a:noFill/>
+                </a:ln>
+                <a:solidFill>
+                  <a:schemeClr val="accent2"/>
+                </a:solidFill>
+                <a:effectLst/>
+                <a:uLnTx/>
+                <a:uFillTx/>
+                <a:latin typeface="+mj-lt"/>
+                <a:ea typeface="+mn-ea"/>
+                <a:cs typeface="Segoe UI" pitchFamily="34" charset="0"/>
+              </a:rPr>
+              <a:t>Nation</a:t>
+            </a:r>
+            <a:endParaRPr kumimoji="0" lang="en-US" sz="4000" b="1" i="0" u="none" strike="noStrike" kern="1200" cap="none" spc="-50" normalizeH="0" baseline="0" noProof="0" dirty="0">
+              <a:ln w="3175">
+                <a:noFill/>
+              </a:ln>
               <a:solidFill>
                 <a:schemeClr val="accent2"/>
               </a:solidFill>
+              <a:effectLst/>
+              <a:uLnTx/>
+              <a:uFillTx/>
+              <a:latin typeface="+mj-lt"/>
+              <a:ea typeface="+mn-ea"/>
+              <a:cs typeface="Segoe UI" pitchFamily="34" charset="0"/>
             </a:endParaRPr>
           </a:p>
         </p:txBody>
       </p:sp>
+      <p:pic>
+        <p:nvPicPr>
+          <p:cNvPr id="1028" name="Picture 4"/>
+          <p:cNvPicPr>
+            <a:picLocks noChangeAspect="1" noChangeArrowheads="1"/>
+          </p:cNvPicPr>
+          <p:nvPr/>
+        </p:nvPicPr>
+        <p:blipFill>
+          <a:blip r:embed="rId2"/>
+          <a:srcRect/>
+          <a:stretch>
+            <a:fillRect/>
+          </a:stretch>
+        </p:blipFill>
+        <p:spPr bwMode="auto">
+          <a:xfrm>
+            <a:off x="371475" y="1338263"/>
+            <a:ext cx="5848350" cy="4676775"/>
+          </a:xfrm>
+          <a:prstGeom prst="rect">
+            <a:avLst/>
+          </a:prstGeom>
+          <a:noFill/>
+          <a:ln w="9525">
+            <a:noFill/>
+            <a:miter lim="800000"/>
+            <a:headEnd/>
+            <a:tailEnd/>
+          </a:ln>
+        </p:spPr>
+      </p:pic>
     </p:spTree>
   </p:cSld>
   <p:clrMapOvr>
@@ -4547,7 +5613,7 @@
 </p:sld>
 </file>
 
-<file path=ppt/slides/slide13.xml><?xml version="1.0" encoding="utf-8"?>
+<file path=ppt/slides/slide14.xml><?xml version="1.0" encoding="utf-8"?>
 <p:sld xmlns:a="http://schemas.openxmlformats.org/drawingml/2006/main" xmlns:r="http://schemas.openxmlformats.org/officeDocument/2006/relationships" xmlns:p="http://schemas.openxmlformats.org/presentationml/2006/main">
   <p:cSld>
     <p:spTree>
@@ -4574,12 +5640,21 @@
             <p:ph type="title"/>
           </p:nvPr>
         </p:nvSpPr>
-        <p:spPr/>
+        <p:spPr>
+          <a:xfrm>
+            <a:off x="1420526" y="985817"/>
+            <a:ext cx="9141397" cy="615553"/>
+          </a:xfrm>
+        </p:spPr>
         <p:txBody>
           <a:bodyPr/>
           <a:lstStyle/>
           <a:p>
-            <a:endParaRPr lang="en-US"/>
+            <a:r>
+              <a:rPr lang="en-US" dirty="0" smtClean="0"/>
+              <a:t>The Analysis / Reporting</a:t>
+            </a:r>
+            <a:endParaRPr lang="en-US" dirty="0"/>
           </a:p>
         </p:txBody>
       </p:sp>
@@ -4593,21 +5668,41 @@
             <p:ph type="body" sz="quarter" idx="12"/>
           </p:nvPr>
         </p:nvSpPr>
-        <p:spPr/>
+        <p:spPr>
+          <a:xfrm>
+            <a:off x="333376" y="1765280"/>
+            <a:ext cx="11572874" cy="4845070"/>
+          </a:xfrm>
+        </p:spPr>
         <p:txBody>
           <a:bodyPr/>
           <a:lstStyle/>
           <a:p>
-            <a:endParaRPr lang="en-US"/>
+            <a:endParaRPr lang="en-US" sz="2400" dirty="0" smtClean="0"/>
+          </a:p>
+          <a:p>
+            <a:pPr marL="1371600" lvl="2" indent="-457200">
+              <a:buFont typeface="+mj-lt"/>
+              <a:buAutoNum type="arabicPeriod"/>
+            </a:pPr>
+            <a:endParaRPr lang="en-US" sz="2200" dirty="0" smtClean="0"/>
+          </a:p>
+          <a:p>
+            <a:pPr lvl="2"/>
+            <a:endParaRPr lang="en-US" sz="2200" dirty="0" smtClean="0"/>
+          </a:p>
+          <a:p>
+            <a:pPr lvl="3"/>
+            <a:endParaRPr lang="en-US" sz="1600" dirty="0" smtClean="0"/>
           </a:p>
         </p:txBody>
       </p:sp>
       <p:sp>
         <p:nvSpPr>
-          <p:cNvPr id="4" name="Title 3">
+          <p:cNvPr id="6" name="Title 3">
             <a:extLst>
               <a:ext uri="{FF2B5EF4-FFF2-40B4-BE49-F238E27FC236}">
-                <a16:creationId xmlns="" xmlns:a16="http://schemas.microsoft.com/office/drawing/2014/main" id="{048FBE6B-DC67-4E64-80F4-CADE978D2FE3}"/>
+                <a16:creationId xmlns:a16="http://schemas.microsoft.com/office/drawing/2014/main" xmlns="" id="{048FBE6B-DC67-4E64-80F4-CADE978D2FE3}"/>
               </a:ext>
             </a:extLst>
           </p:cNvPr>
@@ -4618,8 +5713,8 @@
         </p:nvSpPr>
         <p:spPr>
           <a:xfrm>
-            <a:off x="762000" y="101024"/>
-            <a:ext cx="10668000" cy="1231106"/>
+            <a:off x="838200" y="249852"/>
+            <a:ext cx="10668000" cy="615553"/>
           </a:xfrm>
           <a:prstGeom prst="rect">
             <a:avLst/>
@@ -4650,12 +5745,12 @@
               <a:defRPr/>
             </a:pPr>
             <a:r>
-              <a:rPr kumimoji="0" lang="en-US" sz="4000" b="1" i="0" u="none" strike="noStrike" kern="1200" cap="none" spc="-50" normalizeH="0" baseline="0" noProof="0" smtClean="0">
+              <a:rPr kumimoji="0" lang="en-US" altLang="en-US" sz="4000" b="1" i="0" u="none" strike="noStrike" kern="1200" cap="none" spc="-50" normalizeH="0" baseline="0" noProof="0" dirty="0" smtClean="0">
                 <a:ln w="3175">
                   <a:noFill/>
                 </a:ln>
                 <a:solidFill>
-                  <a:schemeClr val="accent2"/>
+                  <a:schemeClr val="tx1"/>
                 </a:solidFill>
                 <a:effectLst/>
                 <a:uLnTx/>
@@ -4664,10 +5759,10 @@
                 <a:ea typeface="+mn-ea"/>
                 <a:cs typeface="Segoe UI" pitchFamily="34" charset="0"/>
               </a:rPr>
-              <a:t>History</a:t>
-            </a:r>
-            <a:r>
-              <a:rPr kumimoji="0" lang="en-US" altLang="en-US" sz="4000" b="1" i="0" u="none" strike="noStrike" kern="1200" cap="none" spc="-50" normalizeH="0" baseline="0" noProof="0" smtClean="0">
+              <a:t>COVID-19 </a:t>
+            </a:r>
+            <a:r>
+              <a:rPr kumimoji="0" lang="en-US" altLang="en-US" sz="4000" b="1" i="0" u="none" strike="noStrike" kern="1200" cap="none" spc="-50" normalizeH="0" baseline="0" noProof="0" dirty="0" smtClean="0">
                 <a:ln w="3175">
                   <a:noFill/>
                 </a:ln>
@@ -4681,7 +5776,24 @@
                 <a:ea typeface="+mn-ea"/>
                 <a:cs typeface="Segoe UI" pitchFamily="34" charset="0"/>
               </a:rPr>
-              <a:t>COVID-19 Impact on Navajo Nation in Arizona &amp; New Mexico</a:t>
+              <a:t>Impact on Navajo </a:t>
+            </a:r>
+            <a:r>
+              <a:rPr kumimoji="0" lang="en-US" altLang="en-US" sz="4000" b="1" i="0" u="none" strike="noStrike" kern="1200" cap="none" spc="-50" normalizeH="0" baseline="0" noProof="0" dirty="0" smtClean="0">
+                <a:ln w="3175">
+                  <a:noFill/>
+                </a:ln>
+                <a:solidFill>
+                  <a:schemeClr val="tx1"/>
+                </a:solidFill>
+                <a:effectLst/>
+                <a:uLnTx/>
+                <a:uFillTx/>
+                <a:latin typeface="+mj-lt"/>
+                <a:ea typeface="+mn-ea"/>
+                <a:cs typeface="Segoe UI" pitchFamily="34" charset="0"/>
+              </a:rPr>
+              <a:t>Nation</a:t>
             </a:r>
             <a:endParaRPr kumimoji="0" lang="en-US" sz="4000" b="1" i="0" u="none" strike="noStrike" kern="1200" cap="none" spc="-50" normalizeH="0" baseline="0" noProof="0" dirty="0">
               <a:ln w="3175">
@@ -4700,13 +5812,570 @@
           </a:p>
         </p:txBody>
       </p:sp>
+      <p:sp>
+        <p:nvSpPr>
+          <p:cNvPr id="7" name="Text Placeholder 1"/>
+          <p:cNvSpPr txBox="1">
+            <a:spLocks/>
+          </p:cNvSpPr>
+          <p:nvPr/>
+        </p:nvSpPr>
+        <p:spPr>
+          <a:xfrm>
+            <a:off x="6629400" y="1851005"/>
+            <a:ext cx="5353049" cy="4673620"/>
+          </a:xfrm>
+          <a:prstGeom prst="rect">
+            <a:avLst/>
+          </a:prstGeom>
+          <a:noFill/>
+        </p:spPr>
+        <p:txBody>
+          <a:bodyPr vert="horz" wrap="square" lIns="0" tIns="0" rIns="0" bIns="0" rtlCol="0">
+            <a:noAutofit/>
+          </a:bodyPr>
+          <a:lstStyle/>
+          <a:p>
+            <a:pPr marL="0" marR="0" lvl="0" indent="0" algn="l" defTabSz="914400" rtl="0" eaLnBrk="1" fontAlgn="auto" latinLnBrk="0" hangingPunct="1">
+              <a:lnSpc>
+                <a:spcPct val="90000"/>
+              </a:lnSpc>
+              <a:spcBef>
+                <a:spcPts val="0"/>
+              </a:spcBef>
+              <a:spcAft>
+                <a:spcPts val="0"/>
+              </a:spcAft>
+              <a:buClrTx/>
+              <a:buSzTx/>
+              <a:buFont typeface="Arial" panose="020B0604020202020204" pitchFamily="34" charset="0"/>
+              <a:buNone/>
+              <a:tabLst/>
+              <a:defRPr/>
+            </a:pPr>
+            <a:r>
+              <a:rPr kumimoji="0" lang="en-US" sz="2000" b="0" i="0" u="none" strike="noStrike" kern="1200" cap="none" spc="0" normalizeH="0" baseline="0" noProof="0" dirty="0" smtClean="0">
+                <a:ln>
+                  <a:noFill/>
+                </a:ln>
+                <a:effectLst/>
+                <a:uLnTx/>
+                <a:uFillTx/>
+                <a:latin typeface="+mn-lt"/>
+                <a:ea typeface="+mn-ea"/>
+                <a:cs typeface="+mn-cs"/>
+              </a:rPr>
+              <a:t>For the variable DEATHS of 48 locations in AZ and NM we confirmed </a:t>
+            </a:r>
+          </a:p>
+          <a:p>
+            <a:pPr marL="685800" marR="0" lvl="1" indent="-228600" algn="l" defTabSz="914400" rtl="0" eaLnBrk="1" fontAlgn="auto" latinLnBrk="0" hangingPunct="1">
+              <a:lnSpc>
+                <a:spcPct val="90000"/>
+              </a:lnSpc>
+              <a:spcBef>
+                <a:spcPts val="500"/>
+              </a:spcBef>
+              <a:spcAft>
+                <a:spcPts val="0"/>
+              </a:spcAft>
+              <a:buClrTx/>
+              <a:buSzTx/>
+              <a:buFont typeface="Arial" panose="020B0604020202020204" pitchFamily="34" charset="0"/>
+              <a:buNone/>
+              <a:tabLst/>
+              <a:defRPr/>
+            </a:pPr>
+            <a:r>
+              <a:rPr kumimoji="0" lang="en-US" sz="2000" b="0" i="0" u="none" strike="noStrike" kern="1200" cap="none" spc="0" normalizeH="0" baseline="0" noProof="0" dirty="0" smtClean="0">
+                <a:ln>
+                  <a:noFill/>
+                </a:ln>
+                <a:effectLst/>
+                <a:uLnTx/>
+                <a:uFillTx/>
+                <a:latin typeface="+mn-lt"/>
+                <a:ea typeface="+mn-ea"/>
+                <a:cs typeface="+mn-cs"/>
+              </a:rPr>
+              <a:t>Non-Navajo Nation</a:t>
+            </a:r>
+          </a:p>
+          <a:p>
+            <a:pPr marL="1143000" marR="0" lvl="2" indent="-228600" algn="l" defTabSz="914400" rtl="0" eaLnBrk="1" fontAlgn="auto" latinLnBrk="0" hangingPunct="1">
+              <a:lnSpc>
+                <a:spcPct val="90000"/>
+              </a:lnSpc>
+              <a:spcBef>
+                <a:spcPts val="500"/>
+              </a:spcBef>
+              <a:spcAft>
+                <a:spcPts val="0"/>
+              </a:spcAft>
+              <a:buClrTx/>
+              <a:buSzTx/>
+              <a:buFont typeface="Arial" panose="020B0604020202020204" pitchFamily="34" charset="0"/>
+              <a:buNone/>
+              <a:tabLst/>
+              <a:defRPr/>
+            </a:pPr>
+            <a:r>
+              <a:rPr kumimoji="0" lang="en-US" sz="2000" b="0" i="0" u="none" strike="noStrike" kern="1200" cap="none" spc="0" normalizeH="0" baseline="0" noProof="0" dirty="0" smtClean="0">
+                <a:ln>
+                  <a:noFill/>
+                </a:ln>
+                <a:effectLst/>
+                <a:uLnTx/>
+                <a:uFillTx/>
+                <a:latin typeface="+mn-lt"/>
+                <a:ea typeface="+mn-ea"/>
+                <a:cs typeface="+mn-cs"/>
+              </a:rPr>
+              <a:t>17,608 DEATHS</a:t>
+            </a:r>
+          </a:p>
+          <a:p>
+            <a:pPr marL="685800" marR="0" lvl="1" indent="-228600" algn="l" defTabSz="914400" rtl="0" eaLnBrk="1" fontAlgn="auto" latinLnBrk="0" hangingPunct="1">
+              <a:lnSpc>
+                <a:spcPct val="90000"/>
+              </a:lnSpc>
+              <a:spcBef>
+                <a:spcPts val="500"/>
+              </a:spcBef>
+              <a:spcAft>
+                <a:spcPts val="0"/>
+              </a:spcAft>
+              <a:buClrTx/>
+              <a:buSzTx/>
+              <a:buFont typeface="Arial" panose="020B0604020202020204" pitchFamily="34" charset="0"/>
+              <a:buNone/>
+              <a:tabLst/>
+              <a:defRPr/>
+            </a:pPr>
+            <a:r>
+              <a:rPr kumimoji="0" lang="en-US" sz="2000" b="0" i="0" u="none" strike="noStrike" kern="1200" cap="none" spc="0" normalizeH="0" baseline="0" noProof="0" dirty="0" smtClean="0">
+                <a:ln>
+                  <a:noFill/>
+                </a:ln>
+                <a:effectLst/>
+                <a:uLnTx/>
+                <a:uFillTx/>
+                <a:latin typeface="+mn-lt"/>
+                <a:ea typeface="+mn-ea"/>
+                <a:cs typeface="+mn-cs"/>
+              </a:rPr>
+              <a:t>Navajo Nation</a:t>
+            </a:r>
+          </a:p>
+          <a:p>
+            <a:pPr marL="1143000" marR="0" lvl="2" indent="-228600" algn="l" defTabSz="914400" rtl="0" eaLnBrk="1" fontAlgn="auto" latinLnBrk="0" hangingPunct="1">
+              <a:lnSpc>
+                <a:spcPct val="90000"/>
+              </a:lnSpc>
+              <a:spcBef>
+                <a:spcPts val="500"/>
+              </a:spcBef>
+              <a:spcAft>
+                <a:spcPts val="0"/>
+              </a:spcAft>
+              <a:buClrTx/>
+              <a:buSzTx/>
+              <a:buFont typeface="Arial" panose="020B0604020202020204" pitchFamily="34" charset="0"/>
+              <a:buNone/>
+              <a:tabLst/>
+              <a:defRPr/>
+            </a:pPr>
+            <a:r>
+              <a:rPr lang="en-US" sz="2000" dirty="0" smtClean="0">
+                <a:latin typeface="+mn-lt"/>
+              </a:rPr>
+              <a:t>2059 </a:t>
+            </a:r>
+            <a:r>
+              <a:rPr kumimoji="0" lang="en-US" sz="2000" b="0" i="0" u="none" strike="noStrike" kern="1200" cap="none" spc="0" normalizeH="0" baseline="0" noProof="0" dirty="0" smtClean="0">
+                <a:ln>
+                  <a:noFill/>
+                </a:ln>
+                <a:effectLst/>
+                <a:uLnTx/>
+                <a:uFillTx/>
+                <a:latin typeface="+mn-lt"/>
+                <a:ea typeface="+mn-ea"/>
+                <a:cs typeface="+mn-cs"/>
+              </a:rPr>
+              <a:t>DEATHS</a:t>
+            </a:r>
+          </a:p>
+          <a:p>
+            <a:pPr marL="1143000" marR="0" lvl="2" indent="-228600" algn="l" defTabSz="914400" rtl="0" eaLnBrk="1" fontAlgn="auto" latinLnBrk="0" hangingPunct="1">
+              <a:lnSpc>
+                <a:spcPct val="90000"/>
+              </a:lnSpc>
+              <a:spcBef>
+                <a:spcPts val="500"/>
+              </a:spcBef>
+              <a:spcAft>
+                <a:spcPts val="0"/>
+              </a:spcAft>
+              <a:buClrTx/>
+              <a:buSzTx/>
+              <a:buFont typeface="Arial" panose="020B0604020202020204" pitchFamily="34" charset="0"/>
+              <a:buNone/>
+              <a:tabLst/>
+              <a:defRPr/>
+            </a:pPr>
+            <a:endParaRPr kumimoji="0" lang="en-US" sz="2000" b="0" i="0" u="none" strike="noStrike" kern="1200" cap="none" spc="0" normalizeH="0" baseline="0" noProof="0" dirty="0" smtClean="0">
+              <a:ln>
+                <a:noFill/>
+              </a:ln>
+              <a:effectLst/>
+              <a:uLnTx/>
+              <a:uFillTx/>
+              <a:latin typeface="+mn-lt"/>
+              <a:ea typeface="+mn-ea"/>
+              <a:cs typeface="+mn-cs"/>
+            </a:endParaRPr>
+          </a:p>
+          <a:p>
+            <a:pPr marL="0" marR="0" lvl="0" indent="0" algn="l" defTabSz="914400" rtl="0" eaLnBrk="1" fontAlgn="auto" latinLnBrk="0" hangingPunct="1">
+              <a:lnSpc>
+                <a:spcPct val="90000"/>
+              </a:lnSpc>
+              <a:spcBef>
+                <a:spcPts val="0"/>
+              </a:spcBef>
+              <a:spcAft>
+                <a:spcPts val="0"/>
+              </a:spcAft>
+              <a:buClrTx/>
+              <a:buSzTx/>
+              <a:buFont typeface="Arial" panose="020B0604020202020204" pitchFamily="34" charset="0"/>
+              <a:buNone/>
+              <a:tabLst/>
+              <a:defRPr/>
+            </a:pPr>
+            <a:r>
+              <a:rPr kumimoji="0" lang="en-US" sz="1800" b="0" i="0" u="none" strike="noStrike" kern="1200" cap="none" spc="0" normalizeH="0" baseline="0" noProof="0" dirty="0" smtClean="0">
+                <a:ln>
+                  <a:noFill/>
+                </a:ln>
+                <a:effectLst/>
+                <a:uLnTx/>
+                <a:uFillTx/>
+                <a:latin typeface="+mn-lt"/>
+                <a:ea typeface="+mn-ea"/>
+                <a:cs typeface="+mn-cs"/>
+              </a:rPr>
+              <a:t>This was a pretty easy one as</a:t>
+            </a:r>
+            <a:r>
+              <a:rPr kumimoji="0" lang="en-US" sz="1800" b="0" i="0" u="none" strike="noStrike" kern="1200" cap="none" spc="0" normalizeH="0" noProof="0" dirty="0" smtClean="0">
+                <a:ln>
+                  <a:noFill/>
+                </a:ln>
+                <a:effectLst/>
+                <a:uLnTx/>
+                <a:uFillTx/>
+                <a:latin typeface="+mn-lt"/>
+                <a:ea typeface="+mn-ea"/>
+                <a:cs typeface="+mn-cs"/>
+              </a:rPr>
+              <a:t> well</a:t>
+            </a:r>
+            <a:endParaRPr kumimoji="0" lang="en-US" sz="1800" b="0" i="0" u="none" strike="noStrike" kern="1200" cap="none" spc="0" normalizeH="0" baseline="0" noProof="0" dirty="0" smtClean="0">
+              <a:ln>
+                <a:noFill/>
+              </a:ln>
+              <a:effectLst/>
+              <a:uLnTx/>
+              <a:uFillTx/>
+              <a:latin typeface="+mn-lt"/>
+              <a:ea typeface="+mn-ea"/>
+              <a:cs typeface="+mn-cs"/>
+            </a:endParaRPr>
+          </a:p>
+          <a:p>
+            <a:pPr marL="685800" marR="0" lvl="1" indent="-228600" algn="l" defTabSz="914400" rtl="0" eaLnBrk="1" fontAlgn="auto" latinLnBrk="0" hangingPunct="1">
+              <a:lnSpc>
+                <a:spcPct val="90000"/>
+              </a:lnSpc>
+              <a:spcBef>
+                <a:spcPts val="500"/>
+              </a:spcBef>
+              <a:spcAft>
+                <a:spcPts val="0"/>
+              </a:spcAft>
+              <a:buClrTx/>
+              <a:buSzTx/>
+              <a:buFont typeface="Arial" panose="020B0604020202020204" pitchFamily="34" charset="0"/>
+              <a:buChar char="•"/>
+              <a:tabLst/>
+              <a:defRPr/>
+            </a:pPr>
+            <a:r>
+              <a:rPr kumimoji="0" lang="en-US" sz="1800" b="0" i="0" u="none" strike="noStrike" kern="1200" cap="none" spc="0" normalizeH="0" baseline="0" noProof="0" dirty="0" smtClean="0">
+                <a:ln>
+                  <a:noFill/>
+                </a:ln>
+                <a:effectLst/>
+                <a:uLnTx/>
+                <a:uFillTx/>
+                <a:latin typeface="+mn-lt"/>
+                <a:ea typeface="+mn-ea"/>
+                <a:cs typeface="+mn-cs"/>
+              </a:rPr>
+              <a:t>This analysis and chart confirms that there was a significant difference between the two. </a:t>
+            </a:r>
+          </a:p>
+          <a:p>
+            <a:pPr marL="685800" marR="0" lvl="1" indent="-228600" algn="l" defTabSz="914400" rtl="0" eaLnBrk="1" fontAlgn="auto" latinLnBrk="0" hangingPunct="1">
+              <a:lnSpc>
+                <a:spcPct val="90000"/>
+              </a:lnSpc>
+              <a:spcBef>
+                <a:spcPts val="500"/>
+              </a:spcBef>
+              <a:spcAft>
+                <a:spcPts val="0"/>
+              </a:spcAft>
+              <a:buClrTx/>
+              <a:buSzTx/>
+              <a:buFont typeface="Arial" panose="020B0604020202020204" pitchFamily="34" charset="0"/>
+              <a:buChar char="•"/>
+              <a:tabLst/>
+              <a:defRPr/>
+            </a:pPr>
+            <a:r>
+              <a:rPr kumimoji="0" lang="en-US" sz="1800" b="0" i="0" u="none" strike="noStrike" kern="1200" cap="none" spc="0" normalizeH="0" baseline="0" noProof="0" dirty="0" smtClean="0">
+                <a:ln>
+                  <a:noFill/>
+                </a:ln>
+                <a:effectLst/>
+                <a:uLnTx/>
+                <a:uFillTx/>
+                <a:latin typeface="+mn-lt"/>
+                <a:ea typeface="+mn-ea"/>
+                <a:cs typeface="+mn-cs"/>
+              </a:rPr>
+              <a:t>The </a:t>
+            </a:r>
+            <a:r>
+              <a:rPr lang="en-US" noProof="0" dirty="0" smtClean="0">
+                <a:latin typeface="+mn-lt"/>
+              </a:rPr>
+              <a:t>Welch’s one way </a:t>
+            </a:r>
+            <a:r>
+              <a:rPr kumimoji="0" lang="en-US" sz="1800" b="0" i="0" u="none" strike="noStrike" kern="1200" cap="none" spc="0" normalizeH="0" baseline="0" noProof="0" dirty="0" smtClean="0">
+                <a:ln>
+                  <a:noFill/>
+                </a:ln>
+                <a:effectLst/>
+                <a:uLnTx/>
+                <a:uFillTx/>
+                <a:latin typeface="+mn-lt"/>
+                <a:ea typeface="+mn-ea"/>
+                <a:cs typeface="+mn-cs"/>
+              </a:rPr>
+              <a:t>ANOVA told us the </a:t>
+            </a:r>
+          </a:p>
+          <a:p>
+            <a:pPr marL="685800" marR="0" lvl="1" indent="-228600" algn="l" defTabSz="914400" rtl="0" eaLnBrk="1" fontAlgn="auto" latinLnBrk="0" hangingPunct="1">
+              <a:lnSpc>
+                <a:spcPct val="90000"/>
+              </a:lnSpc>
+              <a:spcBef>
+                <a:spcPts val="500"/>
+              </a:spcBef>
+              <a:spcAft>
+                <a:spcPts val="0"/>
+              </a:spcAft>
+              <a:buClrTx/>
+              <a:buSzTx/>
+              <a:tabLst/>
+              <a:defRPr/>
+            </a:pPr>
+            <a:r>
+              <a:rPr kumimoji="0" lang="en-US" sz="1800" b="0" i="0" u="none" strike="noStrike" kern="1200" cap="none" spc="0" normalizeH="0" baseline="0" noProof="0" dirty="0" smtClean="0">
+                <a:ln>
+                  <a:noFill/>
+                </a:ln>
+                <a:effectLst/>
+                <a:uLnTx/>
+                <a:uFillTx/>
+                <a:latin typeface="+mn-lt"/>
+                <a:ea typeface="+mn-ea"/>
+                <a:cs typeface="+mn-cs"/>
+              </a:rPr>
+              <a:t> P-VALUE = 0.001 &lt; .05 and is significant</a:t>
+            </a:r>
+          </a:p>
+          <a:p>
+            <a:pPr marL="685800" marR="0" lvl="1" indent="-228600" algn="l" defTabSz="914400" rtl="0" eaLnBrk="1" fontAlgn="auto" latinLnBrk="0" hangingPunct="1">
+              <a:lnSpc>
+                <a:spcPct val="90000"/>
+              </a:lnSpc>
+              <a:spcBef>
+                <a:spcPts val="500"/>
+              </a:spcBef>
+              <a:spcAft>
+                <a:spcPts val="0"/>
+              </a:spcAft>
+              <a:buClrTx/>
+              <a:buSzTx/>
+              <a:buFont typeface="Arial" panose="020B0604020202020204" pitchFamily="34" charset="0"/>
+              <a:buChar char="•"/>
+              <a:tabLst/>
+              <a:defRPr/>
+            </a:pPr>
+            <a:r>
+              <a:rPr kumimoji="0" lang="en-US" sz="1800" b="0" i="0" u="none" strike="noStrike" kern="1200" cap="none" spc="0" normalizeH="0" baseline="0" noProof="0" dirty="0" smtClean="0">
+                <a:ln>
+                  <a:noFill/>
+                </a:ln>
+                <a:effectLst/>
+                <a:uLnTx/>
+                <a:uFillTx/>
+                <a:latin typeface="+mn-lt"/>
+                <a:ea typeface="+mn-ea"/>
+                <a:cs typeface="+mn-cs"/>
+              </a:rPr>
+              <a:t>We can also see from the analysis and the graph that there is a significant</a:t>
+            </a:r>
+            <a:r>
+              <a:rPr kumimoji="0" lang="en-US" sz="1800" b="0" i="0" u="none" strike="noStrike" kern="1200" cap="none" spc="0" normalizeH="0" noProof="0" dirty="0" smtClean="0">
+                <a:ln>
+                  <a:noFill/>
+                </a:ln>
+                <a:effectLst/>
+                <a:uLnTx/>
+                <a:uFillTx/>
+                <a:latin typeface="+mn-lt"/>
+                <a:ea typeface="+mn-ea"/>
+                <a:cs typeface="+mn-cs"/>
+              </a:rPr>
+              <a:t> difference between the two groups</a:t>
+            </a:r>
+            <a:endParaRPr kumimoji="0" lang="en-US" sz="2000" b="0" i="0" u="none" strike="noStrike" kern="1200" cap="none" spc="0" normalizeH="0" baseline="0" noProof="0" dirty="0" smtClean="0">
+              <a:ln>
+                <a:noFill/>
+              </a:ln>
+              <a:effectLst/>
+              <a:uLnTx/>
+              <a:uFillTx/>
+              <a:latin typeface="+mn-lt"/>
+              <a:ea typeface="+mn-ea"/>
+              <a:cs typeface="+mn-cs"/>
+            </a:endParaRPr>
+          </a:p>
+          <a:p>
+            <a:pPr marL="0" marR="0" lvl="0" indent="0" algn="l" defTabSz="914400" rtl="0" eaLnBrk="1" fontAlgn="auto" latinLnBrk="0" hangingPunct="1">
+              <a:lnSpc>
+                <a:spcPct val="90000"/>
+              </a:lnSpc>
+              <a:spcBef>
+                <a:spcPts val="0"/>
+              </a:spcBef>
+              <a:spcAft>
+                <a:spcPts val="0"/>
+              </a:spcAft>
+              <a:buClrTx/>
+              <a:buSzTx/>
+              <a:buFont typeface="Arial" panose="020B0604020202020204" pitchFamily="34" charset="0"/>
+              <a:buNone/>
+              <a:tabLst/>
+              <a:defRPr/>
+            </a:pPr>
+            <a:endParaRPr kumimoji="0" lang="en-US" sz="1800" b="0" i="0" u="none" strike="noStrike" kern="1200" cap="none" spc="0" normalizeH="0" baseline="0" noProof="0" dirty="0" smtClean="0">
+              <a:ln>
+                <a:noFill/>
+              </a:ln>
+              <a:solidFill>
+                <a:schemeClr val="bg1"/>
+              </a:solidFill>
+              <a:effectLst/>
+              <a:uLnTx/>
+              <a:uFillTx/>
+              <a:latin typeface="+mn-lt"/>
+              <a:ea typeface="+mn-ea"/>
+              <a:cs typeface="+mn-cs"/>
+            </a:endParaRPr>
+          </a:p>
+          <a:p>
+            <a:pPr marL="0" marR="0" lvl="0" indent="0" algn="l" defTabSz="914400" rtl="0" eaLnBrk="1" fontAlgn="auto" latinLnBrk="0" hangingPunct="1">
+              <a:lnSpc>
+                <a:spcPct val="90000"/>
+              </a:lnSpc>
+              <a:spcBef>
+                <a:spcPts val="0"/>
+              </a:spcBef>
+              <a:spcAft>
+                <a:spcPts val="0"/>
+              </a:spcAft>
+              <a:buClrTx/>
+              <a:buSzTx/>
+              <a:buFont typeface="Arial" panose="020B0604020202020204" pitchFamily="34" charset="0"/>
+              <a:buNone/>
+              <a:tabLst/>
+              <a:defRPr/>
+            </a:pPr>
+            <a:endParaRPr kumimoji="0" lang="en-US" sz="1800" b="0" i="0" u="none" strike="noStrike" kern="1200" cap="none" spc="0" normalizeH="0" baseline="0" noProof="0" dirty="0">
+              <a:ln>
+                <a:noFill/>
+              </a:ln>
+              <a:solidFill>
+                <a:schemeClr val="bg1"/>
+              </a:solidFill>
+              <a:effectLst/>
+              <a:uLnTx/>
+              <a:uFillTx/>
+              <a:latin typeface="+mn-lt"/>
+              <a:ea typeface="+mn-ea"/>
+              <a:cs typeface="+mn-cs"/>
+            </a:endParaRPr>
+          </a:p>
+        </p:txBody>
+      </p:sp>
+      <p:pic>
+        <p:nvPicPr>
+          <p:cNvPr id="2051" name="Picture 3"/>
+          <p:cNvPicPr>
+            <a:picLocks noChangeAspect="1" noChangeArrowheads="1"/>
+          </p:cNvPicPr>
+          <p:nvPr/>
+        </p:nvPicPr>
+        <p:blipFill>
+          <a:blip r:embed="rId2"/>
+          <a:srcRect/>
+          <a:stretch>
+            <a:fillRect/>
+          </a:stretch>
+        </p:blipFill>
+        <p:spPr bwMode="auto">
+          <a:xfrm>
+            <a:off x="481013" y="1700213"/>
+            <a:ext cx="5857875" cy="4676775"/>
+          </a:xfrm>
+          <a:prstGeom prst="rect">
+            <a:avLst/>
+          </a:prstGeom>
+          <a:noFill/>
+          <a:ln w="9525">
+            <a:noFill/>
+            <a:miter lim="800000"/>
+            <a:headEnd/>
+            <a:tailEnd/>
+          </a:ln>
+        </p:spPr>
+      </p:pic>
     </p:spTree>
   </p:cSld>
   <p:clrMapOvr>
     <a:masterClrMapping/>
   </p:clrMapOvr>
   <mc:AlternateContent xmlns:mc="http://schemas.openxmlformats.org/markup-compatibility/2006">
-    <mc:Choice xmlns="" xmlns:p14="http://schemas.microsoft.com/office/powerpoint/2010/main" Requires="p14">
+    <mc:Choice xmlns:p14="http://schemas.microsoft.com/office/powerpoint/2010/main" xmlns="" Requires="p14">
       <p:transition spd="med" p14:dur="700">
         <p:fade/>
       </p:transition>
@@ -4717,167 +6386,6 @@
       </p:transition>
     </mc:Fallback>
   </mc:AlternateContent>
-</p:sld>
-</file>
-
-<file path=ppt/slides/slide14.xml><?xml version="1.0" encoding="utf-8"?>
-<p:sld xmlns:a="http://schemas.openxmlformats.org/drawingml/2006/main" xmlns:r="http://schemas.openxmlformats.org/officeDocument/2006/relationships" xmlns:p="http://schemas.openxmlformats.org/presentationml/2006/main">
-  <p:cSld>
-    <p:spTree>
-      <p:nvGrpSpPr>
-        <p:cNvPr id="1" name=""/>
-        <p:cNvGrpSpPr/>
-        <p:nvPr/>
-      </p:nvGrpSpPr>
-      <p:grpSpPr>
-        <a:xfrm>
-          <a:off x="0" y="0"/>
-          <a:ext cx="0" cy="0"/>
-          <a:chOff x="0" y="0"/>
-          <a:chExt cx="0" cy="0"/>
-        </a:xfrm>
-      </p:grpSpPr>
-      <p:sp>
-        <p:nvSpPr>
-          <p:cNvPr id="2" name="Text Placeholder 1"/>
-          <p:cNvSpPr>
-            <a:spLocks noGrp="1"/>
-          </p:cNvSpPr>
-          <p:nvPr>
-            <p:ph type="body" sz="quarter" idx="12"/>
-          </p:nvPr>
-        </p:nvSpPr>
-        <p:spPr/>
-        <p:txBody>
-          <a:bodyPr/>
-          <a:lstStyle/>
-          <a:p>
-            <a:endParaRPr lang="en-US"/>
-          </a:p>
-        </p:txBody>
-      </p:sp>
-      <p:sp>
-        <p:nvSpPr>
-          <p:cNvPr id="3" name="Title 2"/>
-          <p:cNvSpPr>
-            <a:spLocks noGrp="1"/>
-          </p:cNvSpPr>
-          <p:nvPr>
-            <p:ph type="title"/>
-          </p:nvPr>
-        </p:nvSpPr>
-        <p:spPr/>
-        <p:txBody>
-          <a:bodyPr/>
-          <a:lstStyle/>
-          <a:p>
-            <a:endParaRPr lang="en-US"/>
-          </a:p>
-        </p:txBody>
-      </p:sp>
-      <p:sp>
-        <p:nvSpPr>
-          <p:cNvPr id="4" name="Title 3">
-            <a:extLst>
-              <a:ext uri="{FF2B5EF4-FFF2-40B4-BE49-F238E27FC236}">
-                <a16:creationId xmlns="" xmlns:a16="http://schemas.microsoft.com/office/drawing/2014/main" id="{048FBE6B-DC67-4E64-80F4-CADE978D2FE3}"/>
-              </a:ext>
-            </a:extLst>
-          </p:cNvPr>
-          <p:cNvSpPr txBox="1">
-            <a:spLocks/>
-          </p:cNvSpPr>
-          <p:nvPr/>
-        </p:nvSpPr>
-        <p:spPr>
-          <a:xfrm>
-            <a:off x="762000" y="101024"/>
-            <a:ext cx="10668000" cy="1231106"/>
-          </a:xfrm>
-          <a:prstGeom prst="rect">
-            <a:avLst/>
-          </a:prstGeom>
-          <a:noFill/>
-        </p:spPr>
-        <p:txBody>
-          <a:bodyPr vert="horz" wrap="square" lIns="0" tIns="0" rIns="0" bIns="0" rtlCol="0" anchor="b" anchorCtr="0">
-            <a:spAutoFit/>
-          </a:bodyPr>
-          <a:lstStyle/>
-          <a:p>
-            <a:pPr marL="0" marR="0" lvl="0" indent="0" algn="ctr" defTabSz="932742" rtl="0" eaLnBrk="1" fontAlgn="auto" latinLnBrk="0" hangingPunct="1">
-              <a:lnSpc>
-                <a:spcPct val="100000"/>
-              </a:lnSpc>
-              <a:spcBef>
-                <a:spcPct val="0"/>
-              </a:spcBef>
-              <a:spcAft>
-                <a:spcPts val="0"/>
-              </a:spcAft>
-              <a:buClrTx/>
-              <a:buSzTx/>
-              <a:buFontTx/>
-              <a:buNone/>
-              <a:tabLst/>
-              <a:defRPr/>
-            </a:pPr>
-            <a:r>
-              <a:rPr kumimoji="0" lang="en-US" sz="4000" b="1" i="0" u="none" strike="noStrike" kern="1200" cap="none" spc="-50" normalizeH="0" baseline="0" noProof="0" smtClean="0">
-                <a:ln w="3175">
-                  <a:noFill/>
-                </a:ln>
-                <a:solidFill>
-                  <a:schemeClr val="accent2"/>
-                </a:solidFill>
-                <a:effectLst/>
-                <a:uLnTx/>
-                <a:uFillTx/>
-                <a:latin typeface="+mj-lt"/>
-                <a:ea typeface="+mn-ea"/>
-                <a:cs typeface="Segoe UI" pitchFamily="34" charset="0"/>
-              </a:rPr>
-              <a:t>History</a:t>
-            </a:r>
-            <a:r>
-              <a:rPr kumimoji="0" lang="en-US" altLang="en-US" sz="4000" b="1" i="0" u="none" strike="noStrike" kern="1200" cap="none" spc="-50" normalizeH="0" baseline="0" noProof="0" smtClean="0">
-                <a:ln w="3175">
-                  <a:noFill/>
-                </a:ln>
-                <a:solidFill>
-                  <a:schemeClr val="accent2"/>
-                </a:solidFill>
-                <a:effectLst/>
-                <a:uLnTx/>
-                <a:uFillTx/>
-                <a:latin typeface="+mj-lt"/>
-                <a:ea typeface="+mn-ea"/>
-                <a:cs typeface="Segoe UI" pitchFamily="34" charset="0"/>
-              </a:rPr>
-              <a:t>COVID-19 Impact on Navajo Nation in Arizona &amp; New Mexico</a:t>
-            </a:r>
-            <a:endParaRPr kumimoji="0" lang="en-US" sz="4000" b="1" i="0" u="none" strike="noStrike" kern="1200" cap="none" spc="-50" normalizeH="0" baseline="0" noProof="0" dirty="0">
-              <a:ln w="3175">
-                <a:noFill/>
-              </a:ln>
-              <a:solidFill>
-                <a:schemeClr val="accent2"/>
-              </a:solidFill>
-              <a:effectLst/>
-              <a:uLnTx/>
-              <a:uFillTx/>
-              <a:latin typeface="+mj-lt"/>
-              <a:ea typeface="+mn-ea"/>
-              <a:cs typeface="Segoe UI" pitchFamily="34" charset="0"/>
-            </a:endParaRPr>
-          </a:p>
-        </p:txBody>
-      </p:sp>
-    </p:spTree>
-  </p:cSld>
-  <p:clrMapOvr>
-    <a:masterClrMapping/>
-  </p:clrMapOvr>
 </p:sld>
 </file>
 
@@ -4900,25 +6408,6 @@
       </p:grpSpPr>
       <p:sp>
         <p:nvSpPr>
-          <p:cNvPr id="2" name="Text Placeholder 1"/>
-          <p:cNvSpPr>
-            <a:spLocks noGrp="1"/>
-          </p:cNvSpPr>
-          <p:nvPr>
-            <p:ph type="body" sz="quarter" idx="12"/>
-          </p:nvPr>
-        </p:nvSpPr>
-        <p:spPr/>
-        <p:txBody>
-          <a:bodyPr/>
-          <a:lstStyle/>
-          <a:p>
-            <a:endParaRPr lang="en-US"/>
-          </a:p>
-        </p:txBody>
-      </p:sp>
-      <p:sp>
-        <p:nvSpPr>
           <p:cNvPr id="3" name="Title 2"/>
           <p:cNvSpPr>
             <a:spLocks noGrp="1"/>
@@ -4927,12 +6416,21 @@
             <p:ph type="title"/>
           </p:nvPr>
         </p:nvSpPr>
-        <p:spPr/>
+        <p:spPr>
+          <a:xfrm>
+            <a:off x="1439576" y="757218"/>
+            <a:ext cx="9141397" cy="615553"/>
+          </a:xfrm>
+        </p:spPr>
         <p:txBody>
           <a:bodyPr/>
           <a:lstStyle/>
           <a:p>
-            <a:endParaRPr lang="en-US"/>
+            <a:r>
+              <a:rPr lang="en-US" dirty="0" smtClean="0"/>
+              <a:t>Analysis / Reporting</a:t>
+            </a:r>
+            <a:endParaRPr lang="en-US" dirty="0"/>
           </a:p>
         </p:txBody>
       </p:sp>
@@ -4941,7 +6439,7 @@
           <p:cNvPr id="4" name="Title 3">
             <a:extLst>
               <a:ext uri="{FF2B5EF4-FFF2-40B4-BE49-F238E27FC236}">
-                <a16:creationId xmlns="" xmlns:a16="http://schemas.microsoft.com/office/drawing/2014/main" id="{048FBE6B-DC67-4E64-80F4-CADE978D2FE3}"/>
+                <a16:creationId xmlns:a16="http://schemas.microsoft.com/office/drawing/2014/main" xmlns="" id="{048FBE6B-DC67-4E64-80F4-CADE978D2FE3}"/>
               </a:ext>
             </a:extLst>
           </p:cNvPr>
@@ -4952,8 +6450,8 @@
         </p:nvSpPr>
         <p:spPr>
           <a:xfrm>
-            <a:off x="762000" y="101024"/>
-            <a:ext cx="10668000" cy="1231106"/>
+            <a:off x="790575" y="164127"/>
+            <a:ext cx="10668000" cy="615553"/>
           </a:xfrm>
           <a:prstGeom prst="rect">
             <a:avLst/>
@@ -4984,7 +6482,7 @@
               <a:defRPr/>
             </a:pPr>
             <a:r>
-              <a:rPr kumimoji="0" lang="en-US" sz="4000" b="1" i="0" u="none" strike="noStrike" kern="1200" cap="none" spc="-50" normalizeH="0" baseline="0" noProof="0" smtClean="0">
+              <a:rPr kumimoji="0" lang="en-US" altLang="en-US" sz="4000" b="1" i="0" u="none" strike="noStrike" kern="1200" cap="none" spc="-50" normalizeH="0" baseline="0" noProof="0" dirty="0" smtClean="0">
                 <a:ln w="3175">
                   <a:noFill/>
                 </a:ln>
@@ -4998,10 +6496,10 @@
                 <a:ea typeface="+mn-ea"/>
                 <a:cs typeface="Segoe UI" pitchFamily="34" charset="0"/>
               </a:rPr>
-              <a:t>History</a:t>
-            </a:r>
-            <a:r>
-              <a:rPr kumimoji="0" lang="en-US" altLang="en-US" sz="4000" b="1" i="0" u="none" strike="noStrike" kern="1200" cap="none" spc="-50" normalizeH="0" baseline="0" noProof="0" smtClean="0">
+              <a:t>COVID-19 </a:t>
+            </a:r>
+            <a:r>
+              <a:rPr kumimoji="0" lang="en-US" altLang="en-US" sz="4000" b="1" i="0" u="none" strike="noStrike" kern="1200" cap="none" spc="-50" normalizeH="0" baseline="0" noProof="0" dirty="0" smtClean="0">
                 <a:ln w="3175">
                   <a:noFill/>
                 </a:ln>
@@ -5015,7 +6513,24 @@
                 <a:ea typeface="+mn-ea"/>
                 <a:cs typeface="Segoe UI" pitchFamily="34" charset="0"/>
               </a:rPr>
-              <a:t>COVID-19 Impact on Navajo Nation in Arizona &amp; New Mexico</a:t>
+              <a:t>Impact on Navajo </a:t>
+            </a:r>
+            <a:r>
+              <a:rPr kumimoji="0" lang="en-US" altLang="en-US" sz="4000" b="1" i="0" u="none" strike="noStrike" kern="1200" cap="none" spc="-50" normalizeH="0" baseline="0" noProof="0" dirty="0" smtClean="0">
+                <a:ln w="3175">
+                  <a:noFill/>
+                </a:ln>
+                <a:solidFill>
+                  <a:schemeClr val="accent2"/>
+                </a:solidFill>
+                <a:effectLst/>
+                <a:uLnTx/>
+                <a:uFillTx/>
+                <a:latin typeface="+mj-lt"/>
+                <a:ea typeface="+mn-ea"/>
+                <a:cs typeface="Segoe UI" pitchFamily="34" charset="0"/>
+              </a:rPr>
+              <a:t>Nation</a:t>
             </a:r>
             <a:endParaRPr kumimoji="0" lang="en-US" sz="4000" b="1" i="0" u="none" strike="noStrike" kern="1200" cap="none" spc="-50" normalizeH="0" baseline="0" noProof="0" dirty="0">
               <a:ln w="3175">
@@ -5030,6 +6545,437 @@
               <a:latin typeface="+mj-lt"/>
               <a:ea typeface="+mn-ea"/>
               <a:cs typeface="Segoe UI" pitchFamily="34" charset="0"/>
+            </a:endParaRPr>
+          </a:p>
+        </p:txBody>
+      </p:sp>
+      <p:pic>
+        <p:nvPicPr>
+          <p:cNvPr id="3074" name="Picture 2"/>
+          <p:cNvPicPr>
+            <a:picLocks noChangeAspect="1" noChangeArrowheads="1"/>
+          </p:cNvPicPr>
+          <p:nvPr/>
+        </p:nvPicPr>
+        <p:blipFill>
+          <a:blip r:embed="rId2"/>
+          <a:srcRect/>
+          <a:stretch>
+            <a:fillRect/>
+          </a:stretch>
+        </p:blipFill>
+        <p:spPr bwMode="auto">
+          <a:xfrm>
+            <a:off x="1223992" y="1344321"/>
+            <a:ext cx="5938808" cy="4780253"/>
+          </a:xfrm>
+          <a:prstGeom prst="rect">
+            <a:avLst/>
+          </a:prstGeom>
+          <a:noFill/>
+          <a:ln w="9525">
+            <a:noFill/>
+            <a:miter lim="800000"/>
+            <a:headEnd/>
+            <a:tailEnd/>
+          </a:ln>
+        </p:spPr>
+      </p:pic>
+      <p:sp>
+        <p:nvSpPr>
+          <p:cNvPr id="7" name="Text Placeholder 1"/>
+          <p:cNvSpPr txBox="1">
+            <a:spLocks/>
+          </p:cNvSpPr>
+          <p:nvPr/>
+        </p:nvSpPr>
+        <p:spPr>
+          <a:xfrm>
+            <a:off x="7553326" y="1393804"/>
+            <a:ext cx="4248148" cy="4759345"/>
+          </a:xfrm>
+          <a:prstGeom prst="rect">
+            <a:avLst/>
+          </a:prstGeom>
+          <a:noFill/>
+        </p:spPr>
+        <p:txBody>
+          <a:bodyPr vert="horz" wrap="square" lIns="0" tIns="0" rIns="0" bIns="0" rtlCol="0">
+            <a:noAutofit/>
+          </a:bodyPr>
+          <a:lstStyle/>
+          <a:p>
+            <a:pPr marL="0" marR="0" lvl="0" indent="0" algn="l" defTabSz="914400" rtl="0" eaLnBrk="1" fontAlgn="auto" latinLnBrk="0" hangingPunct="1">
+              <a:lnSpc>
+                <a:spcPct val="90000"/>
+              </a:lnSpc>
+              <a:spcBef>
+                <a:spcPts val="0"/>
+              </a:spcBef>
+              <a:spcAft>
+                <a:spcPts val="0"/>
+              </a:spcAft>
+              <a:buClrTx/>
+              <a:buSzTx/>
+              <a:buFont typeface="Arial" pitchFamily="34" charset="0"/>
+              <a:buChar char="•"/>
+              <a:tabLst/>
+              <a:defRPr/>
+            </a:pPr>
+            <a:endParaRPr kumimoji="0" lang="en-US" sz="1800" b="0" i="0" u="none" strike="noStrike" kern="1200" cap="none" spc="0" normalizeH="0" baseline="0" noProof="0" dirty="0" smtClean="0">
+              <a:ln>
+                <a:noFill/>
+              </a:ln>
+              <a:solidFill>
+                <a:schemeClr val="bg1"/>
+              </a:solidFill>
+              <a:effectLst/>
+              <a:uLnTx/>
+              <a:uFillTx/>
+              <a:latin typeface="+mn-lt"/>
+              <a:ea typeface="+mn-ea"/>
+              <a:cs typeface="+mn-cs"/>
+            </a:endParaRPr>
+          </a:p>
+          <a:p>
+            <a:pPr marL="0" marR="0" lvl="0" indent="0" algn="l" defTabSz="914400" rtl="0" eaLnBrk="1" fontAlgn="auto" latinLnBrk="0" hangingPunct="1">
+              <a:lnSpc>
+                <a:spcPct val="90000"/>
+              </a:lnSpc>
+              <a:spcBef>
+                <a:spcPts val="0"/>
+              </a:spcBef>
+              <a:spcAft>
+                <a:spcPts val="0"/>
+              </a:spcAft>
+              <a:buClrTx/>
+              <a:buSzTx/>
+              <a:buFont typeface="Arial" pitchFamily="34" charset="0"/>
+              <a:buChar char="•"/>
+              <a:tabLst/>
+              <a:defRPr/>
+            </a:pPr>
+            <a:r>
+              <a:rPr kumimoji="0" lang="en-US" sz="1800" b="0" i="0" u="none" strike="noStrike" kern="1200" cap="none" spc="0" normalizeH="0" baseline="0" noProof="0" dirty="0" smtClean="0">
+                <a:ln>
+                  <a:noFill/>
+                </a:ln>
+                <a:solidFill>
+                  <a:schemeClr val="bg1"/>
+                </a:solidFill>
+                <a:effectLst/>
+                <a:uLnTx/>
+                <a:uFillTx/>
+                <a:latin typeface="+mn-lt"/>
+                <a:ea typeface="+mn-ea"/>
+                <a:cs typeface="+mn-cs"/>
+              </a:rPr>
+              <a:t> Here we can see a map of the</a:t>
+            </a:r>
+          </a:p>
+          <a:p>
+            <a:pPr marL="0" marR="0" lvl="0" indent="0" algn="l" defTabSz="914400" rtl="0" eaLnBrk="1" fontAlgn="auto" latinLnBrk="0" hangingPunct="1">
+              <a:lnSpc>
+                <a:spcPct val="90000"/>
+              </a:lnSpc>
+              <a:spcBef>
+                <a:spcPts val="0"/>
+              </a:spcBef>
+              <a:spcAft>
+                <a:spcPts val="0"/>
+              </a:spcAft>
+              <a:buClrTx/>
+              <a:buSzTx/>
+              <a:buFont typeface="Arial" panose="020B0604020202020204" pitchFamily="34" charset="0"/>
+              <a:buNone/>
+              <a:tabLst/>
+              <a:defRPr/>
+            </a:pPr>
+            <a:r>
+              <a:rPr kumimoji="0" lang="en-US" sz="1800" b="0" i="0" u="none" strike="noStrike" kern="1200" cap="none" spc="0" normalizeH="0" baseline="0" noProof="0" dirty="0" smtClean="0">
+                <a:ln>
+                  <a:noFill/>
+                </a:ln>
+                <a:solidFill>
+                  <a:schemeClr val="bg1"/>
+                </a:solidFill>
+                <a:effectLst/>
+                <a:uLnTx/>
+                <a:uFillTx/>
+                <a:latin typeface="+mn-lt"/>
+                <a:ea typeface="+mn-ea"/>
+                <a:cs typeface="+mn-cs"/>
+              </a:rPr>
+              <a:t> CONFIRMED cases.  </a:t>
+            </a:r>
+          </a:p>
+          <a:p>
+            <a:pPr marL="0" marR="0" lvl="0" indent="0" algn="l" defTabSz="914400" rtl="0" eaLnBrk="1" fontAlgn="auto" latinLnBrk="0" hangingPunct="1">
+              <a:lnSpc>
+                <a:spcPct val="90000"/>
+              </a:lnSpc>
+              <a:spcBef>
+                <a:spcPts val="0"/>
+              </a:spcBef>
+              <a:spcAft>
+                <a:spcPts val="0"/>
+              </a:spcAft>
+              <a:buClrTx/>
+              <a:buSzTx/>
+              <a:buFont typeface="Arial" panose="020B0604020202020204" pitchFamily="34" charset="0"/>
+              <a:buNone/>
+              <a:tabLst/>
+              <a:defRPr/>
+            </a:pPr>
+            <a:r>
+              <a:rPr kumimoji="0" lang="en-US" sz="1800" b="0" i="0" u="none" strike="noStrike" kern="1200" cap="none" spc="0" normalizeH="0" baseline="0" noProof="0" dirty="0" smtClean="0">
+                <a:ln>
+                  <a:noFill/>
+                </a:ln>
+                <a:solidFill>
+                  <a:schemeClr val="bg1"/>
+                </a:solidFill>
+                <a:effectLst/>
+                <a:uLnTx/>
+                <a:uFillTx/>
+                <a:latin typeface="+mn-lt"/>
+                <a:ea typeface="+mn-ea"/>
+                <a:cs typeface="+mn-cs"/>
+              </a:rPr>
+              <a:t> </a:t>
+            </a:r>
+          </a:p>
+          <a:p>
+            <a:pPr marL="0" marR="0" lvl="0" indent="0" algn="l" defTabSz="914400" rtl="0" eaLnBrk="1" fontAlgn="auto" latinLnBrk="0" hangingPunct="1">
+              <a:lnSpc>
+                <a:spcPct val="90000"/>
+              </a:lnSpc>
+              <a:spcBef>
+                <a:spcPts val="0"/>
+              </a:spcBef>
+              <a:spcAft>
+                <a:spcPts val="0"/>
+              </a:spcAft>
+              <a:buClrTx/>
+              <a:buSzTx/>
+              <a:buFont typeface="Arial" pitchFamily="34" charset="0"/>
+              <a:buChar char="•"/>
+              <a:tabLst/>
+              <a:defRPr/>
+            </a:pPr>
+            <a:r>
+              <a:rPr kumimoji="0" lang="en-US" sz="1800" b="0" i="0" u="none" strike="noStrike" kern="1200" cap="none" spc="0" normalizeH="0" baseline="0" noProof="0" dirty="0" smtClean="0">
+                <a:ln>
+                  <a:noFill/>
+                </a:ln>
+                <a:solidFill>
+                  <a:schemeClr val="bg1"/>
+                </a:solidFill>
+                <a:effectLst/>
+                <a:uLnTx/>
+                <a:uFillTx/>
+                <a:latin typeface="+mn-lt"/>
+                <a:ea typeface="+mn-ea"/>
+                <a:cs typeface="+mn-cs"/>
+              </a:rPr>
+              <a:t> Blue Dots are NON-NAVAJO cases</a:t>
+            </a:r>
+          </a:p>
+          <a:p>
+            <a:pPr marL="0" marR="0" lvl="0" indent="0" algn="l" defTabSz="914400" rtl="0" eaLnBrk="1" fontAlgn="auto" latinLnBrk="0" hangingPunct="1">
+              <a:lnSpc>
+                <a:spcPct val="90000"/>
+              </a:lnSpc>
+              <a:spcBef>
+                <a:spcPts val="0"/>
+              </a:spcBef>
+              <a:spcAft>
+                <a:spcPts val="0"/>
+              </a:spcAft>
+              <a:buClrTx/>
+              <a:buSzTx/>
+              <a:buFont typeface="Arial" pitchFamily="34" charset="0"/>
+              <a:buChar char="•"/>
+              <a:tabLst/>
+              <a:defRPr/>
+            </a:pPr>
+            <a:endParaRPr kumimoji="0" lang="en-US" sz="1800" b="0" i="0" u="none" strike="noStrike" kern="1200" cap="none" spc="0" normalizeH="0" baseline="0" noProof="0" dirty="0" smtClean="0">
+              <a:ln>
+                <a:noFill/>
+              </a:ln>
+              <a:solidFill>
+                <a:schemeClr val="bg1"/>
+              </a:solidFill>
+              <a:effectLst/>
+              <a:uLnTx/>
+              <a:uFillTx/>
+              <a:latin typeface="+mn-lt"/>
+              <a:ea typeface="+mn-ea"/>
+              <a:cs typeface="+mn-cs"/>
+            </a:endParaRPr>
+          </a:p>
+          <a:p>
+            <a:pPr marL="0" marR="0" lvl="0" indent="0" algn="l" defTabSz="914400" rtl="0" eaLnBrk="1" fontAlgn="auto" latinLnBrk="0" hangingPunct="1">
+              <a:lnSpc>
+                <a:spcPct val="90000"/>
+              </a:lnSpc>
+              <a:spcBef>
+                <a:spcPts val="0"/>
+              </a:spcBef>
+              <a:spcAft>
+                <a:spcPts val="0"/>
+              </a:spcAft>
+              <a:buClrTx/>
+              <a:buSzTx/>
+              <a:buFont typeface="Arial" pitchFamily="34" charset="0"/>
+              <a:buChar char="•"/>
+              <a:tabLst/>
+              <a:defRPr/>
+            </a:pPr>
+            <a:r>
+              <a:rPr kumimoji="0" lang="en-US" sz="1800" b="0" i="0" u="none" strike="noStrike" kern="1200" cap="none" spc="0" normalizeH="0" baseline="0" noProof="0" dirty="0" smtClean="0">
+                <a:ln>
+                  <a:noFill/>
+                </a:ln>
+                <a:solidFill>
+                  <a:schemeClr val="bg1"/>
+                </a:solidFill>
+                <a:effectLst/>
+                <a:uLnTx/>
+                <a:uFillTx/>
+                <a:latin typeface="+mn-lt"/>
+                <a:ea typeface="+mn-ea"/>
+                <a:cs typeface="+mn-cs"/>
+              </a:rPr>
+              <a:t> Orange is NAVAJO NATION cases</a:t>
+            </a:r>
+          </a:p>
+          <a:p>
+            <a:pPr marL="0" marR="0" lvl="0" indent="0" algn="l" defTabSz="914400" rtl="0" eaLnBrk="1" fontAlgn="auto" latinLnBrk="0" hangingPunct="1">
+              <a:lnSpc>
+                <a:spcPct val="90000"/>
+              </a:lnSpc>
+              <a:spcBef>
+                <a:spcPts val="0"/>
+              </a:spcBef>
+              <a:spcAft>
+                <a:spcPts val="0"/>
+              </a:spcAft>
+              <a:buClrTx/>
+              <a:buSzTx/>
+              <a:buFont typeface="Arial" pitchFamily="34" charset="0"/>
+              <a:buChar char="•"/>
+              <a:tabLst/>
+              <a:defRPr/>
+            </a:pPr>
+            <a:endParaRPr lang="en-US" dirty="0" smtClean="0">
+              <a:solidFill>
+                <a:schemeClr val="bg1"/>
+              </a:solidFill>
+              <a:latin typeface="+mn-lt"/>
+            </a:endParaRPr>
+          </a:p>
+          <a:p>
+            <a:pPr marL="0" marR="0" lvl="0" indent="0" algn="l" defTabSz="914400" rtl="0" eaLnBrk="1" fontAlgn="auto" latinLnBrk="0" hangingPunct="1">
+              <a:lnSpc>
+                <a:spcPct val="90000"/>
+              </a:lnSpc>
+              <a:spcBef>
+                <a:spcPts val="0"/>
+              </a:spcBef>
+              <a:spcAft>
+                <a:spcPts val="0"/>
+              </a:spcAft>
+              <a:buClrTx/>
+              <a:buSzTx/>
+              <a:buFont typeface="Arial" pitchFamily="34" charset="0"/>
+              <a:buChar char="•"/>
+              <a:tabLst/>
+              <a:defRPr/>
+            </a:pPr>
+            <a:r>
+              <a:rPr kumimoji="0" lang="en-US" sz="1800" b="0" i="0" u="none" strike="noStrike" kern="1200" cap="none" spc="0" normalizeH="0" baseline="0" noProof="0" dirty="0" smtClean="0">
+                <a:ln>
+                  <a:noFill/>
+                </a:ln>
+                <a:solidFill>
+                  <a:schemeClr val="bg1"/>
+                </a:solidFill>
+                <a:effectLst/>
+                <a:uLnTx/>
+                <a:uFillTx/>
+                <a:latin typeface="+mn-lt"/>
+                <a:ea typeface="+mn-ea"/>
+                <a:cs typeface="+mn-cs"/>
+              </a:rPr>
+              <a:t> The map confirms the analysis as well as showing locations and significantly</a:t>
+            </a:r>
+            <a:r>
+              <a:rPr kumimoji="0" lang="en-US" sz="1800" b="0" i="0" u="none" strike="noStrike" kern="1200" cap="none" spc="0" normalizeH="0" noProof="0" dirty="0" smtClean="0">
+                <a:ln>
+                  <a:noFill/>
+                </a:ln>
+                <a:solidFill>
+                  <a:schemeClr val="bg1"/>
+                </a:solidFill>
+                <a:effectLst/>
+                <a:uLnTx/>
+                <a:uFillTx/>
+                <a:latin typeface="+mn-lt"/>
+                <a:ea typeface="+mn-ea"/>
+                <a:cs typeface="+mn-cs"/>
+              </a:rPr>
+              <a:t> more NON-NAVAJO CONFIRMED Cases.</a:t>
+            </a:r>
+            <a:r>
+              <a:rPr kumimoji="0" lang="en-US" sz="1800" b="0" i="0" u="none" strike="noStrike" kern="1200" cap="none" spc="0" normalizeH="0" baseline="0" noProof="0" dirty="0" smtClean="0">
+                <a:ln>
+                  <a:noFill/>
+                </a:ln>
+                <a:solidFill>
+                  <a:schemeClr val="bg1"/>
+                </a:solidFill>
+                <a:effectLst/>
+                <a:uLnTx/>
+                <a:uFillTx/>
+                <a:latin typeface="+mn-lt"/>
+                <a:ea typeface="+mn-ea"/>
+                <a:cs typeface="+mn-cs"/>
+              </a:rPr>
+              <a:t> </a:t>
+            </a:r>
+          </a:p>
+          <a:p>
+            <a:pPr marL="0" marR="0" lvl="0" indent="0" algn="l" defTabSz="914400" rtl="0" eaLnBrk="1" fontAlgn="auto" latinLnBrk="0" hangingPunct="1">
+              <a:lnSpc>
+                <a:spcPct val="90000"/>
+              </a:lnSpc>
+              <a:spcBef>
+                <a:spcPts val="0"/>
+              </a:spcBef>
+              <a:spcAft>
+                <a:spcPts val="0"/>
+              </a:spcAft>
+              <a:buClrTx/>
+              <a:buSzTx/>
+              <a:buFont typeface="Arial" panose="020B0604020202020204" pitchFamily="34" charset="0"/>
+              <a:buNone/>
+              <a:tabLst/>
+              <a:defRPr/>
+            </a:pPr>
+            <a:endParaRPr kumimoji="0" lang="en-US" sz="1800" b="0" i="0" u="none" strike="noStrike" kern="1200" cap="none" spc="0" normalizeH="0" baseline="0" noProof="0" dirty="0">
+              <a:ln>
+                <a:noFill/>
+              </a:ln>
+              <a:solidFill>
+                <a:schemeClr val="bg1"/>
+              </a:solidFill>
+              <a:effectLst/>
+              <a:uLnTx/>
+              <a:uFillTx/>
+              <a:latin typeface="+mn-lt"/>
+              <a:ea typeface="+mn-ea"/>
+              <a:cs typeface="+mn-cs"/>
             </a:endParaRPr>
           </a:p>
         </p:txBody>
@@ -5069,40 +7015,30 @@
             <p:ph type="title"/>
           </p:nvPr>
         </p:nvSpPr>
-        <p:spPr/>
+        <p:spPr>
+          <a:xfrm>
+            <a:off x="1391951" y="852467"/>
+            <a:ext cx="9141397" cy="615553"/>
+          </a:xfrm>
+        </p:spPr>
         <p:txBody>
           <a:bodyPr/>
           <a:lstStyle/>
           <a:p>
-            <a:endParaRPr lang="en-US"/>
+            <a:r>
+              <a:rPr lang="en-US" dirty="0" smtClean="0"/>
+              <a:t>The Analysis / Reporting</a:t>
+            </a:r>
+            <a:endParaRPr lang="en-US" dirty="0"/>
           </a:p>
         </p:txBody>
       </p:sp>
       <p:sp>
         <p:nvSpPr>
-          <p:cNvPr id="3" name="Text Placeholder 2"/>
-          <p:cNvSpPr>
-            <a:spLocks noGrp="1"/>
-          </p:cNvSpPr>
-          <p:nvPr>
-            <p:ph type="body" sz="quarter" idx="12"/>
-          </p:nvPr>
-        </p:nvSpPr>
-        <p:spPr/>
-        <p:txBody>
-          <a:bodyPr/>
-          <a:lstStyle/>
-          <a:p>
-            <a:endParaRPr lang="en-US"/>
-          </a:p>
-        </p:txBody>
-      </p:sp>
-      <p:sp>
-        <p:nvSpPr>
-          <p:cNvPr id="5" name="Title 3">
+          <p:cNvPr id="6" name="Title 3">
             <a:extLst>
               <a:ext uri="{FF2B5EF4-FFF2-40B4-BE49-F238E27FC236}">
-                <a16:creationId xmlns="" xmlns:a16="http://schemas.microsoft.com/office/drawing/2014/main" id="{048FBE6B-DC67-4E64-80F4-CADE978D2FE3}"/>
+                <a16:creationId xmlns:a16="http://schemas.microsoft.com/office/drawing/2014/main" xmlns="" id="{048FBE6B-DC67-4E64-80F4-CADE978D2FE3}"/>
               </a:ext>
             </a:extLst>
           </p:cNvPr>
@@ -5113,8 +7049,8 @@
         </p:nvSpPr>
         <p:spPr>
           <a:xfrm>
-            <a:off x="762000" y="101024"/>
-            <a:ext cx="10668000" cy="1231106"/>
+            <a:off x="838200" y="249852"/>
+            <a:ext cx="10668000" cy="615553"/>
           </a:xfrm>
           <a:prstGeom prst="rect">
             <a:avLst/>
@@ -5145,12 +7081,12 @@
               <a:defRPr/>
             </a:pPr>
             <a:r>
-              <a:rPr kumimoji="0" lang="en-US" sz="4000" b="1" i="0" u="none" strike="noStrike" kern="1200" cap="none" spc="-50" normalizeH="0" baseline="0" noProof="0" smtClean="0">
+              <a:rPr kumimoji="0" lang="en-US" altLang="en-US" sz="4000" b="1" i="0" u="none" strike="noStrike" kern="1200" cap="none" spc="-50" normalizeH="0" baseline="0" noProof="0" dirty="0" smtClean="0">
                 <a:ln w="3175">
                   <a:noFill/>
                 </a:ln>
                 <a:solidFill>
-                  <a:schemeClr val="accent2"/>
+                  <a:schemeClr val="tx1"/>
                 </a:solidFill>
                 <a:effectLst/>
                 <a:uLnTx/>
@@ -5159,10 +7095,10 @@
                 <a:ea typeface="+mn-ea"/>
                 <a:cs typeface="Segoe UI" pitchFamily="34" charset="0"/>
               </a:rPr>
-              <a:t>History</a:t>
-            </a:r>
-            <a:r>
-              <a:rPr kumimoji="0" lang="en-US" altLang="en-US" sz="4000" b="1" i="0" u="none" strike="noStrike" kern="1200" cap="none" spc="-50" normalizeH="0" baseline="0" noProof="0" smtClean="0">
+              <a:t>COVID-19 </a:t>
+            </a:r>
+            <a:r>
+              <a:rPr kumimoji="0" lang="en-US" altLang="en-US" sz="4000" b="1" i="0" u="none" strike="noStrike" kern="1200" cap="none" spc="-50" normalizeH="0" baseline="0" noProof="0" dirty="0" smtClean="0">
                 <a:ln w="3175">
                   <a:noFill/>
                 </a:ln>
@@ -5176,7 +7112,24 @@
                 <a:ea typeface="+mn-ea"/>
                 <a:cs typeface="Segoe UI" pitchFamily="34" charset="0"/>
               </a:rPr>
-              <a:t>COVID-19 Impact on Navajo Nation in Arizona &amp; New Mexico</a:t>
+              <a:t>Impact on Navajo </a:t>
+            </a:r>
+            <a:r>
+              <a:rPr kumimoji="0" lang="en-US" altLang="en-US" sz="4000" b="1" i="0" u="none" strike="noStrike" kern="1200" cap="none" spc="-50" normalizeH="0" baseline="0" noProof="0" dirty="0" smtClean="0">
+                <a:ln w="3175">
+                  <a:noFill/>
+                </a:ln>
+                <a:solidFill>
+                  <a:schemeClr val="tx1"/>
+                </a:solidFill>
+                <a:effectLst/>
+                <a:uLnTx/>
+                <a:uFillTx/>
+                <a:latin typeface="+mj-lt"/>
+                <a:ea typeface="+mn-ea"/>
+                <a:cs typeface="Segoe UI" pitchFamily="34" charset="0"/>
+              </a:rPr>
+              <a:t>Nation</a:t>
             </a:r>
             <a:endParaRPr kumimoji="0" lang="en-US" sz="4000" b="1" i="0" u="none" strike="noStrike" kern="1200" cap="none" spc="-50" normalizeH="0" baseline="0" noProof="0" dirty="0">
               <a:ln w="3175">
@@ -5195,13 +7148,442 @@
           </a:p>
         </p:txBody>
       </p:sp>
+      <p:pic>
+        <p:nvPicPr>
+          <p:cNvPr id="4098" name="Picture 2"/>
+          <p:cNvPicPr>
+            <a:picLocks noChangeAspect="1" noChangeArrowheads="1"/>
+          </p:cNvPicPr>
+          <p:nvPr/>
+        </p:nvPicPr>
+        <p:blipFill>
+          <a:blip r:embed="rId2"/>
+          <a:srcRect/>
+          <a:stretch>
+            <a:fillRect/>
+          </a:stretch>
+        </p:blipFill>
+        <p:spPr bwMode="auto">
+          <a:xfrm>
+            <a:off x="238125" y="1581443"/>
+            <a:ext cx="6619876" cy="5276557"/>
+          </a:xfrm>
+          <a:prstGeom prst="rect">
+            <a:avLst/>
+          </a:prstGeom>
+          <a:noFill/>
+          <a:ln w="9525">
+            <a:noFill/>
+            <a:miter lim="800000"/>
+            <a:headEnd/>
+            <a:tailEnd/>
+          </a:ln>
+        </p:spPr>
+      </p:pic>
+      <p:sp>
+        <p:nvSpPr>
+          <p:cNvPr id="9" name="Text Placeholder 1"/>
+          <p:cNvSpPr txBox="1">
+            <a:spLocks/>
+          </p:cNvSpPr>
+          <p:nvPr/>
+        </p:nvSpPr>
+        <p:spPr>
+          <a:xfrm>
+            <a:off x="7067551" y="1650979"/>
+            <a:ext cx="4905374" cy="5207021"/>
+          </a:xfrm>
+          <a:prstGeom prst="rect">
+            <a:avLst/>
+          </a:prstGeom>
+          <a:noFill/>
+        </p:spPr>
+        <p:txBody>
+          <a:bodyPr vert="horz" wrap="square" lIns="0" tIns="0" rIns="0" bIns="0" rtlCol="0">
+            <a:noAutofit/>
+          </a:bodyPr>
+          <a:lstStyle/>
+          <a:p>
+            <a:pPr marL="0" marR="0" lvl="0" indent="0" algn="l" defTabSz="914400" rtl="0" eaLnBrk="1" fontAlgn="auto" latinLnBrk="0" hangingPunct="1">
+              <a:lnSpc>
+                <a:spcPct val="90000"/>
+              </a:lnSpc>
+              <a:spcBef>
+                <a:spcPts val="0"/>
+              </a:spcBef>
+              <a:spcAft>
+                <a:spcPts val="0"/>
+              </a:spcAft>
+              <a:buClrTx/>
+              <a:buSzTx/>
+              <a:buFont typeface="Arial" pitchFamily="34" charset="0"/>
+              <a:buChar char="•"/>
+              <a:tabLst/>
+              <a:defRPr/>
+            </a:pPr>
+            <a:endParaRPr kumimoji="0" lang="en-US" sz="1800" b="0" i="0" u="none" strike="noStrike" kern="1200" cap="none" spc="0" normalizeH="0" baseline="0" noProof="0" dirty="0" smtClean="0">
+              <a:ln>
+                <a:noFill/>
+              </a:ln>
+              <a:solidFill>
+                <a:schemeClr val="bg1"/>
+              </a:solidFill>
+              <a:effectLst/>
+              <a:uLnTx/>
+              <a:uFillTx/>
+              <a:latin typeface="+mn-lt"/>
+              <a:ea typeface="+mn-ea"/>
+              <a:cs typeface="+mn-cs"/>
+            </a:endParaRPr>
+          </a:p>
+          <a:p>
+            <a:pPr marL="0" marR="0" lvl="0" indent="0" algn="l" defTabSz="914400" rtl="0" eaLnBrk="1" fontAlgn="auto" latinLnBrk="0" hangingPunct="1">
+              <a:lnSpc>
+                <a:spcPct val="90000"/>
+              </a:lnSpc>
+              <a:spcBef>
+                <a:spcPts val="0"/>
+              </a:spcBef>
+              <a:spcAft>
+                <a:spcPts val="0"/>
+              </a:spcAft>
+              <a:buClrTx/>
+              <a:buSzTx/>
+              <a:buFont typeface="Arial" pitchFamily="34" charset="0"/>
+              <a:buChar char="•"/>
+              <a:tabLst/>
+              <a:defRPr/>
+            </a:pPr>
+            <a:endParaRPr kumimoji="0" lang="en-US" sz="1800" b="0" i="0" u="none" strike="noStrike" kern="1200" cap="none" spc="0" normalizeH="0" baseline="0" noProof="0" dirty="0" smtClean="0">
+              <a:ln>
+                <a:noFill/>
+              </a:ln>
+              <a:effectLst/>
+              <a:uLnTx/>
+              <a:uFillTx/>
+              <a:latin typeface="+mn-lt"/>
+              <a:ea typeface="+mn-ea"/>
+              <a:cs typeface="+mn-cs"/>
+            </a:endParaRPr>
+          </a:p>
+          <a:p>
+            <a:pPr marL="0" marR="0" lvl="0" indent="0" algn="l" defTabSz="914400" rtl="0" eaLnBrk="1" fontAlgn="auto" latinLnBrk="0" hangingPunct="1">
+              <a:lnSpc>
+                <a:spcPct val="90000"/>
+              </a:lnSpc>
+              <a:spcBef>
+                <a:spcPts val="0"/>
+              </a:spcBef>
+              <a:spcAft>
+                <a:spcPts val="0"/>
+              </a:spcAft>
+              <a:buClrTx/>
+              <a:buSzTx/>
+              <a:buFont typeface="Arial" pitchFamily="34" charset="0"/>
+              <a:buChar char="•"/>
+              <a:tabLst/>
+              <a:defRPr/>
+            </a:pPr>
+            <a:r>
+              <a:rPr kumimoji="0" lang="en-US" sz="1800" b="0" i="0" u="none" strike="noStrike" kern="1200" cap="none" spc="0" normalizeH="0" baseline="0" noProof="0" dirty="0" smtClean="0">
+                <a:ln>
+                  <a:noFill/>
+                </a:ln>
+                <a:effectLst/>
+                <a:uLnTx/>
+                <a:uFillTx/>
+                <a:latin typeface="+mn-lt"/>
+                <a:ea typeface="+mn-ea"/>
+                <a:cs typeface="+mn-cs"/>
+              </a:rPr>
+              <a:t> Here we can see a map of the</a:t>
+            </a:r>
+          </a:p>
+          <a:p>
+            <a:pPr marL="0" marR="0" lvl="0" indent="0" algn="l" defTabSz="914400" rtl="0" eaLnBrk="1" fontAlgn="auto" latinLnBrk="0" hangingPunct="1">
+              <a:lnSpc>
+                <a:spcPct val="90000"/>
+              </a:lnSpc>
+              <a:spcBef>
+                <a:spcPts val="0"/>
+              </a:spcBef>
+              <a:spcAft>
+                <a:spcPts val="0"/>
+              </a:spcAft>
+              <a:buClrTx/>
+              <a:buSzTx/>
+              <a:buFont typeface="Arial" panose="020B0604020202020204" pitchFamily="34" charset="0"/>
+              <a:buNone/>
+              <a:tabLst/>
+              <a:defRPr/>
+            </a:pPr>
+            <a:r>
+              <a:rPr lang="en-US" dirty="0" smtClean="0">
+                <a:latin typeface="+mn-lt"/>
+              </a:rPr>
+              <a:t>DEATHS</a:t>
+            </a:r>
+            <a:r>
+              <a:rPr kumimoji="0" lang="en-US" sz="1800" b="0" i="0" u="none" strike="noStrike" kern="1200" cap="none" spc="0" normalizeH="0" baseline="0" noProof="0" dirty="0" smtClean="0">
+                <a:ln>
+                  <a:noFill/>
+                </a:ln>
+                <a:effectLst/>
+                <a:uLnTx/>
+                <a:uFillTx/>
+                <a:latin typeface="+mn-lt"/>
+                <a:ea typeface="+mn-ea"/>
+                <a:cs typeface="+mn-cs"/>
+              </a:rPr>
+              <a:t>  </a:t>
+            </a:r>
+          </a:p>
+          <a:p>
+            <a:pPr marL="0" marR="0" lvl="0" indent="0" algn="l" defTabSz="914400" rtl="0" eaLnBrk="1" fontAlgn="auto" latinLnBrk="0" hangingPunct="1">
+              <a:lnSpc>
+                <a:spcPct val="90000"/>
+              </a:lnSpc>
+              <a:spcBef>
+                <a:spcPts val="0"/>
+              </a:spcBef>
+              <a:spcAft>
+                <a:spcPts val="0"/>
+              </a:spcAft>
+              <a:buClrTx/>
+              <a:buSzTx/>
+              <a:buFont typeface="Arial" panose="020B0604020202020204" pitchFamily="34" charset="0"/>
+              <a:buNone/>
+              <a:tabLst/>
+              <a:defRPr/>
+            </a:pPr>
+            <a:r>
+              <a:rPr kumimoji="0" lang="en-US" sz="1800" b="0" i="0" u="none" strike="noStrike" kern="1200" cap="none" spc="0" normalizeH="0" baseline="0" noProof="0" dirty="0" smtClean="0">
+                <a:ln>
+                  <a:noFill/>
+                </a:ln>
+                <a:effectLst/>
+                <a:uLnTx/>
+                <a:uFillTx/>
+                <a:latin typeface="+mn-lt"/>
+                <a:ea typeface="+mn-ea"/>
+                <a:cs typeface="+mn-cs"/>
+              </a:rPr>
+              <a:t> </a:t>
+            </a:r>
+          </a:p>
+          <a:p>
+            <a:pPr marL="0" marR="0" lvl="0" indent="0" algn="l" defTabSz="914400" rtl="0" eaLnBrk="1" fontAlgn="auto" latinLnBrk="0" hangingPunct="1">
+              <a:lnSpc>
+                <a:spcPct val="90000"/>
+              </a:lnSpc>
+              <a:spcBef>
+                <a:spcPts val="0"/>
+              </a:spcBef>
+              <a:spcAft>
+                <a:spcPts val="0"/>
+              </a:spcAft>
+              <a:buClrTx/>
+              <a:buSzTx/>
+              <a:buFont typeface="Arial" pitchFamily="34" charset="0"/>
+              <a:buChar char="•"/>
+              <a:tabLst/>
+              <a:defRPr/>
+            </a:pPr>
+            <a:r>
+              <a:rPr kumimoji="0" lang="en-US" sz="1800" b="0" i="0" u="none" strike="noStrike" kern="1200" cap="none" spc="0" normalizeH="0" baseline="0" noProof="0" dirty="0" smtClean="0">
+                <a:ln>
+                  <a:noFill/>
+                </a:ln>
+                <a:effectLst/>
+                <a:uLnTx/>
+                <a:uFillTx/>
+                <a:latin typeface="+mn-lt"/>
+                <a:ea typeface="+mn-ea"/>
+                <a:cs typeface="+mn-cs"/>
+              </a:rPr>
+              <a:t> Blue Dots are NON-NAVAJO </a:t>
+            </a:r>
+            <a:r>
+              <a:rPr lang="en-US" noProof="0" dirty="0" smtClean="0">
+                <a:latin typeface="+mn-lt"/>
+              </a:rPr>
+              <a:t>DEATHS</a:t>
+            </a:r>
+            <a:endParaRPr kumimoji="0" lang="en-US" sz="1800" b="0" i="0" u="none" strike="noStrike" kern="1200" cap="none" spc="0" normalizeH="0" baseline="0" noProof="0" dirty="0" smtClean="0">
+              <a:ln>
+                <a:noFill/>
+              </a:ln>
+              <a:effectLst/>
+              <a:uLnTx/>
+              <a:uFillTx/>
+              <a:latin typeface="+mn-lt"/>
+              <a:ea typeface="+mn-ea"/>
+              <a:cs typeface="+mn-cs"/>
+            </a:endParaRPr>
+          </a:p>
+          <a:p>
+            <a:pPr marL="0" marR="0" lvl="0" indent="0" algn="l" defTabSz="914400" rtl="0" eaLnBrk="1" fontAlgn="auto" latinLnBrk="0" hangingPunct="1">
+              <a:lnSpc>
+                <a:spcPct val="90000"/>
+              </a:lnSpc>
+              <a:spcBef>
+                <a:spcPts val="0"/>
+              </a:spcBef>
+              <a:spcAft>
+                <a:spcPts val="0"/>
+              </a:spcAft>
+              <a:buClrTx/>
+              <a:buSzTx/>
+              <a:buFont typeface="Arial" pitchFamily="34" charset="0"/>
+              <a:buChar char="•"/>
+              <a:tabLst/>
+              <a:defRPr/>
+            </a:pPr>
+            <a:endParaRPr kumimoji="0" lang="en-US" sz="1800" b="0" i="0" u="none" strike="noStrike" kern="1200" cap="none" spc="0" normalizeH="0" baseline="0" noProof="0" dirty="0" smtClean="0">
+              <a:ln>
+                <a:noFill/>
+              </a:ln>
+              <a:effectLst/>
+              <a:uLnTx/>
+              <a:uFillTx/>
+              <a:latin typeface="+mn-lt"/>
+              <a:ea typeface="+mn-ea"/>
+              <a:cs typeface="+mn-cs"/>
+            </a:endParaRPr>
+          </a:p>
+          <a:p>
+            <a:pPr marL="0" marR="0" lvl="0" indent="0" algn="l" defTabSz="914400" rtl="0" eaLnBrk="1" fontAlgn="auto" latinLnBrk="0" hangingPunct="1">
+              <a:lnSpc>
+                <a:spcPct val="90000"/>
+              </a:lnSpc>
+              <a:spcBef>
+                <a:spcPts val="0"/>
+              </a:spcBef>
+              <a:spcAft>
+                <a:spcPts val="0"/>
+              </a:spcAft>
+              <a:buClrTx/>
+              <a:buSzTx/>
+              <a:buFont typeface="Arial" pitchFamily="34" charset="0"/>
+              <a:buChar char="•"/>
+              <a:tabLst/>
+              <a:defRPr/>
+            </a:pPr>
+            <a:r>
+              <a:rPr kumimoji="0" lang="en-US" sz="1800" b="0" i="0" u="none" strike="noStrike" kern="1200" cap="none" spc="0" normalizeH="0" baseline="0" noProof="0" dirty="0" smtClean="0">
+                <a:ln>
+                  <a:noFill/>
+                </a:ln>
+                <a:effectLst/>
+                <a:uLnTx/>
+                <a:uFillTx/>
+                <a:latin typeface="+mn-lt"/>
+                <a:ea typeface="+mn-ea"/>
+                <a:cs typeface="+mn-cs"/>
+              </a:rPr>
+              <a:t> Orange is NAVAJO NATION DEATHS</a:t>
+            </a:r>
+          </a:p>
+          <a:p>
+            <a:pPr lvl="0" fontAlgn="auto">
+              <a:lnSpc>
+                <a:spcPct val="90000"/>
+              </a:lnSpc>
+              <a:spcBef>
+                <a:spcPts val="0"/>
+              </a:spcBef>
+              <a:spcAft>
+                <a:spcPts val="0"/>
+              </a:spcAft>
+              <a:buFont typeface="Arial" pitchFamily="34" charset="0"/>
+              <a:buChar char="•"/>
+              <a:defRPr/>
+            </a:pPr>
+            <a:endParaRPr lang="en-US" dirty="0" smtClean="0">
+              <a:solidFill>
+                <a:schemeClr val="bg1"/>
+              </a:solidFill>
+            </a:endParaRPr>
+          </a:p>
+          <a:p>
+            <a:pPr lvl="0" fontAlgn="auto">
+              <a:lnSpc>
+                <a:spcPct val="90000"/>
+              </a:lnSpc>
+              <a:spcBef>
+                <a:spcPts val="0"/>
+              </a:spcBef>
+              <a:spcAft>
+                <a:spcPts val="0"/>
+              </a:spcAft>
+              <a:buFont typeface="Arial" pitchFamily="34" charset="0"/>
+              <a:buChar char="•"/>
+              <a:defRPr/>
+            </a:pPr>
+            <a:r>
+              <a:rPr lang="en-US" dirty="0" smtClean="0"/>
+              <a:t> The map confirms the analysis as well as showing locations and significantly more </a:t>
+            </a:r>
+            <a:endParaRPr lang="en-US" dirty="0" smtClean="0"/>
+          </a:p>
+          <a:p>
+            <a:pPr lvl="0" fontAlgn="auto">
+              <a:lnSpc>
+                <a:spcPct val="90000"/>
+              </a:lnSpc>
+              <a:spcBef>
+                <a:spcPts val="0"/>
+              </a:spcBef>
+              <a:spcAft>
+                <a:spcPts val="0"/>
+              </a:spcAft>
+              <a:defRPr/>
+            </a:pPr>
+            <a:r>
+              <a:rPr lang="en-US" dirty="0" smtClean="0"/>
+              <a:t>NON-NAVAJO DEATHS.  </a:t>
+            </a:r>
+            <a:endParaRPr lang="en-US" dirty="0" smtClean="0"/>
+          </a:p>
+          <a:p>
+            <a:pPr marL="0" marR="0" lvl="0" indent="0" algn="l" defTabSz="914400" rtl="0" eaLnBrk="1" fontAlgn="auto" latinLnBrk="0" hangingPunct="1">
+              <a:lnSpc>
+                <a:spcPct val="90000"/>
+              </a:lnSpc>
+              <a:spcBef>
+                <a:spcPts val="0"/>
+              </a:spcBef>
+              <a:spcAft>
+                <a:spcPts val="0"/>
+              </a:spcAft>
+              <a:buClrTx/>
+              <a:buSzTx/>
+              <a:buFont typeface="Arial" pitchFamily="34" charset="0"/>
+              <a:buChar char="•"/>
+              <a:tabLst/>
+              <a:defRPr/>
+            </a:pPr>
+            <a:endParaRPr kumimoji="0" lang="en-US" sz="1800" b="0" i="0" u="none" strike="noStrike" kern="1200" cap="none" spc="0" normalizeH="0" baseline="0" noProof="0" dirty="0" smtClean="0">
+              <a:ln>
+                <a:noFill/>
+              </a:ln>
+              <a:effectLst/>
+              <a:uLnTx/>
+              <a:uFillTx/>
+              <a:latin typeface="+mn-lt"/>
+              <a:ea typeface="+mn-ea"/>
+              <a:cs typeface="+mn-cs"/>
+            </a:endParaRPr>
+          </a:p>
+        </p:txBody>
+      </p:sp>
     </p:spTree>
   </p:cSld>
   <p:clrMapOvr>
     <a:masterClrMapping/>
   </p:clrMapOvr>
   <mc:AlternateContent xmlns:mc="http://schemas.openxmlformats.org/markup-compatibility/2006">
-    <mc:Choice xmlns="" xmlns:p14="http://schemas.microsoft.com/office/powerpoint/2010/main" Requires="p14">
+    <mc:Choice xmlns:p14="http://schemas.microsoft.com/office/powerpoint/2010/main" xmlns="" Requires="p14">
       <p:transition spd="med" p14:dur="700">
         <p:fade/>
       </p:transition>
@@ -5242,12 +7624,44 @@
             <p:ph type="body" sz="quarter" idx="12"/>
           </p:nvPr>
         </p:nvSpPr>
-        <p:spPr/>
+        <p:spPr>
+          <a:xfrm>
+            <a:off x="1019175" y="1374755"/>
+            <a:ext cx="10191749" cy="4768870"/>
+          </a:xfrm>
+        </p:spPr>
         <p:txBody>
           <a:bodyPr/>
           <a:lstStyle/>
           <a:p>
-            <a:endParaRPr lang="en-US"/>
+            <a:pPr algn="l">
+              <a:buFont typeface="Arial" pitchFamily="34" charset="0"/>
+              <a:buChar char="•"/>
+            </a:pPr>
+            <a:r>
+              <a:rPr lang="en-US" dirty="0" smtClean="0">
+                <a:solidFill>
+                  <a:schemeClr val="bg1"/>
+                </a:solidFill>
+              </a:rPr>
+              <a:t> </a:t>
+            </a:r>
+            <a:endParaRPr lang="en-US" dirty="0" smtClean="0">
+              <a:solidFill>
+                <a:schemeClr val="bg1"/>
+              </a:solidFill>
+            </a:endParaRPr>
+          </a:p>
+          <a:p>
+            <a:pPr algn="l">
+              <a:buFont typeface="Arial" pitchFamily="34" charset="0"/>
+              <a:buChar char="•"/>
+            </a:pPr>
+            <a:endParaRPr lang="en-US" dirty="0">
+              <a:solidFill>
+                <a:schemeClr val="bg1"/>
+              </a:solidFill>
+            </a:endParaRPr>
           </a:p>
         </p:txBody>
       </p:sp>
@@ -5261,12 +7675,21 @@
             <p:ph type="title"/>
           </p:nvPr>
         </p:nvSpPr>
-        <p:spPr/>
+        <p:spPr>
+          <a:xfrm>
+            <a:off x="1439576" y="757218"/>
+            <a:ext cx="9141397" cy="615553"/>
+          </a:xfrm>
+        </p:spPr>
         <p:txBody>
           <a:bodyPr/>
           <a:lstStyle/>
           <a:p>
-            <a:endParaRPr lang="en-US"/>
+            <a:r>
+              <a:rPr lang="en-US" dirty="0" smtClean="0"/>
+              <a:t>The Analysis / Reporting </a:t>
+            </a:r>
+            <a:endParaRPr lang="en-US" dirty="0"/>
           </a:p>
         </p:txBody>
       </p:sp>
@@ -5275,7 +7698,7 @@
           <p:cNvPr id="4" name="Title 3">
             <a:extLst>
               <a:ext uri="{FF2B5EF4-FFF2-40B4-BE49-F238E27FC236}">
-                <a16:creationId xmlns="" xmlns:a16="http://schemas.microsoft.com/office/drawing/2014/main" id="{048FBE6B-DC67-4E64-80F4-CADE978D2FE3}"/>
+                <a16:creationId xmlns:a16="http://schemas.microsoft.com/office/drawing/2014/main" xmlns="" id="{048FBE6B-DC67-4E64-80F4-CADE978D2FE3}"/>
               </a:ext>
             </a:extLst>
           </p:cNvPr>
@@ -5286,8 +7709,8 @@
         </p:nvSpPr>
         <p:spPr>
           <a:xfrm>
-            <a:off x="762000" y="101024"/>
-            <a:ext cx="10668000" cy="1231106"/>
+            <a:off x="790575" y="164127"/>
+            <a:ext cx="10668000" cy="615553"/>
           </a:xfrm>
           <a:prstGeom prst="rect">
             <a:avLst/>
@@ -5318,7 +7741,7 @@
               <a:defRPr/>
             </a:pPr>
             <a:r>
-              <a:rPr kumimoji="0" lang="en-US" sz="4000" b="1" i="0" u="none" strike="noStrike" kern="1200" cap="none" spc="-50" normalizeH="0" baseline="0" noProof="0" smtClean="0">
+              <a:rPr kumimoji="0" lang="en-US" altLang="en-US" sz="4000" b="1" i="0" u="none" strike="noStrike" kern="1200" cap="none" spc="-50" normalizeH="0" baseline="0" noProof="0" dirty="0" smtClean="0">
                 <a:ln w="3175">
                   <a:noFill/>
                 </a:ln>
@@ -5332,10 +7755,10 @@
                 <a:ea typeface="+mn-ea"/>
                 <a:cs typeface="Segoe UI" pitchFamily="34" charset="0"/>
               </a:rPr>
-              <a:t>History</a:t>
-            </a:r>
-            <a:r>
-              <a:rPr kumimoji="0" lang="en-US" altLang="en-US" sz="4000" b="1" i="0" u="none" strike="noStrike" kern="1200" cap="none" spc="-50" normalizeH="0" baseline="0" noProof="0" smtClean="0">
+              <a:t>COVID-19 </a:t>
+            </a:r>
+            <a:r>
+              <a:rPr kumimoji="0" lang="en-US" altLang="en-US" sz="4000" b="1" i="0" u="none" strike="noStrike" kern="1200" cap="none" spc="-50" normalizeH="0" baseline="0" noProof="0" dirty="0" smtClean="0">
                 <a:ln w="3175">
                   <a:noFill/>
                 </a:ln>
@@ -5349,7 +7772,24 @@
                 <a:ea typeface="+mn-ea"/>
                 <a:cs typeface="Segoe UI" pitchFamily="34" charset="0"/>
               </a:rPr>
-              <a:t>COVID-19 Impact on Navajo Nation in Arizona &amp; New Mexico</a:t>
+              <a:t>Impact on Navajo </a:t>
+            </a:r>
+            <a:r>
+              <a:rPr kumimoji="0" lang="en-US" altLang="en-US" sz="4000" b="1" i="0" u="none" strike="noStrike" kern="1200" cap="none" spc="-50" normalizeH="0" baseline="0" noProof="0" dirty="0" smtClean="0">
+                <a:ln w="3175">
+                  <a:noFill/>
+                </a:ln>
+                <a:solidFill>
+                  <a:schemeClr val="accent2"/>
+                </a:solidFill>
+                <a:effectLst/>
+                <a:uLnTx/>
+                <a:uFillTx/>
+                <a:latin typeface="+mj-lt"/>
+                <a:ea typeface="+mn-ea"/>
+                <a:cs typeface="Segoe UI" pitchFamily="34" charset="0"/>
+              </a:rPr>
+              <a:t>Nation</a:t>
             </a:r>
             <a:endParaRPr kumimoji="0" lang="en-US" sz="4000" b="1" i="0" u="none" strike="noStrike" kern="1200" cap="none" spc="-50" normalizeH="0" baseline="0" noProof="0" dirty="0">
               <a:ln w="3175">
@@ -5364,6 +7804,694 @@
               <a:latin typeface="+mj-lt"/>
               <a:ea typeface="+mn-ea"/>
               <a:cs typeface="Segoe UI" pitchFamily="34" charset="0"/>
+            </a:endParaRPr>
+          </a:p>
+        </p:txBody>
+      </p:sp>
+      <p:pic>
+        <p:nvPicPr>
+          <p:cNvPr id="5" name="Picture 3"/>
+          <p:cNvPicPr>
+            <a:picLocks noChangeAspect="1" noChangeArrowheads="1"/>
+          </p:cNvPicPr>
+          <p:nvPr/>
+        </p:nvPicPr>
+        <p:blipFill>
+          <a:blip r:embed="rId2"/>
+          <a:srcRect/>
+          <a:stretch>
+            <a:fillRect/>
+          </a:stretch>
+        </p:blipFill>
+        <p:spPr bwMode="auto">
+          <a:xfrm>
+            <a:off x="252413" y="1357313"/>
+            <a:ext cx="5800725" cy="4695825"/>
+          </a:xfrm>
+          <a:prstGeom prst="rect">
+            <a:avLst/>
+          </a:prstGeom>
+          <a:noFill/>
+          <a:ln w="9525">
+            <a:noFill/>
+            <a:miter lim="800000"/>
+            <a:headEnd/>
+            <a:tailEnd/>
+          </a:ln>
+        </p:spPr>
+      </p:pic>
+      <p:sp>
+        <p:nvSpPr>
+          <p:cNvPr id="7" name="Text Placeholder 1"/>
+          <p:cNvSpPr txBox="1">
+            <a:spLocks/>
+          </p:cNvSpPr>
+          <p:nvPr/>
+        </p:nvSpPr>
+        <p:spPr>
+          <a:xfrm>
+            <a:off x="6229350" y="1355704"/>
+            <a:ext cx="5353049" cy="4797445"/>
+          </a:xfrm>
+          <a:prstGeom prst="rect">
+            <a:avLst/>
+          </a:prstGeom>
+          <a:noFill/>
+        </p:spPr>
+        <p:txBody>
+          <a:bodyPr vert="horz" wrap="square" lIns="0" tIns="0" rIns="0" bIns="0" rtlCol="0">
+            <a:noAutofit/>
+          </a:bodyPr>
+          <a:lstStyle/>
+          <a:p>
+            <a:pPr marL="0" marR="0" lvl="0" indent="0" algn="l" defTabSz="914400" rtl="0" eaLnBrk="1" fontAlgn="auto" latinLnBrk="0" hangingPunct="1">
+              <a:lnSpc>
+                <a:spcPct val="90000"/>
+              </a:lnSpc>
+              <a:spcBef>
+                <a:spcPts val="0"/>
+              </a:spcBef>
+              <a:spcAft>
+                <a:spcPts val="0"/>
+              </a:spcAft>
+              <a:buClrTx/>
+              <a:buSzTx/>
+              <a:buFont typeface="Arial" panose="020B0604020202020204" pitchFamily="34" charset="0"/>
+              <a:buNone/>
+              <a:tabLst/>
+              <a:defRPr/>
+            </a:pPr>
+            <a:r>
+              <a:rPr kumimoji="0" lang="en-US" sz="2000" b="0" i="0" u="none" strike="noStrike" kern="1200" cap="none" spc="0" normalizeH="0" baseline="0" noProof="0" dirty="0" smtClean="0">
+                <a:ln>
+                  <a:noFill/>
+                </a:ln>
+                <a:solidFill>
+                  <a:schemeClr val="bg1"/>
+                </a:solidFill>
+                <a:effectLst/>
+                <a:uLnTx/>
+                <a:uFillTx/>
+                <a:latin typeface="+mn-lt"/>
+                <a:ea typeface="+mn-ea"/>
+                <a:cs typeface="+mn-cs"/>
+              </a:rPr>
+              <a:t>For the variable </a:t>
+            </a:r>
+            <a:r>
+              <a:rPr kumimoji="0" lang="en-US" sz="2000" b="0" i="0" u="none" strike="noStrike" kern="1200" cap="none" spc="0" normalizeH="0" baseline="0" noProof="0" dirty="0" err="1" smtClean="0">
+                <a:ln>
+                  <a:noFill/>
+                </a:ln>
+                <a:solidFill>
+                  <a:schemeClr val="bg1"/>
+                </a:solidFill>
+                <a:effectLst/>
+                <a:uLnTx/>
+                <a:uFillTx/>
+                <a:latin typeface="+mn-lt"/>
+                <a:ea typeface="+mn-ea"/>
+                <a:cs typeface="+mn-cs"/>
+              </a:rPr>
+              <a:t>INCIDENT_RATE</a:t>
+            </a:r>
+            <a:r>
+              <a:rPr kumimoji="0" lang="en-US" sz="2000" b="0" i="0" u="none" strike="noStrike" kern="1200" cap="none" spc="0" normalizeH="0" noProof="0" dirty="0" smtClean="0">
+                <a:ln>
+                  <a:noFill/>
+                </a:ln>
+                <a:solidFill>
+                  <a:schemeClr val="bg1"/>
+                </a:solidFill>
+                <a:effectLst/>
+                <a:uLnTx/>
+                <a:uFillTx/>
+                <a:latin typeface="+mn-lt"/>
+                <a:ea typeface="+mn-ea"/>
+                <a:cs typeface="+mn-cs"/>
+              </a:rPr>
+              <a:t> of </a:t>
+            </a:r>
+            <a:r>
+              <a:rPr kumimoji="0" lang="en-US" sz="2000" b="0" i="0" u="none" strike="noStrike" kern="1200" cap="none" spc="0" normalizeH="0" baseline="0" noProof="0" dirty="0" smtClean="0">
+                <a:ln>
+                  <a:noFill/>
+                </a:ln>
+                <a:solidFill>
+                  <a:schemeClr val="bg1"/>
+                </a:solidFill>
+                <a:effectLst/>
+                <a:uLnTx/>
+                <a:uFillTx/>
+                <a:latin typeface="+mn-lt"/>
+                <a:ea typeface="+mn-ea"/>
+                <a:cs typeface="+mn-cs"/>
+              </a:rPr>
+              <a:t>48 locations in AZ and NM we confirmed </a:t>
+            </a:r>
+          </a:p>
+          <a:p>
+            <a:pPr marL="685800" marR="0" lvl="1" indent="-228600" algn="l" defTabSz="914400" rtl="0" eaLnBrk="1" fontAlgn="auto" latinLnBrk="0" hangingPunct="1">
+              <a:lnSpc>
+                <a:spcPct val="90000"/>
+              </a:lnSpc>
+              <a:spcBef>
+                <a:spcPts val="500"/>
+              </a:spcBef>
+              <a:spcAft>
+                <a:spcPts val="0"/>
+              </a:spcAft>
+              <a:buClrTx/>
+              <a:buSzTx/>
+              <a:buFont typeface="Arial" panose="020B0604020202020204" pitchFamily="34" charset="0"/>
+              <a:buNone/>
+              <a:tabLst/>
+              <a:defRPr/>
+            </a:pPr>
+            <a:r>
+              <a:rPr kumimoji="0" lang="en-US" sz="1600" b="0" i="0" u="none" strike="noStrike" kern="1200" cap="none" spc="0" normalizeH="0" baseline="0" noProof="0" dirty="0" smtClean="0">
+                <a:ln>
+                  <a:noFill/>
+                </a:ln>
+                <a:solidFill>
+                  <a:schemeClr val="bg1"/>
+                </a:solidFill>
+                <a:effectLst/>
+                <a:uLnTx/>
+                <a:uFillTx/>
+                <a:latin typeface="+mn-lt"/>
+                <a:ea typeface="+mn-ea"/>
+                <a:cs typeface="+mn-cs"/>
+              </a:rPr>
+              <a:t>Non-Navajo Nation</a:t>
+            </a:r>
+          </a:p>
+          <a:p>
+            <a:pPr marL="1143000" marR="0" lvl="2" indent="-228600" algn="l" defTabSz="914400" rtl="0" eaLnBrk="1" fontAlgn="auto" latinLnBrk="0" hangingPunct="1">
+              <a:lnSpc>
+                <a:spcPct val="90000"/>
+              </a:lnSpc>
+              <a:spcBef>
+                <a:spcPts val="500"/>
+              </a:spcBef>
+              <a:spcAft>
+                <a:spcPts val="0"/>
+              </a:spcAft>
+              <a:buClrTx/>
+              <a:buSzTx/>
+              <a:buFont typeface="Arial" panose="020B0604020202020204" pitchFamily="34" charset="0"/>
+              <a:buNone/>
+              <a:tabLst/>
+              <a:defRPr/>
+            </a:pPr>
+            <a:r>
+              <a:rPr lang="en-US" sz="1600" dirty="0" smtClean="0">
+                <a:solidFill>
+                  <a:schemeClr val="bg1"/>
+                </a:solidFill>
+                <a:latin typeface="+mn-lt"/>
+              </a:rPr>
+              <a:t>8314 = CASES PER 100,000 PEOPLE</a:t>
+            </a:r>
+            <a:endParaRPr kumimoji="0" lang="en-US" sz="1600" b="0" i="0" u="none" strike="noStrike" kern="1200" cap="none" spc="0" normalizeH="0" baseline="0" noProof="0" dirty="0" smtClean="0">
+              <a:ln>
+                <a:noFill/>
+              </a:ln>
+              <a:solidFill>
+                <a:schemeClr val="bg1"/>
+              </a:solidFill>
+              <a:effectLst/>
+              <a:uLnTx/>
+              <a:uFillTx/>
+              <a:latin typeface="+mn-lt"/>
+              <a:ea typeface="+mn-ea"/>
+              <a:cs typeface="+mn-cs"/>
+            </a:endParaRPr>
+          </a:p>
+          <a:p>
+            <a:pPr marL="685800" marR="0" lvl="1" indent="-228600" algn="l" defTabSz="914400" rtl="0" eaLnBrk="1" fontAlgn="auto" latinLnBrk="0" hangingPunct="1">
+              <a:lnSpc>
+                <a:spcPct val="90000"/>
+              </a:lnSpc>
+              <a:spcBef>
+                <a:spcPts val="500"/>
+              </a:spcBef>
+              <a:spcAft>
+                <a:spcPts val="0"/>
+              </a:spcAft>
+              <a:buClrTx/>
+              <a:buSzTx/>
+              <a:buFont typeface="Arial" panose="020B0604020202020204" pitchFamily="34" charset="0"/>
+              <a:buNone/>
+              <a:tabLst/>
+              <a:defRPr/>
+            </a:pPr>
+            <a:r>
+              <a:rPr kumimoji="0" lang="en-US" sz="1600" b="0" i="0" u="none" strike="noStrike" kern="1200" cap="none" spc="0" normalizeH="0" baseline="0" noProof="0" dirty="0" smtClean="0">
+                <a:ln>
+                  <a:noFill/>
+                </a:ln>
+                <a:solidFill>
+                  <a:schemeClr val="bg1"/>
+                </a:solidFill>
+                <a:effectLst/>
+                <a:uLnTx/>
+                <a:uFillTx/>
+                <a:latin typeface="+mn-lt"/>
+                <a:ea typeface="+mn-ea"/>
+                <a:cs typeface="+mn-cs"/>
+              </a:rPr>
+              <a:t>Navajo Nation</a:t>
+            </a:r>
+          </a:p>
+          <a:p>
+            <a:pPr marL="1143000" marR="0" lvl="2" indent="-228600" algn="l" defTabSz="914400" rtl="0" eaLnBrk="1" fontAlgn="auto" latinLnBrk="0" hangingPunct="1">
+              <a:lnSpc>
+                <a:spcPct val="90000"/>
+              </a:lnSpc>
+              <a:spcBef>
+                <a:spcPts val="500"/>
+              </a:spcBef>
+              <a:spcAft>
+                <a:spcPts val="0"/>
+              </a:spcAft>
+              <a:buClrTx/>
+              <a:buSzTx/>
+              <a:buFont typeface="Arial" panose="020B0604020202020204" pitchFamily="34" charset="0"/>
+              <a:buNone/>
+              <a:tabLst/>
+              <a:defRPr/>
+            </a:pPr>
+            <a:r>
+              <a:rPr lang="en-US" sz="1600" dirty="0" smtClean="0">
+                <a:solidFill>
+                  <a:schemeClr val="bg1"/>
+                </a:solidFill>
+                <a:latin typeface="+mn-lt"/>
+              </a:rPr>
+              <a:t>13,572 = CASES PER 100,00 PEOPLE</a:t>
+            </a:r>
+          </a:p>
+          <a:p>
+            <a:pPr marL="1143000" marR="0" lvl="2" indent="-228600" algn="l" defTabSz="914400" rtl="0" eaLnBrk="1" fontAlgn="auto" latinLnBrk="0" hangingPunct="1">
+              <a:lnSpc>
+                <a:spcPct val="90000"/>
+              </a:lnSpc>
+              <a:spcBef>
+                <a:spcPts val="500"/>
+              </a:spcBef>
+              <a:spcAft>
+                <a:spcPts val="0"/>
+              </a:spcAft>
+              <a:buClrTx/>
+              <a:buSzTx/>
+              <a:buFont typeface="Arial" panose="020B0604020202020204" pitchFamily="34" charset="0"/>
+              <a:buNone/>
+              <a:tabLst/>
+              <a:defRPr/>
+            </a:pPr>
+            <a:endParaRPr kumimoji="0" lang="en-US" sz="1600" b="0" i="0" u="none" strike="noStrike" kern="1200" cap="none" spc="0" normalizeH="0" baseline="0" noProof="0" dirty="0" smtClean="0">
+              <a:ln>
+                <a:noFill/>
+              </a:ln>
+              <a:solidFill>
+                <a:schemeClr val="bg1"/>
+              </a:solidFill>
+              <a:effectLst/>
+              <a:uLnTx/>
+              <a:uFillTx/>
+              <a:latin typeface="+mn-lt"/>
+              <a:ea typeface="+mn-ea"/>
+              <a:cs typeface="+mn-cs"/>
+            </a:endParaRPr>
+          </a:p>
+          <a:p>
+            <a:pPr marL="0" marR="0" lvl="0" indent="0" algn="l" defTabSz="914400" rtl="0" eaLnBrk="1" fontAlgn="auto" latinLnBrk="0" hangingPunct="1">
+              <a:lnSpc>
+                <a:spcPct val="90000"/>
+              </a:lnSpc>
+              <a:spcBef>
+                <a:spcPts val="0"/>
+              </a:spcBef>
+              <a:spcAft>
+                <a:spcPts val="0"/>
+              </a:spcAft>
+              <a:buClrTx/>
+              <a:buSzTx/>
+              <a:buFont typeface="Arial" panose="020B0604020202020204" pitchFamily="34" charset="0"/>
+              <a:buNone/>
+              <a:tabLst/>
+              <a:defRPr/>
+            </a:pPr>
+            <a:r>
+              <a:rPr lang="en-US" sz="1600" dirty="0" smtClean="0">
+                <a:solidFill>
+                  <a:schemeClr val="bg1"/>
+                </a:solidFill>
+                <a:latin typeface="+mn-lt"/>
+              </a:rPr>
+              <a:t>THIS ONE SHOWS SOMETHING VERY DIFFERENT</a:t>
+            </a:r>
+            <a:endParaRPr kumimoji="0" lang="en-US" sz="1600" b="0" i="0" u="none" strike="noStrike" kern="1200" cap="none" spc="0" normalizeH="0" baseline="0" noProof="0" dirty="0" smtClean="0">
+              <a:ln>
+                <a:noFill/>
+              </a:ln>
+              <a:solidFill>
+                <a:schemeClr val="bg1"/>
+              </a:solidFill>
+              <a:effectLst/>
+              <a:uLnTx/>
+              <a:uFillTx/>
+              <a:latin typeface="+mn-lt"/>
+              <a:ea typeface="+mn-ea"/>
+              <a:cs typeface="+mn-cs"/>
+            </a:endParaRPr>
+          </a:p>
+          <a:p>
+            <a:pPr marL="685800" marR="0" lvl="1" indent="-228600" algn="l" defTabSz="914400" rtl="0" eaLnBrk="1" fontAlgn="auto" latinLnBrk="0" hangingPunct="1">
+              <a:lnSpc>
+                <a:spcPct val="90000"/>
+              </a:lnSpc>
+              <a:spcBef>
+                <a:spcPts val="500"/>
+              </a:spcBef>
+              <a:spcAft>
+                <a:spcPts val="0"/>
+              </a:spcAft>
+              <a:buClrTx/>
+              <a:buSzTx/>
+              <a:buFont typeface="Arial" panose="020B0604020202020204" pitchFamily="34" charset="0"/>
+              <a:buChar char="•"/>
+              <a:tabLst/>
+              <a:defRPr/>
+            </a:pPr>
+            <a:r>
+              <a:rPr kumimoji="0" lang="en-US" sz="1600" b="0" i="0" u="none" strike="noStrike" kern="1200" cap="none" spc="0" normalizeH="0" baseline="0" noProof="0" dirty="0" smtClean="0">
+                <a:ln>
+                  <a:noFill/>
+                </a:ln>
+                <a:solidFill>
+                  <a:schemeClr val="bg1"/>
+                </a:solidFill>
+                <a:effectLst/>
+                <a:uLnTx/>
+                <a:uFillTx/>
+                <a:latin typeface="+mn-lt"/>
+                <a:ea typeface="+mn-ea"/>
+                <a:cs typeface="+mn-cs"/>
+              </a:rPr>
+              <a:t>This analysis and chart confirms that there was a significant difference between the two. </a:t>
+            </a:r>
+          </a:p>
+          <a:p>
+            <a:pPr marL="685800" marR="0" lvl="1" indent="-228600" algn="l" defTabSz="914400" rtl="0" eaLnBrk="1" fontAlgn="auto" latinLnBrk="0" hangingPunct="1">
+              <a:lnSpc>
+                <a:spcPct val="90000"/>
+              </a:lnSpc>
+              <a:spcBef>
+                <a:spcPts val="500"/>
+              </a:spcBef>
+              <a:spcAft>
+                <a:spcPts val="0"/>
+              </a:spcAft>
+              <a:buClrTx/>
+              <a:buSzTx/>
+              <a:buFont typeface="Arial" panose="020B0604020202020204" pitchFamily="34" charset="0"/>
+              <a:buChar char="•"/>
+              <a:tabLst/>
+              <a:defRPr/>
+            </a:pPr>
+            <a:r>
+              <a:rPr kumimoji="0" lang="en-US" sz="1600" b="0" i="0" u="none" strike="noStrike" kern="1200" cap="none" spc="0" normalizeH="0" baseline="0" noProof="0" dirty="0" smtClean="0">
+                <a:ln>
+                  <a:noFill/>
+                </a:ln>
+                <a:solidFill>
+                  <a:schemeClr val="bg1"/>
+                </a:solidFill>
+                <a:effectLst/>
+                <a:uLnTx/>
+                <a:uFillTx/>
+                <a:latin typeface="+mn-lt"/>
+                <a:ea typeface="+mn-ea"/>
+                <a:cs typeface="+mn-cs"/>
+              </a:rPr>
+              <a:t>The ANOVA told us the </a:t>
+            </a:r>
+          </a:p>
+          <a:p>
+            <a:pPr marL="685800" marR="0" lvl="1" indent="-228600" algn="l" defTabSz="914400" rtl="0" eaLnBrk="1" fontAlgn="auto" latinLnBrk="0" hangingPunct="1">
+              <a:lnSpc>
+                <a:spcPct val="90000"/>
+              </a:lnSpc>
+              <a:spcBef>
+                <a:spcPts val="500"/>
+              </a:spcBef>
+              <a:spcAft>
+                <a:spcPts val="0"/>
+              </a:spcAft>
+              <a:buClrTx/>
+              <a:buSzTx/>
+              <a:tabLst/>
+              <a:defRPr/>
+            </a:pPr>
+            <a:r>
+              <a:rPr kumimoji="0" lang="en-US" sz="1600" b="0" i="0" u="none" strike="noStrike" kern="1200" cap="none" spc="0" normalizeH="0" baseline="0" noProof="0" dirty="0" smtClean="0">
+                <a:ln>
+                  <a:noFill/>
+                </a:ln>
+                <a:solidFill>
+                  <a:schemeClr val="bg1"/>
+                </a:solidFill>
+                <a:effectLst/>
+                <a:uLnTx/>
+                <a:uFillTx/>
+                <a:latin typeface="+mn-lt"/>
+                <a:ea typeface="+mn-ea"/>
+                <a:cs typeface="+mn-cs"/>
+              </a:rPr>
+              <a:t> P-VALUE = 0.01 &lt; .05 and is significant</a:t>
+            </a:r>
+          </a:p>
+          <a:p>
+            <a:pPr marL="685800" marR="0" lvl="1" indent="-228600" algn="l" defTabSz="914400" rtl="0" eaLnBrk="1" fontAlgn="auto" latinLnBrk="0" hangingPunct="1">
+              <a:lnSpc>
+                <a:spcPct val="90000"/>
+              </a:lnSpc>
+              <a:spcBef>
+                <a:spcPts val="500"/>
+              </a:spcBef>
+              <a:spcAft>
+                <a:spcPts val="0"/>
+              </a:spcAft>
+              <a:buClrTx/>
+              <a:buSzTx/>
+              <a:buFont typeface="Arial" panose="020B0604020202020204" pitchFamily="34" charset="0"/>
+              <a:buChar char="•"/>
+              <a:tabLst/>
+              <a:defRPr/>
+            </a:pPr>
+            <a:r>
+              <a:rPr kumimoji="0" lang="en-US" sz="1600" b="0" i="0" u="none" strike="noStrike" kern="1200" cap="none" spc="0" normalizeH="0" baseline="0" noProof="0" dirty="0" smtClean="0">
+                <a:ln>
+                  <a:noFill/>
+                </a:ln>
+                <a:solidFill>
+                  <a:schemeClr val="bg1"/>
+                </a:solidFill>
+                <a:effectLst/>
+                <a:uLnTx/>
+                <a:uFillTx/>
+                <a:latin typeface="+mn-lt"/>
+                <a:ea typeface="+mn-ea"/>
+                <a:cs typeface="+mn-cs"/>
+              </a:rPr>
+              <a:t>We can also see from the analysis and the graph that there is a significant</a:t>
+            </a:r>
+            <a:r>
+              <a:rPr kumimoji="0" lang="en-US" sz="1600" b="0" i="0" u="none" strike="noStrike" kern="1200" cap="none" spc="0" normalizeH="0" noProof="0" dirty="0" smtClean="0">
+                <a:ln>
+                  <a:noFill/>
+                </a:ln>
+                <a:solidFill>
+                  <a:schemeClr val="bg1"/>
+                </a:solidFill>
+                <a:effectLst/>
+                <a:uLnTx/>
+                <a:uFillTx/>
+                <a:latin typeface="+mn-lt"/>
+                <a:ea typeface="+mn-ea"/>
+                <a:cs typeface="+mn-cs"/>
+              </a:rPr>
+              <a:t> difference between the two groups</a:t>
+            </a:r>
+          </a:p>
+          <a:p>
+            <a:pPr marL="685800" marR="0" lvl="1" indent="-228600" algn="l" defTabSz="914400" rtl="0" eaLnBrk="1" fontAlgn="auto" latinLnBrk="0" hangingPunct="1">
+              <a:lnSpc>
+                <a:spcPct val="90000"/>
+              </a:lnSpc>
+              <a:spcBef>
+                <a:spcPts val="500"/>
+              </a:spcBef>
+              <a:spcAft>
+                <a:spcPts val="0"/>
+              </a:spcAft>
+              <a:buClrTx/>
+              <a:buSzTx/>
+              <a:buFont typeface="Arial" panose="020B0604020202020204" pitchFamily="34" charset="0"/>
+              <a:buChar char="•"/>
+              <a:tabLst/>
+              <a:defRPr/>
+            </a:pPr>
+            <a:r>
+              <a:rPr kumimoji="0" lang="en-US" sz="1600" b="0" i="0" u="none" strike="noStrike" kern="1200" cap="none" spc="0" normalizeH="0" baseline="0" noProof="0" dirty="0" smtClean="0">
+                <a:ln>
+                  <a:noFill/>
+                </a:ln>
+                <a:solidFill>
+                  <a:schemeClr val="bg1"/>
+                </a:solidFill>
+                <a:effectLst/>
+                <a:uLnTx/>
+                <a:uFillTx/>
+                <a:latin typeface="+mn-lt"/>
+                <a:ea typeface="+mn-ea"/>
+                <a:cs typeface="+mn-cs"/>
+              </a:rPr>
+              <a:t>The</a:t>
+            </a:r>
+            <a:r>
+              <a:rPr kumimoji="0" lang="en-US" sz="1600" b="0" i="0" u="none" strike="noStrike" kern="1200" cap="none" spc="0" normalizeH="0" noProof="0" dirty="0" smtClean="0">
+                <a:ln>
+                  <a:noFill/>
+                </a:ln>
+                <a:solidFill>
+                  <a:schemeClr val="bg1"/>
+                </a:solidFill>
+                <a:effectLst/>
+                <a:uLnTx/>
+                <a:uFillTx/>
+                <a:latin typeface="+mn-lt"/>
+                <a:ea typeface="+mn-ea"/>
+                <a:cs typeface="+mn-cs"/>
+              </a:rPr>
+              <a:t> difference is 5258 or 63.24% </a:t>
+            </a:r>
+            <a:r>
+              <a:rPr lang="en-US" sz="1600" dirty="0" smtClean="0">
+                <a:solidFill>
+                  <a:schemeClr val="bg1"/>
+                </a:solidFill>
+                <a:latin typeface="+mn-lt"/>
+              </a:rPr>
+              <a:t>Greater </a:t>
+            </a:r>
+            <a:r>
+              <a:rPr kumimoji="0" lang="en-US" sz="1600" b="0" i="0" u="none" strike="noStrike" kern="1200" cap="none" spc="0" normalizeH="0" noProof="0" dirty="0" smtClean="0">
+                <a:ln>
+                  <a:noFill/>
+                </a:ln>
+                <a:solidFill>
+                  <a:schemeClr val="bg1"/>
+                </a:solidFill>
+                <a:effectLst/>
+                <a:uLnTx/>
+                <a:uFillTx/>
+                <a:latin typeface="+mn-lt"/>
+                <a:ea typeface="+mn-ea"/>
+                <a:cs typeface="+mn-cs"/>
+              </a:rPr>
+              <a:t>NAVAJO NATION CONFIRMED cases</a:t>
+            </a:r>
+            <a:r>
+              <a:rPr lang="en-US" sz="1600" dirty="0" smtClean="0">
+                <a:solidFill>
+                  <a:schemeClr val="bg1"/>
+                </a:solidFill>
+                <a:latin typeface="+mn-lt"/>
+              </a:rPr>
+              <a:t> PER 100,000 PEOPLE</a:t>
+            </a:r>
+            <a:endParaRPr kumimoji="0" lang="en-US" sz="1600" b="0" i="0" u="none" strike="noStrike" kern="1200" cap="none" spc="0" normalizeH="0" baseline="0" noProof="0" dirty="0" smtClean="0">
+              <a:ln>
+                <a:noFill/>
+              </a:ln>
+              <a:solidFill>
+                <a:schemeClr val="bg1"/>
+              </a:solidFill>
+              <a:effectLst/>
+              <a:uLnTx/>
+              <a:uFillTx/>
+              <a:latin typeface="+mn-lt"/>
+              <a:ea typeface="+mn-ea"/>
+              <a:cs typeface="+mn-cs"/>
+            </a:endParaRPr>
+          </a:p>
+          <a:p>
+            <a:pPr marL="0" marR="0" lvl="0" indent="0" algn="l" defTabSz="914400" rtl="0" eaLnBrk="1" fontAlgn="auto" latinLnBrk="0" hangingPunct="1">
+              <a:lnSpc>
+                <a:spcPct val="90000"/>
+              </a:lnSpc>
+              <a:spcBef>
+                <a:spcPts val="0"/>
+              </a:spcBef>
+              <a:spcAft>
+                <a:spcPts val="0"/>
+              </a:spcAft>
+              <a:buClrTx/>
+              <a:buSzTx/>
+              <a:buFont typeface="Arial" panose="020B0604020202020204" pitchFamily="34" charset="0"/>
+              <a:buNone/>
+              <a:tabLst/>
+              <a:defRPr/>
+            </a:pPr>
+            <a:endParaRPr kumimoji="0" lang="en-US" sz="1600" b="0" i="0" u="none" strike="noStrike" kern="1200" cap="none" spc="0" normalizeH="0" baseline="0" noProof="0" dirty="0" smtClean="0">
+              <a:ln>
+                <a:noFill/>
+              </a:ln>
+              <a:solidFill>
+                <a:schemeClr val="bg1"/>
+              </a:solidFill>
+              <a:effectLst/>
+              <a:uLnTx/>
+              <a:uFillTx/>
+              <a:latin typeface="+mn-lt"/>
+              <a:ea typeface="+mn-ea"/>
+              <a:cs typeface="+mn-cs"/>
+            </a:endParaRPr>
+          </a:p>
+          <a:p>
+            <a:pPr marL="0" marR="0" lvl="0" indent="0" algn="l" defTabSz="914400" rtl="0" eaLnBrk="1" fontAlgn="auto" latinLnBrk="0" hangingPunct="1">
+              <a:lnSpc>
+                <a:spcPct val="90000"/>
+              </a:lnSpc>
+              <a:spcBef>
+                <a:spcPts val="0"/>
+              </a:spcBef>
+              <a:spcAft>
+                <a:spcPts val="0"/>
+              </a:spcAft>
+              <a:buClrTx/>
+              <a:buSzTx/>
+              <a:buFont typeface="Arial" panose="020B0604020202020204" pitchFamily="34" charset="0"/>
+              <a:buNone/>
+              <a:tabLst/>
+              <a:defRPr/>
+            </a:pPr>
+            <a:endParaRPr kumimoji="0" lang="en-US" sz="1800" b="0" i="0" u="none" strike="noStrike" kern="1200" cap="none" spc="0" normalizeH="0" baseline="0" noProof="0" dirty="0">
+              <a:ln>
+                <a:noFill/>
+              </a:ln>
+              <a:solidFill>
+                <a:schemeClr val="bg1"/>
+              </a:solidFill>
+              <a:effectLst/>
+              <a:uLnTx/>
+              <a:uFillTx/>
+              <a:latin typeface="+mn-lt"/>
+              <a:ea typeface="+mn-ea"/>
+              <a:cs typeface="+mn-cs"/>
             </a:endParaRPr>
           </a:p>
         </p:txBody>
@@ -5395,26 +8523,7 @@
       </p:grpSpPr>
       <p:sp>
         <p:nvSpPr>
-          <p:cNvPr id="2" name="Text Placeholder 1"/>
-          <p:cNvSpPr>
-            <a:spLocks noGrp="1"/>
-          </p:cNvSpPr>
-          <p:nvPr>
-            <p:ph type="body" sz="quarter" idx="12"/>
-          </p:nvPr>
-        </p:nvSpPr>
-        <p:spPr/>
-        <p:txBody>
-          <a:bodyPr/>
-          <a:lstStyle/>
-          <a:p>
-            <a:endParaRPr lang="en-US"/>
-          </a:p>
-        </p:txBody>
-      </p:sp>
-      <p:sp>
-        <p:nvSpPr>
-          <p:cNvPr id="3" name="Title 2"/>
+          <p:cNvPr id="2" name="Title 1"/>
           <p:cNvSpPr>
             <a:spLocks noGrp="1"/>
           </p:cNvSpPr>
@@ -5422,21 +8531,30 @@
             <p:ph type="title"/>
           </p:nvPr>
         </p:nvSpPr>
-        <p:spPr/>
+        <p:spPr>
+          <a:xfrm>
+            <a:off x="1391951" y="852467"/>
+            <a:ext cx="9141397" cy="615553"/>
+          </a:xfrm>
+        </p:spPr>
         <p:txBody>
           <a:bodyPr/>
           <a:lstStyle/>
           <a:p>
-            <a:endParaRPr lang="en-US"/>
+            <a:r>
+              <a:rPr lang="en-US" dirty="0" smtClean="0"/>
+              <a:t>The Analysis / Reporting</a:t>
+            </a:r>
+            <a:endParaRPr lang="en-US" dirty="0"/>
           </a:p>
         </p:txBody>
       </p:sp>
       <p:sp>
         <p:nvSpPr>
-          <p:cNvPr id="4" name="Title 3">
+          <p:cNvPr id="6" name="Title 3">
             <a:extLst>
               <a:ext uri="{FF2B5EF4-FFF2-40B4-BE49-F238E27FC236}">
-                <a16:creationId xmlns="" xmlns:a16="http://schemas.microsoft.com/office/drawing/2014/main" id="{048FBE6B-DC67-4E64-80F4-CADE978D2FE3}"/>
+                <a16:creationId xmlns:a16="http://schemas.microsoft.com/office/drawing/2014/main" xmlns="" id="{048FBE6B-DC67-4E64-80F4-CADE978D2FE3}"/>
               </a:ext>
             </a:extLst>
           </p:cNvPr>
@@ -5447,8 +8565,8 @@
         </p:nvSpPr>
         <p:spPr>
           <a:xfrm>
-            <a:off x="762000" y="101024"/>
-            <a:ext cx="10668000" cy="1231106"/>
+            <a:off x="838200" y="249852"/>
+            <a:ext cx="10668000" cy="615553"/>
           </a:xfrm>
           <a:prstGeom prst="rect">
             <a:avLst/>
@@ -5479,12 +8597,12 @@
               <a:defRPr/>
             </a:pPr>
             <a:r>
-              <a:rPr kumimoji="0" lang="en-US" sz="4000" b="1" i="0" u="none" strike="noStrike" kern="1200" cap="none" spc="-50" normalizeH="0" baseline="0" noProof="0" smtClean="0">
+              <a:rPr kumimoji="0" lang="en-US" altLang="en-US" sz="4000" b="1" i="0" u="none" strike="noStrike" kern="1200" cap="none" spc="-50" normalizeH="0" baseline="0" noProof="0" dirty="0" smtClean="0">
                 <a:ln w="3175">
                   <a:noFill/>
                 </a:ln>
                 <a:solidFill>
-                  <a:schemeClr val="accent2"/>
+                  <a:schemeClr val="tx1"/>
                 </a:solidFill>
                 <a:effectLst/>
                 <a:uLnTx/>
@@ -5493,15 +8611,15 @@
                 <a:ea typeface="+mn-ea"/>
                 <a:cs typeface="Segoe UI" pitchFamily="34" charset="0"/>
               </a:rPr>
-              <a:t>History</a:t>
-            </a:r>
-            <a:r>
-              <a:rPr kumimoji="0" lang="en-US" altLang="en-US" sz="4000" b="1" i="0" u="none" strike="noStrike" kern="1200" cap="none" spc="-50" normalizeH="0" baseline="0" noProof="0" smtClean="0">
+              <a:t>COVID-19 </a:t>
+            </a:r>
+            <a:r>
+              <a:rPr kumimoji="0" lang="en-US" altLang="en-US" sz="4000" b="1" i="0" u="none" strike="noStrike" kern="1200" cap="none" spc="-50" normalizeH="0" baseline="0" noProof="0" dirty="0" smtClean="0">
                 <a:ln w="3175">
                   <a:noFill/>
                 </a:ln>
                 <a:solidFill>
-                  <a:schemeClr val="accent2"/>
+                  <a:schemeClr val="tx1"/>
                 </a:solidFill>
                 <a:effectLst/>
                 <a:uLnTx/>
@@ -5510,7 +8628,24 @@
                 <a:ea typeface="+mn-ea"/>
                 <a:cs typeface="Segoe UI" pitchFamily="34" charset="0"/>
               </a:rPr>
-              <a:t>COVID-19 Impact on Navajo Nation in Arizona &amp; New Mexico</a:t>
+              <a:t>Impact on Navajo </a:t>
+            </a:r>
+            <a:r>
+              <a:rPr kumimoji="0" lang="en-US" altLang="en-US" sz="4000" b="1" i="0" u="none" strike="noStrike" kern="1200" cap="none" spc="-50" normalizeH="0" baseline="0" noProof="0" dirty="0" smtClean="0">
+                <a:ln w="3175">
+                  <a:noFill/>
+                </a:ln>
+                <a:solidFill>
+                  <a:schemeClr val="tx1"/>
+                </a:solidFill>
+                <a:effectLst/>
+                <a:uLnTx/>
+                <a:uFillTx/>
+                <a:latin typeface="+mj-lt"/>
+                <a:ea typeface="+mn-ea"/>
+                <a:cs typeface="Segoe UI" pitchFamily="34" charset="0"/>
+              </a:rPr>
+              <a:t>Nation</a:t>
             </a:r>
             <a:endParaRPr kumimoji="0" lang="en-US" sz="4000" b="1" i="0" u="none" strike="noStrike" kern="1200" cap="none" spc="-50" normalizeH="0" baseline="0" noProof="0" dirty="0">
               <a:ln w="3175">
@@ -5529,78 +8664,9 @@
           </a:p>
         </p:txBody>
       </p:sp>
-    </p:spTree>
-  </p:cSld>
-  <p:clrMapOvr>
-    <a:masterClrMapping/>
-  </p:clrMapOvr>
-</p:sld>
-</file>
-
-<file path=ppt/slides/slide19.xml><?xml version="1.0" encoding="utf-8"?>
-<p:sld xmlns:a="http://schemas.openxmlformats.org/drawingml/2006/main" xmlns:r="http://schemas.openxmlformats.org/officeDocument/2006/relationships" xmlns:p="http://schemas.openxmlformats.org/presentationml/2006/main">
-  <p:cSld>
-    <p:spTree>
-      <p:nvGrpSpPr>
-        <p:cNvPr id="1" name=""/>
-        <p:cNvGrpSpPr/>
-        <p:nvPr/>
-      </p:nvGrpSpPr>
-      <p:grpSpPr>
-        <a:xfrm>
-          <a:off x="0" y="0"/>
-          <a:ext cx="0" cy="0"/>
-          <a:chOff x="0" y="0"/>
-          <a:chExt cx="0" cy="0"/>
-        </a:xfrm>
-      </p:grpSpPr>
       <p:sp>
         <p:nvSpPr>
-          <p:cNvPr id="2" name="Title 1"/>
-          <p:cNvSpPr>
-            <a:spLocks noGrp="1"/>
-          </p:cNvSpPr>
-          <p:nvPr>
-            <p:ph type="title"/>
-          </p:nvPr>
-        </p:nvSpPr>
-        <p:spPr/>
-        <p:txBody>
-          <a:bodyPr/>
-          <a:lstStyle/>
-          <a:p>
-            <a:endParaRPr lang="en-US" dirty="0"/>
-          </a:p>
-        </p:txBody>
-      </p:sp>
-      <p:sp>
-        <p:nvSpPr>
-          <p:cNvPr id="3" name="Text Placeholder 2"/>
-          <p:cNvSpPr>
-            <a:spLocks noGrp="1"/>
-          </p:cNvSpPr>
-          <p:nvPr>
-            <p:ph type="body" sz="quarter" idx="12"/>
-          </p:nvPr>
-        </p:nvSpPr>
-        <p:spPr/>
-        <p:txBody>
-          <a:bodyPr/>
-          <a:lstStyle/>
-          <a:p>
-            <a:endParaRPr lang="en-US"/>
-          </a:p>
-        </p:txBody>
-      </p:sp>
-      <p:sp>
-        <p:nvSpPr>
-          <p:cNvPr id="6" name="Title 3">
-            <a:extLst>
-              <a:ext uri="{FF2B5EF4-FFF2-40B4-BE49-F238E27FC236}">
-                <a16:creationId xmlns="" xmlns:a16="http://schemas.microsoft.com/office/drawing/2014/main" id="{048FBE6B-DC67-4E64-80F4-CADE978D2FE3}"/>
-              </a:ext>
-            </a:extLst>
-          </p:cNvPr>
+          <p:cNvPr id="9" name="Text Placeholder 1"/>
           <p:cNvSpPr txBox="1">
             <a:spLocks/>
           </p:cNvSpPr>
@@ -5608,8 +8674,8 @@
         </p:nvSpPr>
         <p:spPr>
           <a:xfrm>
-            <a:off x="628650" y="158174"/>
-            <a:ext cx="10668000" cy="1231106"/>
+            <a:off x="6886576" y="1470004"/>
+            <a:ext cx="4905374" cy="5149871"/>
           </a:xfrm>
           <a:prstGeom prst="rect">
             <a:avLst/>
@@ -5617,86 +8683,480 @@
           <a:noFill/>
         </p:spPr>
         <p:txBody>
-          <a:bodyPr vert="horz" wrap="square" lIns="0" tIns="0" rIns="0" bIns="0" rtlCol="0" anchor="b" anchorCtr="0">
-            <a:spAutoFit/>
+          <a:bodyPr vert="horz" wrap="square" lIns="0" tIns="0" rIns="0" bIns="0" rtlCol="0">
+            <a:noAutofit/>
           </a:bodyPr>
           <a:lstStyle/>
           <a:p>
-            <a:pPr marL="0" marR="0" lvl="0" indent="0" algn="ctr" defTabSz="932742" rtl="0" eaLnBrk="1" fontAlgn="auto" latinLnBrk="0" hangingPunct="1">
+            <a:pPr marL="0" marR="0" lvl="0" indent="0" algn="l" defTabSz="914400" rtl="0" eaLnBrk="1" fontAlgn="auto" latinLnBrk="0" hangingPunct="1">
               <a:lnSpc>
-                <a:spcPct val="100000"/>
+                <a:spcPct val="90000"/>
               </a:lnSpc>
               <a:spcBef>
-                <a:spcPct val="0"/>
+                <a:spcPts val="0"/>
               </a:spcBef>
               <a:spcAft>
                 <a:spcPts val="0"/>
               </a:spcAft>
               <a:buClrTx/>
               <a:buSzTx/>
-              <a:buFontTx/>
-              <a:buNone/>
+              <a:buFont typeface="Arial" pitchFamily="34" charset="0"/>
+              <a:buChar char="•"/>
               <a:tabLst/>
               <a:defRPr/>
             </a:pPr>
-            <a:r>
-              <a:rPr kumimoji="0" lang="en-US" sz="4000" b="1" i="0" u="none" strike="noStrike" kern="1200" cap="none" spc="-50" normalizeH="0" baseline="0" noProof="0" dirty="0" smtClean="0">
-                <a:ln w="3175">
-                  <a:noFill/>
-                </a:ln>
-                <a:solidFill>
-                  <a:schemeClr val="accent2"/>
-                </a:solidFill>
-                <a:effectLst/>
-                <a:uLnTx/>
-                <a:uFillTx/>
-                <a:latin typeface="+mj-lt"/>
-                <a:ea typeface="+mn-ea"/>
-                <a:cs typeface="Segoe UI" pitchFamily="34" charset="0"/>
-              </a:rPr>
-              <a:t>History</a:t>
-            </a:r>
-            <a:r>
-              <a:rPr kumimoji="0" lang="en-US" altLang="en-US" sz="4000" b="1" i="0" u="none" strike="noStrike" kern="1200" cap="none" spc="-50" normalizeH="0" baseline="0" noProof="0" dirty="0" smtClean="0">
-                <a:ln w="3175">
-                  <a:noFill/>
-                </a:ln>
-                <a:solidFill>
-                  <a:schemeClr val="tx1"/>
-                </a:solidFill>
-                <a:effectLst/>
-                <a:uLnTx/>
-                <a:uFillTx/>
-                <a:latin typeface="+mj-lt"/>
-                <a:ea typeface="+mn-ea"/>
-                <a:cs typeface="Segoe UI" pitchFamily="34" charset="0"/>
-              </a:rPr>
-              <a:t>COVID-19 Impact on Navajo Nation in Arizona &amp; New Mexico</a:t>
-            </a:r>
-            <a:endParaRPr kumimoji="0" lang="en-US" sz="4000" b="1" i="0" u="none" strike="noStrike" kern="1200" cap="none" spc="-50" normalizeH="0" baseline="0" noProof="0" dirty="0">
-              <a:ln w="3175">
+            <a:endParaRPr kumimoji="0" lang="en-US" sz="1800" b="0" i="0" u="none" strike="noStrike" kern="1200" cap="none" spc="0" normalizeH="0" baseline="0" noProof="0" dirty="0" smtClean="0">
+              <a:ln>
                 <a:noFill/>
               </a:ln>
               <a:solidFill>
-                <a:schemeClr val="accent2"/>
+                <a:schemeClr val="bg1"/>
               </a:solidFill>
               <a:effectLst/>
               <a:uLnTx/>
               <a:uFillTx/>
-              <a:latin typeface="+mj-lt"/>
+              <a:latin typeface="+mn-lt"/>
               <a:ea typeface="+mn-ea"/>
-              <a:cs typeface="Segoe UI" pitchFamily="34" charset="0"/>
+              <a:cs typeface="+mn-cs"/>
+            </a:endParaRPr>
+          </a:p>
+          <a:p>
+            <a:pPr marL="0" marR="0" lvl="0" indent="0" algn="l" defTabSz="914400" rtl="0" eaLnBrk="1" fontAlgn="auto" latinLnBrk="0" hangingPunct="1">
+              <a:lnSpc>
+                <a:spcPct val="90000"/>
+              </a:lnSpc>
+              <a:spcBef>
+                <a:spcPts val="0"/>
+              </a:spcBef>
+              <a:spcAft>
+                <a:spcPts val="0"/>
+              </a:spcAft>
+              <a:buClrTx/>
+              <a:buSzTx/>
+              <a:buFont typeface="Arial" pitchFamily="34" charset="0"/>
+              <a:buChar char="•"/>
+              <a:tabLst/>
+              <a:defRPr/>
+            </a:pPr>
+            <a:r>
+              <a:rPr kumimoji="0" lang="en-US" sz="1800" b="0" i="0" u="none" strike="noStrike" kern="1200" cap="none" spc="0" normalizeH="0" baseline="0" noProof="0" dirty="0" smtClean="0">
+                <a:ln>
+                  <a:noFill/>
+                </a:ln>
+                <a:effectLst/>
+                <a:uLnTx/>
+                <a:uFillTx/>
+                <a:latin typeface="+mn-lt"/>
+                <a:ea typeface="+mn-ea"/>
+                <a:cs typeface="+mn-cs"/>
+              </a:rPr>
+              <a:t> </a:t>
+            </a:r>
+            <a:r>
+              <a:rPr lang="en-US" dirty="0" smtClean="0">
+                <a:latin typeface="+mn-lt"/>
+              </a:rPr>
+              <a:t>Looking at </a:t>
+            </a:r>
+            <a:r>
+              <a:rPr lang="en-US" dirty="0" err="1" smtClean="0">
+                <a:latin typeface="+mn-lt"/>
+              </a:rPr>
+              <a:t>CASE_FATALITY_RATIO</a:t>
+            </a:r>
+            <a:r>
+              <a:rPr lang="en-US" dirty="0" smtClean="0">
+                <a:latin typeface="+mn-lt"/>
+              </a:rPr>
+              <a:t> </a:t>
+            </a:r>
+            <a:endParaRPr lang="en-US" dirty="0" smtClean="0">
+              <a:latin typeface="+mn-lt"/>
+            </a:endParaRPr>
+          </a:p>
+          <a:p>
+            <a:pPr marL="0" marR="0" lvl="0" indent="0" algn="l" defTabSz="914400" rtl="0" eaLnBrk="1" fontAlgn="auto" latinLnBrk="0" hangingPunct="1">
+              <a:lnSpc>
+                <a:spcPct val="90000"/>
+              </a:lnSpc>
+              <a:spcBef>
+                <a:spcPts val="0"/>
+              </a:spcBef>
+              <a:spcAft>
+                <a:spcPts val="0"/>
+              </a:spcAft>
+              <a:buClrTx/>
+              <a:buSzTx/>
+              <a:buFont typeface="Arial" pitchFamily="34" charset="0"/>
+              <a:buChar char="•"/>
+              <a:tabLst/>
+              <a:defRPr/>
+            </a:pPr>
+            <a:r>
+              <a:rPr lang="en-US" dirty="0" smtClean="0">
+                <a:latin typeface="+mn-lt"/>
+              </a:rPr>
+              <a:t>= Number of deaths / Number of cases. </a:t>
+            </a:r>
+          </a:p>
+          <a:p>
+            <a:pPr marL="0" marR="0" lvl="0" indent="0" algn="l" defTabSz="914400" rtl="0" eaLnBrk="1" fontAlgn="auto" latinLnBrk="0" hangingPunct="1">
+              <a:lnSpc>
+                <a:spcPct val="90000"/>
+              </a:lnSpc>
+              <a:spcBef>
+                <a:spcPts val="0"/>
+              </a:spcBef>
+              <a:spcAft>
+                <a:spcPts val="0"/>
+              </a:spcAft>
+              <a:buClrTx/>
+              <a:buSzTx/>
+              <a:buFont typeface="Arial" pitchFamily="34" charset="0"/>
+              <a:buChar char="•"/>
+              <a:tabLst/>
+              <a:defRPr/>
+            </a:pPr>
+            <a:endParaRPr kumimoji="0" lang="en-US" sz="1800" b="0" i="0" u="none" strike="noStrike" kern="1200" cap="none" spc="0" normalizeH="0" baseline="0" noProof="0" dirty="0" smtClean="0">
+              <a:ln>
+                <a:noFill/>
+              </a:ln>
+              <a:effectLst/>
+              <a:uLnTx/>
+              <a:uFillTx/>
+              <a:latin typeface="+mn-lt"/>
+              <a:ea typeface="+mn-ea"/>
+              <a:cs typeface="+mn-cs"/>
+            </a:endParaRPr>
+          </a:p>
+          <a:p>
+            <a:pPr marL="0" marR="0" lvl="0" indent="0" algn="l" defTabSz="914400" rtl="0" eaLnBrk="1" fontAlgn="auto" latinLnBrk="0" hangingPunct="1">
+              <a:lnSpc>
+                <a:spcPct val="90000"/>
+              </a:lnSpc>
+              <a:spcBef>
+                <a:spcPts val="0"/>
+              </a:spcBef>
+              <a:spcAft>
+                <a:spcPts val="0"/>
+              </a:spcAft>
+              <a:buClrTx/>
+              <a:buSzTx/>
+              <a:buFont typeface="Arial" pitchFamily="34" charset="0"/>
+              <a:buChar char="•"/>
+              <a:tabLst/>
+              <a:defRPr/>
+            </a:pPr>
+            <a:r>
+              <a:rPr kumimoji="0" lang="en-US" sz="1800" b="0" i="0" u="none" strike="noStrike" kern="1200" cap="none" spc="0" normalizeH="0" baseline="0" noProof="0" dirty="0" smtClean="0">
+                <a:ln>
+                  <a:noFill/>
+                </a:ln>
+                <a:effectLst/>
+                <a:uLnTx/>
+                <a:uFillTx/>
+                <a:latin typeface="+mn-lt"/>
+                <a:ea typeface="+mn-ea"/>
+                <a:cs typeface="+mn-cs"/>
+              </a:rPr>
+              <a:t> </a:t>
+            </a:r>
+            <a:r>
+              <a:rPr kumimoji="0" lang="en-US" sz="1800" b="0" i="0" u="none" strike="noStrike" kern="1200" cap="none" spc="0" normalizeH="0" baseline="0" noProof="0" smtClean="0">
+                <a:ln>
+                  <a:noFill/>
+                </a:ln>
+                <a:effectLst/>
+                <a:uLnTx/>
+                <a:uFillTx/>
+                <a:latin typeface="+mn-lt"/>
+                <a:ea typeface="+mn-ea"/>
+                <a:cs typeface="+mn-cs"/>
+              </a:rPr>
+              <a:t>Blue is </a:t>
+            </a:r>
+            <a:r>
+              <a:rPr kumimoji="0" lang="en-US" sz="1800" b="0" i="0" u="none" strike="noStrike" kern="1200" cap="none" spc="0" normalizeH="0" baseline="0" noProof="0" dirty="0" smtClean="0">
+                <a:ln>
+                  <a:noFill/>
+                </a:ln>
+                <a:effectLst/>
+                <a:uLnTx/>
+                <a:uFillTx/>
+                <a:latin typeface="+mn-lt"/>
+                <a:ea typeface="+mn-ea"/>
+                <a:cs typeface="+mn-cs"/>
+              </a:rPr>
+              <a:t>NON-NAVAJO </a:t>
+            </a:r>
+            <a:r>
+              <a:rPr lang="en-US" dirty="0" smtClean="0">
+                <a:latin typeface="+mn-lt"/>
+              </a:rPr>
+              <a:t>2.39%</a:t>
+            </a:r>
+            <a:endParaRPr kumimoji="0" lang="en-US" sz="1800" b="0" i="0" u="none" strike="noStrike" kern="1200" cap="none" spc="0" normalizeH="0" baseline="0" noProof="0" dirty="0" smtClean="0">
+              <a:ln>
+                <a:noFill/>
+              </a:ln>
+              <a:effectLst/>
+              <a:uLnTx/>
+              <a:uFillTx/>
+              <a:latin typeface="+mn-lt"/>
+              <a:ea typeface="+mn-ea"/>
+              <a:cs typeface="+mn-cs"/>
+            </a:endParaRPr>
+          </a:p>
+          <a:p>
+            <a:pPr marL="0" marR="0" lvl="0" indent="0" algn="l" defTabSz="914400" rtl="0" eaLnBrk="1" fontAlgn="auto" latinLnBrk="0" hangingPunct="1">
+              <a:lnSpc>
+                <a:spcPct val="90000"/>
+              </a:lnSpc>
+              <a:spcBef>
+                <a:spcPts val="0"/>
+              </a:spcBef>
+              <a:spcAft>
+                <a:spcPts val="0"/>
+              </a:spcAft>
+              <a:buClrTx/>
+              <a:buSzTx/>
+              <a:buFont typeface="Arial" pitchFamily="34" charset="0"/>
+              <a:buChar char="•"/>
+              <a:tabLst/>
+              <a:defRPr/>
+            </a:pPr>
+            <a:endParaRPr kumimoji="0" lang="en-US" sz="1800" b="0" i="0" u="none" strike="noStrike" kern="1200" cap="none" spc="0" normalizeH="0" baseline="0" noProof="0" dirty="0" smtClean="0">
+              <a:ln>
+                <a:noFill/>
+              </a:ln>
+              <a:effectLst/>
+              <a:uLnTx/>
+              <a:uFillTx/>
+              <a:latin typeface="+mn-lt"/>
+              <a:ea typeface="+mn-ea"/>
+              <a:cs typeface="+mn-cs"/>
+            </a:endParaRPr>
+          </a:p>
+          <a:p>
+            <a:pPr marL="0" marR="0" lvl="0" indent="0" algn="l" defTabSz="914400" rtl="0" eaLnBrk="1" fontAlgn="auto" latinLnBrk="0" hangingPunct="1">
+              <a:lnSpc>
+                <a:spcPct val="90000"/>
+              </a:lnSpc>
+              <a:spcBef>
+                <a:spcPts val="0"/>
+              </a:spcBef>
+              <a:spcAft>
+                <a:spcPts val="0"/>
+              </a:spcAft>
+              <a:buClrTx/>
+              <a:buSzTx/>
+              <a:buFont typeface="Arial" pitchFamily="34" charset="0"/>
+              <a:buChar char="•"/>
+              <a:tabLst/>
+              <a:defRPr/>
+            </a:pPr>
+            <a:r>
+              <a:rPr kumimoji="0" lang="en-US" sz="1800" b="0" i="0" u="none" strike="noStrike" kern="1200" cap="none" spc="0" normalizeH="0" baseline="0" noProof="0" dirty="0" smtClean="0">
+                <a:ln>
+                  <a:noFill/>
+                </a:ln>
+                <a:effectLst/>
+                <a:uLnTx/>
+                <a:uFillTx/>
+                <a:latin typeface="+mn-lt"/>
+                <a:ea typeface="+mn-ea"/>
+                <a:cs typeface="+mn-cs"/>
+              </a:rPr>
+              <a:t> Orange is NAVAJO NATION 3.11%</a:t>
+            </a:r>
+          </a:p>
+          <a:p>
+            <a:pPr lvl="0" fontAlgn="auto">
+              <a:lnSpc>
+                <a:spcPct val="90000"/>
+              </a:lnSpc>
+              <a:spcBef>
+                <a:spcPts val="0"/>
+              </a:spcBef>
+              <a:spcAft>
+                <a:spcPts val="0"/>
+              </a:spcAft>
+              <a:buFont typeface="Arial" pitchFamily="34" charset="0"/>
+              <a:buChar char="•"/>
+              <a:defRPr/>
+            </a:pPr>
+            <a:endParaRPr lang="en-US" dirty="0" smtClean="0">
+              <a:solidFill>
+                <a:schemeClr val="bg1"/>
+              </a:solidFill>
+            </a:endParaRPr>
+          </a:p>
+          <a:p>
+            <a:pPr lvl="0" fontAlgn="auto">
+              <a:lnSpc>
+                <a:spcPct val="90000"/>
+              </a:lnSpc>
+              <a:spcBef>
+                <a:spcPts val="0"/>
+              </a:spcBef>
+              <a:spcAft>
+                <a:spcPts val="0"/>
+              </a:spcAft>
+              <a:buFont typeface="Arial" pitchFamily="34" charset="0"/>
+              <a:buChar char="•"/>
+              <a:defRPr/>
+            </a:pPr>
+            <a:r>
+              <a:rPr lang="en-US" dirty="0" smtClean="0"/>
+              <a:t> </a:t>
+            </a:r>
+            <a:r>
+              <a:rPr lang="en-US" dirty="0" smtClean="0"/>
+              <a:t>Running the ANOVA on this variable tells us that the difference between the two is not significant as a percentage.  </a:t>
+            </a:r>
+          </a:p>
+          <a:p>
+            <a:pPr lvl="0" fontAlgn="auto">
+              <a:lnSpc>
+                <a:spcPct val="90000"/>
+              </a:lnSpc>
+              <a:spcBef>
+                <a:spcPts val="0"/>
+              </a:spcBef>
+              <a:spcAft>
+                <a:spcPts val="0"/>
+              </a:spcAft>
+              <a:buFont typeface="Arial" pitchFamily="34" charset="0"/>
+              <a:buChar char="•"/>
+              <a:defRPr/>
+            </a:pPr>
+            <a:endParaRPr lang="en-US" dirty="0" smtClean="0"/>
+          </a:p>
+          <a:p>
+            <a:pPr lvl="0" fontAlgn="auto">
+              <a:lnSpc>
+                <a:spcPct val="90000"/>
+              </a:lnSpc>
+              <a:spcBef>
+                <a:spcPts val="0"/>
+              </a:spcBef>
+              <a:spcAft>
+                <a:spcPts val="0"/>
+              </a:spcAft>
+              <a:buFont typeface="Arial" pitchFamily="34" charset="0"/>
+              <a:buChar char="•"/>
+              <a:defRPr/>
+            </a:pPr>
+            <a:r>
+              <a:rPr lang="en-US" dirty="0" smtClean="0"/>
+              <a:t>CONCLUSION:  Looking at the previous slide, if NAVAJO NATION DEATHS per 100,000 people is 63.24% greater than NON-NAVAJO areas we can assume that the death rate is at least that much greater as well.  </a:t>
+            </a:r>
+          </a:p>
+          <a:p>
+            <a:pPr lvl="0" fontAlgn="auto">
+              <a:lnSpc>
+                <a:spcPct val="90000"/>
+              </a:lnSpc>
+              <a:spcBef>
+                <a:spcPts val="0"/>
+              </a:spcBef>
+              <a:spcAft>
+                <a:spcPts val="0"/>
+              </a:spcAft>
+              <a:defRPr/>
+            </a:pPr>
+            <a:endParaRPr lang="en-US" dirty="0" smtClean="0"/>
+          </a:p>
+          <a:p>
+            <a:pPr lvl="0" fontAlgn="auto">
+              <a:lnSpc>
+                <a:spcPct val="90000"/>
+              </a:lnSpc>
+              <a:spcBef>
+                <a:spcPts val="0"/>
+              </a:spcBef>
+              <a:spcAft>
+                <a:spcPts val="0"/>
+              </a:spcAft>
+              <a:defRPr/>
+            </a:pPr>
+            <a:r>
+              <a:rPr lang="en-US" dirty="0" smtClean="0"/>
+              <a:t>The people of the NAVAJO NATION are getting crushed by COVID-19 compared to the surrounding population! </a:t>
+            </a:r>
+            <a:endParaRPr lang="en-US" dirty="0" smtClean="0"/>
+          </a:p>
+          <a:p>
+            <a:pPr marL="0" marR="0" lvl="0" indent="0" algn="l" defTabSz="914400" rtl="0" eaLnBrk="1" fontAlgn="auto" latinLnBrk="0" hangingPunct="1">
+              <a:lnSpc>
+                <a:spcPct val="90000"/>
+              </a:lnSpc>
+              <a:spcBef>
+                <a:spcPts val="0"/>
+              </a:spcBef>
+              <a:spcAft>
+                <a:spcPts val="0"/>
+              </a:spcAft>
+              <a:buClrTx/>
+              <a:buSzTx/>
+              <a:buFont typeface="Arial" pitchFamily="34" charset="0"/>
+              <a:buChar char="•"/>
+              <a:tabLst/>
+              <a:defRPr/>
+            </a:pPr>
+            <a:endParaRPr kumimoji="0" lang="en-US" sz="1800" b="0" i="0" u="none" strike="noStrike" kern="1200" cap="none" spc="0" normalizeH="0" baseline="0" noProof="0" dirty="0" smtClean="0">
+              <a:ln>
+                <a:noFill/>
+              </a:ln>
+              <a:effectLst/>
+              <a:uLnTx/>
+              <a:uFillTx/>
+              <a:latin typeface="+mn-lt"/>
+              <a:ea typeface="+mn-ea"/>
+              <a:cs typeface="+mn-cs"/>
             </a:endParaRPr>
           </a:p>
         </p:txBody>
       </p:sp>
+      <p:pic>
+        <p:nvPicPr>
+          <p:cNvPr id="7172" name="Picture 4"/>
+          <p:cNvPicPr>
+            <a:picLocks noChangeAspect="1" noChangeArrowheads="1"/>
+          </p:cNvPicPr>
+          <p:nvPr/>
+        </p:nvPicPr>
+        <p:blipFill>
+          <a:blip r:embed="rId2"/>
+          <a:srcRect/>
+          <a:stretch>
+            <a:fillRect/>
+          </a:stretch>
+        </p:blipFill>
+        <p:spPr bwMode="auto">
+          <a:xfrm>
+            <a:off x="285749" y="1609724"/>
+            <a:ext cx="6276975" cy="5070651"/>
+          </a:xfrm>
+          <a:prstGeom prst="rect">
+            <a:avLst/>
+          </a:prstGeom>
+          <a:noFill/>
+          <a:ln w="9525">
+            <a:noFill/>
+            <a:miter lim="800000"/>
+            <a:headEnd/>
+            <a:tailEnd/>
+          </a:ln>
+        </p:spPr>
+      </p:pic>
     </p:spTree>
   </p:cSld>
   <p:clrMapOvr>
     <a:masterClrMapping/>
   </p:clrMapOvr>
   <mc:AlternateContent xmlns:mc="http://schemas.openxmlformats.org/markup-compatibility/2006">
-    <mc:Choice xmlns="" xmlns:p14="http://schemas.microsoft.com/office/powerpoint/2010/main" Requires="p14">
+    <mc:Choice xmlns:p14="http://schemas.microsoft.com/office/powerpoint/2010/main" xmlns="" Requires="p14">
       <p:transition spd="med" p14:dur="700">
         <p:fade/>
       </p:transition>
@@ -5740,7 +9200,7 @@
           <p:cNvPr id="6" name="Title 5">
             <a:extLst>
               <a:ext uri="{FF2B5EF4-FFF2-40B4-BE49-F238E27FC236}">
-                <a16:creationId xmlns="" xmlns:a16="http://schemas.microsoft.com/office/drawing/2014/main" id="{C56504DE-4F83-437F-BDB6-306374C31C9C}"/>
+                <a16:creationId xmlns:a16="http://schemas.microsoft.com/office/drawing/2014/main" xmlns="" id="{C56504DE-4F83-437F-BDB6-306374C31C9C}"/>
               </a:ext>
             </a:extLst>
           </p:cNvPr>
@@ -5763,9 +9223,14 @@
           </a:bodyPr>
           <a:lstStyle/>
           <a:p>
+            <a:pPr algn="ctr"/>
             <a:r>
               <a:rPr lang="en-US" altLang="en-US" sz="2800" dirty="0" smtClean="0"/>
-              <a:t>COVID-19 Impact on Navajo Nation in Arizona &amp; New Mexico</a:t>
+              <a:t>COVID-19 Impact on Navajo </a:t>
+            </a:r>
+            <a:r>
+              <a:rPr lang="en-US" altLang="en-US" sz="2800" dirty="0" smtClean="0"/>
+              <a:t>Nation</a:t>
             </a:r>
             <a:endParaRPr lang="en-US" sz="2800" dirty="0"/>
           </a:p>
@@ -5776,7 +9241,7 @@
           <p:cNvPr id="2" name="Text Placeholder 1">
             <a:extLst>
               <a:ext uri="{FF2B5EF4-FFF2-40B4-BE49-F238E27FC236}">
-                <a16:creationId xmlns="" xmlns:a16="http://schemas.microsoft.com/office/drawing/2014/main" id="{3F36812B-2065-4A2B-B59B-8957022687BC}"/>
+                <a16:creationId xmlns:a16="http://schemas.microsoft.com/office/drawing/2014/main" xmlns="" id="{3F36812B-2065-4A2B-B59B-8957022687BC}"/>
               </a:ext>
             </a:extLst>
           </p:cNvPr>
@@ -5953,7 +9418,7 @@
     </p:spTree>
     <p:extLst>
       <p:ext uri="{BB962C8B-B14F-4D97-AF65-F5344CB8AC3E}">
-        <p14:creationId xmlns="" xmlns:p14="http://schemas.microsoft.com/office/powerpoint/2010/main" val="461669259"/>
+        <p14:creationId xmlns:p14="http://schemas.microsoft.com/office/powerpoint/2010/main" xmlns="" val="461669259"/>
       </p:ext>
     </p:extLst>
   </p:cSld>
@@ -5961,212 +9426,7 @@
     <a:masterClrMapping/>
   </p:clrMapOvr>
   <mc:AlternateContent xmlns:mc="http://schemas.openxmlformats.org/markup-compatibility/2006">
-    <mc:Choice xmlns="" xmlns:p14="http://schemas.microsoft.com/office/powerpoint/2010/main" Requires="p14">
-      <p:transition spd="med" p14:dur="700">
-        <p:fade/>
-      </p:transition>
-    </mc:Choice>
-    <mc:Fallback>
-      <p:transition spd="med">
-        <p:fade/>
-      </p:transition>
-    </mc:Fallback>
-  </mc:AlternateContent>
-</p:sld>
-</file>
-
-<file path=ppt/slides/slide20.xml><?xml version="1.0" encoding="utf-8"?>
-<p:sld xmlns:a="http://schemas.openxmlformats.org/drawingml/2006/main" xmlns:r="http://schemas.openxmlformats.org/officeDocument/2006/relationships" xmlns:p="http://schemas.openxmlformats.org/presentationml/2006/main">
-  <p:cSld>
-    <p:spTree>
-      <p:nvGrpSpPr>
-        <p:cNvPr id="1" name=""/>
-        <p:cNvGrpSpPr/>
-        <p:nvPr/>
-      </p:nvGrpSpPr>
-      <p:grpSpPr>
-        <a:xfrm>
-          <a:off x="0" y="0"/>
-          <a:ext cx="0" cy="0"/>
-          <a:chOff x="0" y="0"/>
-          <a:chExt cx="0" cy="0"/>
-        </a:xfrm>
-      </p:grpSpPr>
-      <p:sp>
-        <p:nvSpPr>
-          <p:cNvPr id="4" name="Title 3">
-            <a:extLst>
-              <a:ext uri="{FF2B5EF4-FFF2-40B4-BE49-F238E27FC236}">
-                <a16:creationId xmlns="" xmlns:a16="http://schemas.microsoft.com/office/drawing/2014/main" id="{068DF32A-D165-40DA-AAE8-A6E9579E2F79}"/>
-              </a:ext>
-            </a:extLst>
-          </p:cNvPr>
-          <p:cNvSpPr>
-            <a:spLocks noGrp="1"/>
-          </p:cNvSpPr>
-          <p:nvPr>
-            <p:ph type="title"/>
-          </p:nvPr>
-        </p:nvSpPr>
-        <p:spPr/>
-        <p:txBody>
-          <a:bodyPr/>
-          <a:lstStyle/>
-          <a:p>
-            <a:r>
-              <a:rPr lang="en-US" dirty="0"/>
-              <a:t>Questions &amp; answers</a:t>
-            </a:r>
-          </a:p>
-        </p:txBody>
-      </p:sp>
-      <p:sp>
-        <p:nvSpPr>
-          <p:cNvPr id="7" name="Text Placeholder 6">
-            <a:extLst>
-              <a:ext uri="{FF2B5EF4-FFF2-40B4-BE49-F238E27FC236}">
-                <a16:creationId xmlns="" xmlns:a16="http://schemas.microsoft.com/office/drawing/2014/main" id="{C3BC92DE-1779-4A44-AED9-0261C2497DD9}"/>
-              </a:ext>
-            </a:extLst>
-          </p:cNvPr>
-          <p:cNvSpPr>
-            <a:spLocks noGrp="1"/>
-          </p:cNvSpPr>
-          <p:nvPr>
-            <p:ph type="body" sz="quarter" idx="12"/>
-          </p:nvPr>
-        </p:nvSpPr>
-        <p:spPr/>
-        <p:txBody>
-          <a:bodyPr/>
-          <a:lstStyle/>
-          <a:p>
-            <a:r>
-              <a:rPr lang="en-US" altLang="en-US" sz="1800" dirty="0">
-                <a:solidFill>
-                  <a:schemeClr val="accent6">
-                    <a:lumMod val="50000"/>
-                  </a:schemeClr>
-                </a:solidFill>
-              </a:rPr>
-              <a:t>Invite questions from the audience</a:t>
-            </a:r>
-          </a:p>
-          <a:p>
-            <a:endParaRPr lang="en-US" dirty="0"/>
-          </a:p>
-        </p:txBody>
-      </p:sp>
-      <p:sp>
-        <p:nvSpPr>
-          <p:cNvPr id="5" name="Title 3">
-            <a:extLst>
-              <a:ext uri="{FF2B5EF4-FFF2-40B4-BE49-F238E27FC236}">
-                <a16:creationId xmlns="" xmlns:a16="http://schemas.microsoft.com/office/drawing/2014/main" id="{048FBE6B-DC67-4E64-80F4-CADE978D2FE3}"/>
-              </a:ext>
-            </a:extLst>
-          </p:cNvPr>
-          <p:cNvSpPr txBox="1">
-            <a:spLocks/>
-          </p:cNvSpPr>
-          <p:nvPr/>
-        </p:nvSpPr>
-        <p:spPr>
-          <a:xfrm>
-            <a:off x="762000" y="101024"/>
-            <a:ext cx="10668000" cy="1231106"/>
-          </a:xfrm>
-          <a:prstGeom prst="rect">
-            <a:avLst/>
-          </a:prstGeom>
-          <a:noFill/>
-        </p:spPr>
-        <p:txBody>
-          <a:bodyPr vert="horz" wrap="square" lIns="0" tIns="0" rIns="0" bIns="0" rtlCol="0" anchor="b" anchorCtr="0">
-            <a:spAutoFit/>
-          </a:bodyPr>
-          <a:lstStyle/>
-          <a:p>
-            <a:pPr marL="0" marR="0" lvl="0" indent="0" algn="ctr" defTabSz="932742" rtl="0" eaLnBrk="1" fontAlgn="auto" latinLnBrk="0" hangingPunct="1">
-              <a:lnSpc>
-                <a:spcPct val="100000"/>
-              </a:lnSpc>
-              <a:spcBef>
-                <a:spcPct val="0"/>
-              </a:spcBef>
-              <a:spcAft>
-                <a:spcPts val="0"/>
-              </a:spcAft>
-              <a:buClrTx/>
-              <a:buSzTx/>
-              <a:buFontTx/>
-              <a:buNone/>
-              <a:tabLst/>
-              <a:defRPr/>
-            </a:pPr>
-            <a:r>
-              <a:rPr kumimoji="0" lang="en-US" sz="4000" b="1" i="0" u="none" strike="noStrike" kern="1200" cap="none" spc="-50" normalizeH="0" baseline="0" noProof="0" smtClean="0">
-                <a:ln w="3175">
-                  <a:noFill/>
-                </a:ln>
-                <a:solidFill>
-                  <a:schemeClr val="accent2"/>
-                </a:solidFill>
-                <a:effectLst/>
-                <a:uLnTx/>
-                <a:uFillTx/>
-                <a:latin typeface="+mj-lt"/>
-                <a:ea typeface="+mn-ea"/>
-                <a:cs typeface="Segoe UI" pitchFamily="34" charset="0"/>
-              </a:rPr>
-              <a:t>History</a:t>
-            </a:r>
-            <a:r>
-              <a:rPr kumimoji="0" lang="en-US" altLang="en-US" sz="4000" b="1" i="0" u="none" strike="noStrike" kern="1200" cap="none" spc="-50" normalizeH="0" baseline="0" noProof="0" smtClean="0">
-                <a:ln w="3175">
-                  <a:noFill/>
-                </a:ln>
-                <a:solidFill>
-                  <a:schemeClr val="accent2"/>
-                </a:solidFill>
-                <a:effectLst/>
-                <a:uLnTx/>
-                <a:uFillTx/>
-                <a:latin typeface="+mj-lt"/>
-                <a:ea typeface="+mn-ea"/>
-                <a:cs typeface="Segoe UI" pitchFamily="34" charset="0"/>
-              </a:rPr>
-              <a:t>COVID-19 Impact on Navajo Nation in Arizona &amp; New Mexico</a:t>
-            </a:r>
-            <a:endParaRPr kumimoji="0" lang="en-US" sz="4000" b="1" i="0" u="none" strike="noStrike" kern="1200" cap="none" spc="-50" normalizeH="0" baseline="0" noProof="0" dirty="0">
-              <a:ln w="3175">
-                <a:noFill/>
-              </a:ln>
-              <a:solidFill>
-                <a:schemeClr val="accent2"/>
-              </a:solidFill>
-              <a:effectLst/>
-              <a:uLnTx/>
-              <a:uFillTx/>
-              <a:latin typeface="+mj-lt"/>
-              <a:ea typeface="+mn-ea"/>
-              <a:cs typeface="Segoe UI" pitchFamily="34" charset="0"/>
-            </a:endParaRPr>
-          </a:p>
-        </p:txBody>
-      </p:sp>
-    </p:spTree>
-    <p:extLst>
-      <p:ext uri="{BB962C8B-B14F-4D97-AF65-F5344CB8AC3E}">
-        <p14:creationId xmlns="" xmlns:p14="http://schemas.microsoft.com/office/powerpoint/2010/main" val="576716121"/>
-      </p:ext>
-    </p:extLst>
-  </p:cSld>
-  <p:clrMapOvr>
-    <a:masterClrMapping/>
-  </p:clrMapOvr>
-  <mc:AlternateContent xmlns:mc="http://schemas.openxmlformats.org/markup-compatibility/2006">
-    <mc:Choice xmlns="" xmlns:p14="http://schemas.microsoft.com/office/powerpoint/2010/main" Requires="p14">
+    <mc:Choice xmlns:p14="http://schemas.microsoft.com/office/powerpoint/2010/main" xmlns="" Requires="p14">
       <p:transition spd="med" p14:dur="700">
         <p:fade/>
       </p:transition>
@@ -6202,7 +9462,7 @@
           <p:cNvPr id="16" name="Text Placeholder 15">
             <a:extLst>
               <a:ext uri="{FF2B5EF4-FFF2-40B4-BE49-F238E27FC236}">
-                <a16:creationId xmlns="" xmlns:a16="http://schemas.microsoft.com/office/drawing/2014/main" id="{82B839A9-BE4F-40C7-ABA3-682B626FFB08}"/>
+                <a16:creationId xmlns:a16="http://schemas.microsoft.com/office/drawing/2014/main" xmlns="" id="{82B839A9-BE4F-40C7-ABA3-682B626FFB08}"/>
               </a:ext>
             </a:extLst>
           </p:cNvPr>
@@ -6237,7 +9497,7 @@
           <p:cNvPr id="5" name="Freeform: Shape 4">
             <a:extLst>
               <a:ext uri="{FF2B5EF4-FFF2-40B4-BE49-F238E27FC236}">
-                <a16:creationId xmlns="" xmlns:a16="http://schemas.microsoft.com/office/drawing/2014/main" id="{69764EBF-31FA-492E-8998-3077A3B6462E}"/>
+                <a16:creationId xmlns:a16="http://schemas.microsoft.com/office/drawing/2014/main" xmlns="" id="{69764EBF-31FA-492E-8998-3077A3B6462E}"/>
               </a:ext>
             </a:extLst>
           </p:cNvPr>
@@ -6385,7 +9645,7 @@
           <p:cNvPr id="8" name="Freeform: Shape 7">
             <a:extLst>
               <a:ext uri="{FF2B5EF4-FFF2-40B4-BE49-F238E27FC236}">
-                <a16:creationId xmlns="" xmlns:a16="http://schemas.microsoft.com/office/drawing/2014/main" id="{7D11453A-1865-4EAB-B7E0-024FA352854C}"/>
+                <a16:creationId xmlns:a16="http://schemas.microsoft.com/office/drawing/2014/main" xmlns="" id="{7D11453A-1865-4EAB-B7E0-024FA352854C}"/>
               </a:ext>
             </a:extLst>
           </p:cNvPr>
@@ -6544,7 +9804,7 @@
           <p:cNvPr id="10" name="Freeform: Shape 9">
             <a:extLst>
               <a:ext uri="{FF2B5EF4-FFF2-40B4-BE49-F238E27FC236}">
-                <a16:creationId xmlns="" xmlns:a16="http://schemas.microsoft.com/office/drawing/2014/main" id="{2C5EA7BE-5E78-4EA8-9C6D-F00C129B0C70}"/>
+                <a16:creationId xmlns:a16="http://schemas.microsoft.com/office/drawing/2014/main" xmlns="" id="{2C5EA7BE-5E78-4EA8-9C6D-F00C129B0C70}"/>
               </a:ext>
             </a:extLst>
           </p:cNvPr>
@@ -6692,7 +9952,7 @@
           <p:cNvPr id="14" name="Title 3">
             <a:extLst>
               <a:ext uri="{FF2B5EF4-FFF2-40B4-BE49-F238E27FC236}">
-                <a16:creationId xmlns="" xmlns:a16="http://schemas.microsoft.com/office/drawing/2014/main" id="{048FBE6B-DC67-4E64-80F4-CADE978D2FE3}"/>
+                <a16:creationId xmlns:a16="http://schemas.microsoft.com/office/drawing/2014/main" xmlns="" id="{048FBE6B-DC67-4E64-80F4-CADE978D2FE3}"/>
               </a:ext>
             </a:extLst>
           </p:cNvPr>
@@ -6703,8 +9963,8 @@
         </p:nvSpPr>
         <p:spPr>
           <a:xfrm>
-            <a:off x="819150" y="139124"/>
-            <a:ext cx="10668000" cy="1231106"/>
+            <a:off x="819150" y="754677"/>
+            <a:ext cx="10668000" cy="615553"/>
           </a:xfrm>
           <a:prstGeom prst="rect">
             <a:avLst/>
@@ -6735,7 +9995,7 @@
               <a:defRPr/>
             </a:pPr>
             <a:r>
-              <a:rPr kumimoji="0" lang="en-US" sz="4000" b="1" i="0" u="none" strike="noStrike" kern="1200" cap="none" spc="-50" normalizeH="0" baseline="0" noProof="0" dirty="0" smtClean="0">
+              <a:rPr kumimoji="0" lang="en-US" altLang="en-US" sz="4000" b="1" i="0" u="none" strike="noStrike" kern="1200" cap="none" spc="-50" normalizeH="0" baseline="0" noProof="0" dirty="0" smtClean="0">
                 <a:ln w="3175">
                   <a:noFill/>
                 </a:ln>
@@ -6749,7 +10009,7 @@
                 <a:ea typeface="+mn-ea"/>
                 <a:cs typeface="Segoe UI" pitchFamily="34" charset="0"/>
               </a:rPr>
-              <a:t>History</a:t>
+              <a:t>COVID-19 </a:t>
             </a:r>
             <a:r>
               <a:rPr kumimoji="0" lang="en-US" altLang="en-US" sz="4000" b="1" i="0" u="none" strike="noStrike" kern="1200" cap="none" spc="-50" normalizeH="0" baseline="0" noProof="0" dirty="0" smtClean="0">
@@ -6766,7 +10026,24 @@
                 <a:ea typeface="+mn-ea"/>
                 <a:cs typeface="Segoe UI" pitchFamily="34" charset="0"/>
               </a:rPr>
-              <a:t>COVID-19 Impact on Navajo Nation in Arizona &amp; New Mexico</a:t>
+              <a:t>Impact on Navajo </a:t>
+            </a:r>
+            <a:r>
+              <a:rPr kumimoji="0" lang="en-US" altLang="en-US" sz="4000" b="1" i="0" u="none" strike="noStrike" kern="1200" cap="none" spc="-50" normalizeH="0" baseline="0" noProof="0" dirty="0" smtClean="0">
+                <a:ln w="3175">
+                  <a:noFill/>
+                </a:ln>
+                <a:solidFill>
+                  <a:schemeClr val="accent2"/>
+                </a:solidFill>
+                <a:effectLst/>
+                <a:uLnTx/>
+                <a:uFillTx/>
+                <a:latin typeface="+mj-lt"/>
+                <a:ea typeface="+mn-ea"/>
+                <a:cs typeface="Segoe UI" pitchFamily="34" charset="0"/>
+              </a:rPr>
+              <a:t>Nation</a:t>
             </a:r>
             <a:endParaRPr kumimoji="0" lang="en-US" sz="4000" b="1" i="0" u="none" strike="noStrike" kern="1200" cap="none" spc="-50" normalizeH="0" baseline="0" noProof="0" dirty="0">
               <a:ln w="3175">
@@ -6872,7 +10149,7 @@
     </p:spTree>
     <p:extLst>
       <p:ext uri="{BB962C8B-B14F-4D97-AF65-F5344CB8AC3E}">
-        <p14:creationId xmlns="" xmlns:p14="http://schemas.microsoft.com/office/powerpoint/2010/main" val="4143959621"/>
+        <p14:creationId xmlns:p14="http://schemas.microsoft.com/office/powerpoint/2010/main" xmlns="" val="4143959621"/>
       </p:ext>
     </p:extLst>
   </p:cSld>
@@ -6880,7 +10157,7 @@
     <a:masterClrMapping/>
   </p:clrMapOvr>
   <mc:AlternateContent xmlns:mc="http://schemas.openxmlformats.org/markup-compatibility/2006">
-    <mc:Choice xmlns="" xmlns:p14="http://schemas.microsoft.com/office/powerpoint/2010/main" Requires="p14">
+    <mc:Choice xmlns:p14="http://schemas.microsoft.com/office/powerpoint/2010/main" xmlns="" Requires="p14">
       <p:transition spd="med" p14:dur="700">
         <p:fade/>
       </p:transition>
@@ -6916,7 +10193,7 @@
           <p:cNvPr id="4" name="Title 3">
             <a:extLst>
               <a:ext uri="{FF2B5EF4-FFF2-40B4-BE49-F238E27FC236}">
-                <a16:creationId xmlns="" xmlns:a16="http://schemas.microsoft.com/office/drawing/2014/main" id="{FD9E38B3-4686-8247-9625-49018D29F408}"/>
+                <a16:creationId xmlns:a16="http://schemas.microsoft.com/office/drawing/2014/main" xmlns="" id="{FD9E38B3-4686-8247-9625-49018D29F408}"/>
               </a:ext>
             </a:extLst>
           </p:cNvPr>
@@ -6929,8 +10206,8 @@
         </p:nvSpPr>
         <p:spPr>
           <a:xfrm>
-            <a:off x="1525301" y="1995467"/>
-            <a:ext cx="9141397" cy="615553"/>
+            <a:off x="1572926" y="940714"/>
+            <a:ext cx="9141397" cy="430887"/>
           </a:xfrm>
         </p:spPr>
         <p:txBody>
@@ -6939,14 +10216,14 @@
           <a:p>
             <a:pPr algn="ctr"/>
             <a:r>
-              <a:rPr lang="en-US" dirty="0" smtClean="0"/>
+              <a:rPr lang="en-US" sz="2800" dirty="0" smtClean="0"/>
               <a:t>Bio: Craig </a:t>
             </a:r>
             <a:r>
-              <a:rPr lang="en-US" dirty="0" err="1" smtClean="0"/>
+              <a:rPr lang="en-US" sz="2800" dirty="0" err="1" smtClean="0"/>
               <a:t>Costenbader</a:t>
             </a:r>
-            <a:endParaRPr lang="en-US" sz="4000" b="1" dirty="0">
+            <a:endParaRPr lang="en-US" sz="2800" b="1" dirty="0">
               <a:solidFill>
                 <a:schemeClr val="tx1"/>
               </a:solidFill>
@@ -6959,7 +10236,7 @@
           <p:cNvPr id="6" name="Text Placeholder 5">
             <a:extLst>
               <a:ext uri="{FF2B5EF4-FFF2-40B4-BE49-F238E27FC236}">
-                <a16:creationId xmlns="" xmlns:a16="http://schemas.microsoft.com/office/drawing/2014/main" id="{7DCBA01B-ECA4-4938-872A-B38BEB13AC06}"/>
+                <a16:creationId xmlns:a16="http://schemas.microsoft.com/office/drawing/2014/main" xmlns="" id="{7DCBA01B-ECA4-4938-872A-B38BEB13AC06}"/>
               </a:ext>
             </a:extLst>
           </p:cNvPr>
@@ -6970,12 +10247,156 @@
             <p:ph type="body" sz="quarter" idx="12"/>
           </p:nvPr>
         </p:nvSpPr>
-        <p:spPr/>
+        <p:spPr>
+          <a:xfrm>
+            <a:off x="1685926" y="1612880"/>
+            <a:ext cx="8801100" cy="4768870"/>
+          </a:xfrm>
+        </p:spPr>
         <p:txBody>
           <a:bodyPr/>
           <a:lstStyle/>
           <a:p>
-            <a:endParaRPr lang="en-US" dirty="0"/>
+            <a:pPr algn="l">
+              <a:buFont typeface="Arial" pitchFamily="34" charset="0"/>
+              <a:buChar char="•"/>
+            </a:pPr>
+            <a:r>
+              <a:rPr lang="en-US" sz="2400" dirty="0" smtClean="0"/>
+              <a:t> </a:t>
+            </a:r>
+            <a:r>
+              <a:rPr lang="en-US" sz="2000" dirty="0" smtClean="0"/>
+              <a:t>Before becoming a student at Southern Careers Institute / </a:t>
+            </a:r>
+            <a:r>
+              <a:rPr lang="en-US" sz="2000" dirty="0" err="1" smtClean="0"/>
+              <a:t>Woz</a:t>
+            </a:r>
+            <a:r>
+              <a:rPr lang="en-US" sz="2000" dirty="0" smtClean="0"/>
+              <a:t> U in the Data Science Program.    </a:t>
+            </a:r>
+          </a:p>
+          <a:p>
+            <a:pPr algn="l">
+              <a:buFont typeface="Arial" pitchFamily="34" charset="0"/>
+              <a:buChar char="•"/>
+            </a:pPr>
+            <a:r>
+              <a:rPr lang="en-US" sz="2000" dirty="0" smtClean="0"/>
+              <a:t> I was born and raised in Seattle WA.  </a:t>
+            </a:r>
+          </a:p>
+          <a:p>
+            <a:pPr algn="l">
+              <a:buFont typeface="Arial" pitchFamily="34" charset="0"/>
+              <a:buChar char="•"/>
+            </a:pPr>
+            <a:r>
+              <a:rPr lang="en-US" sz="2000" dirty="0" smtClean="0"/>
+              <a:t> I have worked in the service industry for 25 years. </a:t>
+            </a:r>
+            <a:r>
+              <a:rPr lang="en-US" sz="2000" dirty="0" smtClean="0"/>
+              <a:t> </a:t>
+            </a:r>
+            <a:endParaRPr lang="en-US" sz="2000" dirty="0" smtClean="0"/>
+          </a:p>
+          <a:p>
+            <a:pPr algn="l">
+              <a:buFont typeface="Arial" pitchFamily="34" charset="0"/>
+              <a:buChar char="•"/>
+            </a:pPr>
+            <a:r>
+              <a:rPr lang="en-US" sz="2000" dirty="0" smtClean="0"/>
+              <a:t> </a:t>
+            </a:r>
+            <a:r>
+              <a:rPr lang="en-US" sz="2000" dirty="0" smtClean="0"/>
+              <a:t>Including 11 years with Enterprise Rent A Car, 7 years of which were in Car Sales,  personally delivering over 3000 vehicles.  </a:t>
+            </a:r>
+          </a:p>
+          <a:p>
+            <a:pPr algn="l">
+              <a:buFont typeface="Arial" pitchFamily="34" charset="0"/>
+              <a:buChar char="•"/>
+            </a:pPr>
+            <a:r>
+              <a:rPr lang="en-US" sz="2000" dirty="0" smtClean="0"/>
+              <a:t> I also drove for </a:t>
+            </a:r>
+            <a:r>
+              <a:rPr lang="en-US" sz="2000" dirty="0" err="1" smtClean="0"/>
+              <a:t>Uber</a:t>
+            </a:r>
+            <a:r>
+              <a:rPr lang="en-US" sz="2000" dirty="0" smtClean="0"/>
+              <a:t> in Seattle and completed 22000 trips in 4 years.     </a:t>
+            </a:r>
+          </a:p>
+          <a:p>
+            <a:pPr algn="l">
+              <a:buFont typeface="Arial" pitchFamily="34" charset="0"/>
+              <a:buChar char="•"/>
+            </a:pPr>
+            <a:r>
+              <a:rPr lang="en-US" sz="2000" dirty="0" smtClean="0"/>
+              <a:t> I also have my own sales and marketing consulting business since 2012, where I share my experience and help other people run their small businesses to improve their customer service and profitability.  </a:t>
+            </a:r>
+          </a:p>
+          <a:p>
+            <a:pPr algn="l">
+              <a:buFont typeface="Arial" pitchFamily="34" charset="0"/>
+              <a:buChar char="•"/>
+            </a:pPr>
+            <a:r>
+              <a:rPr lang="en-US" sz="2000" dirty="0" smtClean="0"/>
+              <a:t>I love working with people and have lifelong love of all things technology and have always been a numbers guy. </a:t>
+            </a:r>
+          </a:p>
+          <a:p>
+            <a:pPr algn="l">
+              <a:buFont typeface="Arial" pitchFamily="34" charset="0"/>
+              <a:buChar char="•"/>
+            </a:pPr>
+            <a:r>
+              <a:rPr lang="en-US" sz="2000" dirty="0" smtClean="0"/>
+              <a:t> Covid-19 in March of 2020 brought all my businesses to a grinding halt, so I decided to go back to school.  </a:t>
+            </a:r>
+          </a:p>
+          <a:p>
+            <a:pPr algn="l">
+              <a:buFont typeface="Arial" pitchFamily="34" charset="0"/>
+              <a:buChar char="•"/>
+            </a:pPr>
+            <a:r>
+              <a:rPr lang="en-US" sz="2000" dirty="0" smtClean="0"/>
+              <a:t>I decided on Data Science because I literally could not find an industry in all the ones that I looked at being re-trained to work in that did not use DATA.  </a:t>
+            </a:r>
+          </a:p>
+          <a:p>
+            <a:pPr algn="l">
+              <a:buFont typeface="Arial" pitchFamily="34" charset="0"/>
+              <a:buChar char="•"/>
+            </a:pPr>
+            <a:r>
+              <a:rPr lang="en-US" sz="2000" dirty="0" smtClean="0"/>
+              <a:t> </a:t>
+            </a:r>
+            <a:r>
+              <a:rPr lang="en-US" sz="2000" dirty="0" smtClean="0"/>
+              <a:t>The online learning program with </a:t>
+            </a:r>
+            <a:r>
+              <a:rPr lang="en-US" sz="2000" dirty="0" err="1" smtClean="0"/>
+              <a:t>Woz</a:t>
+            </a:r>
+            <a:r>
+              <a:rPr lang="en-US" sz="2000" dirty="0" smtClean="0"/>
+              <a:t>-U ended up being a perfect fit!      </a:t>
+            </a:r>
+            <a:endParaRPr lang="en-US" sz="2000" dirty="0"/>
           </a:p>
         </p:txBody>
       </p:sp>
@@ -6984,7 +10405,7 @@
           <p:cNvPr id="5" name="Title 3">
             <a:extLst>
               <a:ext uri="{FF2B5EF4-FFF2-40B4-BE49-F238E27FC236}">
-                <a16:creationId xmlns="" xmlns:a16="http://schemas.microsoft.com/office/drawing/2014/main" id="{048FBE6B-DC67-4E64-80F4-CADE978D2FE3}"/>
+                <a16:creationId xmlns:a16="http://schemas.microsoft.com/office/drawing/2014/main" xmlns="" id="{048FBE6B-DC67-4E64-80F4-CADE978D2FE3}"/>
               </a:ext>
             </a:extLst>
           </p:cNvPr>
@@ -6995,8 +10416,8 @@
         </p:nvSpPr>
         <p:spPr>
           <a:xfrm>
-            <a:off x="762000" y="101024"/>
-            <a:ext cx="10668000" cy="1231106"/>
+            <a:off x="971550" y="126027"/>
+            <a:ext cx="10668000" cy="615553"/>
           </a:xfrm>
           <a:prstGeom prst="rect">
             <a:avLst/>
@@ -7041,7 +10462,24 @@
                 <a:ea typeface="+mn-ea"/>
                 <a:cs typeface="Segoe UI" pitchFamily="34" charset="0"/>
               </a:rPr>
-              <a:t>COVID-19 Impact on Navajo Nation in Arizona &amp; New Mexico</a:t>
+              <a:t>COVID-19 Impact on Navajo </a:t>
+            </a:r>
+            <a:r>
+              <a:rPr kumimoji="0" lang="en-US" altLang="en-US" sz="4000" b="1" i="0" u="none" strike="noStrike" kern="1200" cap="none" spc="-50" normalizeH="0" baseline="0" noProof="0" dirty="0" smtClean="0">
+                <a:ln w="3175">
+                  <a:noFill/>
+                </a:ln>
+                <a:solidFill>
+                  <a:schemeClr val="tx1"/>
+                </a:solidFill>
+                <a:effectLst/>
+                <a:uLnTx/>
+                <a:uFillTx/>
+                <a:latin typeface="+mj-lt"/>
+                <a:ea typeface="+mn-ea"/>
+                <a:cs typeface="Segoe UI" pitchFamily="34" charset="0"/>
+              </a:rPr>
+              <a:t>Nation</a:t>
             </a:r>
             <a:endParaRPr kumimoji="0" lang="en-US" sz="4000" b="1" i="0" u="none" strike="noStrike" kern="1200" cap="none" spc="-50" normalizeH="0" baseline="0" noProof="0" dirty="0">
               <a:ln w="3175">
@@ -7063,7 +10501,7 @@
     </p:spTree>
     <p:extLst>
       <p:ext uri="{BB962C8B-B14F-4D97-AF65-F5344CB8AC3E}">
-        <p14:creationId xmlns="" xmlns:p14="http://schemas.microsoft.com/office/powerpoint/2010/main" val="803542810"/>
+        <p14:creationId xmlns:p14="http://schemas.microsoft.com/office/powerpoint/2010/main" xmlns="" val="803542810"/>
       </p:ext>
     </p:extLst>
   </p:cSld>
@@ -7071,7 +10509,7 @@
     <a:masterClrMapping/>
   </p:clrMapOvr>
   <mc:AlternateContent xmlns:mc="http://schemas.openxmlformats.org/markup-compatibility/2006">
-    <mc:Choice xmlns="" xmlns:p14="http://schemas.microsoft.com/office/powerpoint/2010/main" Requires="p14">
+    <mc:Choice xmlns:p14="http://schemas.microsoft.com/office/powerpoint/2010/main" xmlns="" Requires="p14">
       <p:transition spd="med" p14:dur="700">
         <p:fade/>
       </p:transition>
@@ -7112,12 +10550,152 @@
             <p:ph type="body" sz="quarter" idx="13"/>
           </p:nvPr>
         </p:nvSpPr>
-        <p:spPr/>
+        <p:spPr>
+          <a:xfrm>
+            <a:off x="790575" y="847722"/>
+            <a:ext cx="10668000" cy="5534027"/>
+          </a:xfrm>
+        </p:spPr>
         <p:txBody>
           <a:bodyPr/>
           <a:lstStyle/>
           <a:p>
-            <a:endParaRPr lang="en-US"/>
+            <a:pPr algn="ctr"/>
+            <a:endParaRPr lang="en-US" sz="2400" dirty="0" smtClean="0"/>
+          </a:p>
+          <a:p>
+            <a:pPr algn="ctr"/>
+            <a:r>
+              <a:rPr lang="en-US" sz="2400" dirty="0" smtClean="0"/>
+              <a:t>FACTS ABOUT THE NAVAJO NATION </a:t>
+            </a:r>
+          </a:p>
+          <a:p>
+            <a:pPr>
+              <a:buFont typeface="Arial" pitchFamily="34" charset="0"/>
+              <a:buChar char="•"/>
+            </a:pPr>
+            <a:endParaRPr lang="en-US" sz="2400" dirty="0" smtClean="0"/>
+          </a:p>
+          <a:p>
+            <a:pPr>
+              <a:buFont typeface="Arial" pitchFamily="34" charset="0"/>
+              <a:buChar char="•"/>
+            </a:pPr>
+            <a:r>
+              <a:rPr lang="en-US" sz="2400" dirty="0" smtClean="0"/>
+              <a:t> The </a:t>
+            </a:r>
+            <a:r>
+              <a:rPr lang="en-US" sz="2400" dirty="0" smtClean="0"/>
+              <a:t>Navajo Nation is a American Indian Territory covering over 27,000 square miles occupying portions of Northeastern Arizona, Southeastern Utah</a:t>
+            </a:r>
+            <a:r>
+              <a:rPr lang="en-US" sz="2400" dirty="0" smtClean="0"/>
+              <a:t>, and </a:t>
+            </a:r>
+            <a:r>
+              <a:rPr lang="en-US" sz="2400" dirty="0" smtClean="0"/>
+              <a:t>Northwestern New Mexico</a:t>
+            </a:r>
+          </a:p>
+          <a:p>
+            <a:pPr>
+              <a:buFont typeface="Arial" pitchFamily="34" charset="0"/>
+              <a:buChar char="•"/>
+            </a:pPr>
+            <a:endParaRPr lang="en-US" sz="2400" dirty="0" smtClean="0"/>
+          </a:p>
+          <a:p>
+            <a:pPr>
+              <a:buFont typeface="Arial" pitchFamily="34" charset="0"/>
+              <a:buChar char="•"/>
+            </a:pPr>
+            <a:r>
+              <a:rPr lang="en-US" sz="2400" dirty="0" smtClean="0"/>
+              <a:t> This is the largest land area retained by an indigenous tribe in the United States </a:t>
+            </a:r>
+            <a:endParaRPr lang="en-US" sz="2400" dirty="0" smtClean="0">
+              <a:solidFill>
+                <a:srgbClr val="002060"/>
+              </a:solidFill>
+            </a:endParaRPr>
+          </a:p>
+          <a:p>
+            <a:pPr algn="r">
+              <a:buFont typeface="Arial" pitchFamily="34" charset="0"/>
+              <a:buChar char="•"/>
+            </a:pPr>
+            <a:r>
+              <a:rPr lang="en-US" sz="1400" dirty="0" smtClean="0">
+                <a:solidFill>
+                  <a:srgbClr val="002060"/>
+                </a:solidFill>
+                <a:hlinkClick r:id="rId2"/>
+              </a:rPr>
+              <a:t>https://www.navajo-nsn.gov/history.htm</a:t>
+            </a:r>
+            <a:endParaRPr lang="en-US" sz="1400" dirty="0" smtClean="0">
+              <a:solidFill>
+                <a:srgbClr val="002060"/>
+              </a:solidFill>
+            </a:endParaRPr>
+          </a:p>
+          <a:p>
+            <a:endParaRPr lang="en-US" sz="2400" dirty="0" smtClean="0"/>
+          </a:p>
+          <a:p>
+            <a:pPr>
+              <a:buFont typeface="Arial" pitchFamily="34" charset="0"/>
+              <a:buChar char="•"/>
+            </a:pPr>
+            <a:r>
+              <a:rPr lang="en-US" sz="2400" dirty="0" smtClean="0"/>
+              <a:t> </a:t>
+            </a:r>
+            <a:r>
+              <a:rPr lang="en-US" sz="2400" dirty="0" smtClean="0"/>
+              <a:t>The Navajo Nation is famous for many things, most famously was the Navajo Code Talkers, who took </a:t>
+            </a:r>
+            <a:r>
+              <a:rPr lang="en-US" sz="2400" dirty="0" smtClean="0"/>
+              <a:t>part in every assault the U.S. Marines conducted in the Pacific from 1942 to </a:t>
+            </a:r>
+            <a:r>
+              <a:rPr lang="en-US" sz="2400" dirty="0" smtClean="0"/>
+              <a:t>1945 during WWII, they were instrumental in defeating the Japanese.  </a:t>
+            </a:r>
+          </a:p>
+          <a:p>
+            <a:pPr algn="r">
+              <a:buFont typeface="Arial" pitchFamily="34" charset="0"/>
+              <a:buChar char="•"/>
+            </a:pPr>
+            <a:r>
+              <a:rPr lang="en-US" sz="1400" i="1" dirty="0" smtClean="0"/>
+              <a:t>Excerpts </a:t>
+            </a:r>
+            <a:r>
+              <a:rPr lang="en-US" sz="1400" i="1" dirty="0" smtClean="0"/>
+              <a:t>taken from a Fact Sheet prepared by the Navy &amp; Marine Corps WWII Commemorative </a:t>
+            </a:r>
+            <a:r>
+              <a:rPr lang="en-US" sz="1400" i="1" dirty="0" err="1" smtClean="0"/>
+              <a:t>Committee.</a:t>
+            </a:r>
+            <a:r>
+              <a:rPr lang="en-US" sz="1400" dirty="0" err="1" smtClean="0"/>
+              <a:t>II</a:t>
+            </a:r>
+            <a:r>
+              <a:rPr lang="en-US" sz="1400" dirty="0" smtClean="0"/>
+              <a:t>.</a:t>
+            </a:r>
+            <a:r>
+              <a:rPr lang="en-US" sz="2400" dirty="0" smtClean="0"/>
+              <a:t>  </a:t>
+            </a:r>
+            <a:endParaRPr lang="en-US" sz="2400" dirty="0"/>
           </a:p>
         </p:txBody>
       </p:sp>
@@ -7126,7 +10704,7 @@
           <p:cNvPr id="4" name="Title 3">
             <a:extLst>
               <a:ext uri="{FF2B5EF4-FFF2-40B4-BE49-F238E27FC236}">
-                <a16:creationId xmlns="" xmlns:a16="http://schemas.microsoft.com/office/drawing/2014/main" id="{048FBE6B-DC67-4E64-80F4-CADE978D2FE3}"/>
+                <a16:creationId xmlns:a16="http://schemas.microsoft.com/office/drawing/2014/main" xmlns="" id="{048FBE6B-DC67-4E64-80F4-CADE978D2FE3}"/>
               </a:ext>
             </a:extLst>
           </p:cNvPr>
@@ -7137,23 +10715,28 @@
             <p:ph type="title"/>
           </p:nvPr>
         </p:nvSpPr>
-        <p:spPr/>
+        <p:spPr>
+          <a:xfrm>
+            <a:off x="742950" y="202227"/>
+            <a:ext cx="10668000" cy="615553"/>
+          </a:xfrm>
+        </p:spPr>
         <p:txBody>
           <a:bodyPr/>
           <a:lstStyle/>
           <a:p>
             <a:pPr algn="ctr"/>
             <a:r>
-              <a:rPr lang="en-US" dirty="0" smtClean="0">
-                <a:solidFill>
-                  <a:schemeClr val="accent2"/>
-                </a:solidFill>
-              </a:rPr>
-              <a:t>History</a:t>
-            </a:r>
-            <a:r>
               <a:rPr lang="en-US" altLang="en-US" dirty="0" smtClean="0"/>
-              <a:t>COVID-19 Impact on Navajo Nation in Arizona &amp; New Mexico</a:t>
+              <a:t>COVID-19 </a:t>
+            </a:r>
+            <a:r>
+              <a:rPr lang="en-US" altLang="en-US" dirty="0" smtClean="0"/>
+              <a:t>Impact on Navajo </a:t>
+            </a:r>
+            <a:r>
+              <a:rPr lang="en-US" altLang="en-US" dirty="0" smtClean="0"/>
+              <a:t>Nation</a:t>
             </a:r>
             <a:endParaRPr lang="en-US" dirty="0">
               <a:solidFill>
@@ -7201,7 +10784,7 @@
           <p:cNvPr id="4" name="Title 3">
             <a:extLst>
               <a:ext uri="{FF2B5EF4-FFF2-40B4-BE49-F238E27FC236}">
-                <a16:creationId xmlns="" xmlns:a16="http://schemas.microsoft.com/office/drawing/2014/main" id="{FD9E38B3-4686-8247-9625-49018D29F408}"/>
+                <a16:creationId xmlns:a16="http://schemas.microsoft.com/office/drawing/2014/main" xmlns="" id="{FD9E38B3-4686-8247-9625-49018D29F408}"/>
               </a:ext>
             </a:extLst>
           </p:cNvPr>
@@ -7214,7 +10797,7 @@
         </p:nvSpPr>
         <p:spPr>
           <a:xfrm>
-            <a:off x="1849151" y="1814492"/>
+            <a:off x="1734851" y="976292"/>
             <a:ext cx="9141397" cy="615553"/>
           </a:xfrm>
         </p:spPr>
@@ -7223,6 +10806,10 @@
           <a:lstStyle/>
           <a:p>
             <a:pPr algn="ctr"/>
+            <a:r>
+              <a:rPr lang="en-US" dirty="0" smtClean="0"/>
+              <a:t>Additional Facts</a:t>
+            </a:r>
             <a:endParaRPr lang="en-US" b="1" dirty="0">
               <a:solidFill>
                 <a:schemeClr val="tx1"/>
@@ -7236,7 +10823,7 @@
           <p:cNvPr id="3" name="Text Placeholder 2">
             <a:extLst>
               <a:ext uri="{FF2B5EF4-FFF2-40B4-BE49-F238E27FC236}">
-                <a16:creationId xmlns="" xmlns:a16="http://schemas.microsoft.com/office/drawing/2014/main" id="{17155E1D-F4AD-41A7-B948-E2D246CCFE8A}"/>
+                <a16:creationId xmlns:a16="http://schemas.microsoft.com/office/drawing/2014/main" xmlns="" id="{17155E1D-F4AD-41A7-B948-E2D246CCFE8A}"/>
               </a:ext>
             </a:extLst>
           </p:cNvPr>
@@ -7247,11 +10834,154 @@
             <p:ph type="body" sz="quarter" idx="12"/>
           </p:nvPr>
         </p:nvSpPr>
-        <p:spPr/>
+        <p:spPr>
+          <a:xfrm>
+            <a:off x="466725" y="1622405"/>
+            <a:ext cx="11363325" cy="5045095"/>
+          </a:xfrm>
+        </p:spPr>
         <p:txBody>
           <a:bodyPr/>
           <a:lstStyle/>
           <a:p>
+            <a:endParaRPr lang="en-US" sz="2800" dirty="0" smtClean="0"/>
+          </a:p>
+          <a:p>
+            <a:pPr algn="l"/>
+            <a:r>
+              <a:rPr lang="en-US" sz="2800" b="1" cap="all" dirty="0" smtClean="0"/>
+              <a:t>	POPULATION/DEMOGRAPHICS: </a:t>
+            </a:r>
+          </a:p>
+          <a:p>
+            <a:pPr algn="l"/>
+            <a:r>
+              <a:rPr lang="en-US" sz="2800" b="1" i="1" cap="all" dirty="0" smtClean="0"/>
+              <a:t>	</a:t>
+            </a:r>
+            <a:r>
+              <a:rPr lang="en-US" sz="2800" i="1" dirty="0" smtClean="0"/>
+              <a:t>(As recorded in the 2010 U.S. Census on Navajo)</a:t>
+            </a:r>
+            <a:endParaRPr lang="en-US" sz="2800" b="1" cap="all" dirty="0" smtClean="0"/>
+          </a:p>
+          <a:p>
+            <a:pPr algn="l"/>
+            <a:endParaRPr lang="en-US" sz="2800" b="1" cap="all" dirty="0" smtClean="0"/>
+          </a:p>
+          <a:p>
+            <a:pPr algn="l"/>
+            <a:r>
+              <a:rPr lang="en-US" sz="2400" i="1" dirty="0" smtClean="0"/>
+              <a:t>	(As recorded in the 2010 U.S. Census on Navajo)</a:t>
+            </a:r>
+            <a:endParaRPr lang="en-US" sz="2400" dirty="0" smtClean="0"/>
+          </a:p>
+          <a:p>
+            <a:pPr algn="l"/>
+            <a:r>
+              <a:rPr lang="en-US" sz="2400" b="1" dirty="0" smtClean="0"/>
+              <a:t>	Total Enrollment				</a:t>
+            </a:r>
+            <a:r>
+              <a:rPr lang="en-US" sz="2400" dirty="0" smtClean="0"/>
+              <a:t>332,129	</a:t>
+            </a:r>
+          </a:p>
+          <a:p>
+            <a:pPr algn="l"/>
+            <a:r>
+              <a:rPr lang="en-US" sz="2400" b="1" dirty="0" smtClean="0"/>
+              <a:t>	</a:t>
+            </a:r>
+          </a:p>
+          <a:p>
+            <a:pPr algn="l"/>
+            <a:r>
+              <a:rPr lang="en-US" sz="2400" b="1" dirty="0" smtClean="0"/>
+              <a:t>	Total Navajos</a:t>
+            </a:r>
+            <a:r>
+              <a:rPr lang="en-US" sz="2400" dirty="0" smtClean="0"/>
+              <a:t/>
+            </a:r>
+            <a:br>
+              <a:rPr lang="en-US" sz="2400" dirty="0" smtClean="0"/>
+            </a:br>
+            <a:r>
+              <a:rPr lang="en-US" sz="2400" dirty="0" smtClean="0"/>
+              <a:t>	(living on the Navajo Nation)		156,823 or 47%</a:t>
+            </a:r>
+          </a:p>
+          <a:p>
+            <a:pPr algn="l"/>
+            <a:r>
+              <a:rPr lang="en-US" sz="2400" dirty="0" smtClean="0"/>
+              <a:t> </a:t>
+            </a:r>
+          </a:p>
+          <a:p>
+            <a:pPr algn="l"/>
+            <a:r>
+              <a:rPr lang="en-US" sz="2400" b="1" dirty="0" smtClean="0"/>
+              <a:t>	Unemployment Rate </a:t>
+            </a:r>
+            <a:r>
+              <a:rPr lang="en-US" sz="2400" dirty="0" smtClean="0"/>
+              <a:t>55.9% </a:t>
+            </a:r>
+          </a:p>
+          <a:p>
+            <a:pPr algn="l"/>
+            <a:r>
+              <a:rPr lang="en-US" sz="2400" b="1" dirty="0" smtClean="0"/>
+              <a:t>	Avg. Household Income </a:t>
+            </a:r>
+            <a:r>
+              <a:rPr lang="en-US" sz="2400" dirty="0" smtClean="0"/>
+              <a:t>$27,389</a:t>
+            </a:r>
+          </a:p>
+          <a:p>
+            <a:pPr algn="r"/>
+            <a:r>
+              <a:rPr lang="en-US" dirty="0" smtClean="0"/>
+              <a:t>Source: https://www.census.gov/</a:t>
+            </a:r>
+          </a:p>
+          <a:p>
+            <a:pPr algn="l">
+              <a:buFont typeface="Arial" pitchFamily="34" charset="0"/>
+              <a:buChar char="•"/>
+            </a:pPr>
+            <a:endParaRPr lang="en-US" sz="2400" dirty="0" smtClean="0"/>
+          </a:p>
+          <a:p>
+            <a:pPr algn="r"/>
+            <a:r>
+              <a:rPr lang="en-US" sz="1600" dirty="0" smtClean="0"/>
+              <a:t/>
+            </a:r>
+            <a:br>
+              <a:rPr lang="en-US" sz="1600" dirty="0" smtClean="0"/>
+            </a:br>
+            <a:endParaRPr lang="en-US" sz="1600" dirty="0" smtClean="0"/>
+          </a:p>
+          <a:p>
+            <a:pPr algn="l">
+              <a:buFont typeface="Arial" pitchFamily="34" charset="0"/>
+              <a:buChar char="•"/>
+            </a:pPr>
+            <a:r>
+              <a:rPr lang="en-US" dirty="0" smtClean="0"/>
+              <a:t>				</a:t>
+            </a:r>
+          </a:p>
+          <a:p>
+            <a:r>
+              <a:rPr lang="en-US" dirty="0" smtClean="0"/>
+              <a:t>  </a:t>
+            </a:r>
             <a:endParaRPr lang="en-US" dirty="0"/>
           </a:p>
         </p:txBody>
@@ -7261,7 +10991,7 @@
           <p:cNvPr id="5" name="Title 3">
             <a:extLst>
               <a:ext uri="{FF2B5EF4-FFF2-40B4-BE49-F238E27FC236}">
-                <a16:creationId xmlns="" xmlns:a16="http://schemas.microsoft.com/office/drawing/2014/main" id="{048FBE6B-DC67-4E64-80F4-CADE978D2FE3}"/>
+                <a16:creationId xmlns:a16="http://schemas.microsoft.com/office/drawing/2014/main" xmlns="" id="{048FBE6B-DC67-4E64-80F4-CADE978D2FE3}"/>
               </a:ext>
             </a:extLst>
           </p:cNvPr>
@@ -7272,8 +11002,8 @@
         </p:nvSpPr>
         <p:spPr>
           <a:xfrm>
-            <a:off x="762000" y="101024"/>
-            <a:ext cx="10668000" cy="1231106"/>
+            <a:off x="809625" y="230802"/>
+            <a:ext cx="10668000" cy="615553"/>
           </a:xfrm>
           <a:prstGeom prst="rect">
             <a:avLst/>
@@ -7304,12 +11034,12 @@
               <a:defRPr/>
             </a:pPr>
             <a:r>
-              <a:rPr kumimoji="0" lang="en-US" sz="4000" b="1" i="0" u="none" strike="noStrike" kern="1200" cap="none" spc="-50" normalizeH="0" baseline="0" noProof="0" smtClean="0">
+              <a:rPr kumimoji="0" lang="en-US" altLang="en-US" sz="4000" b="1" i="0" u="none" strike="noStrike" kern="1200" cap="none" spc="-50" normalizeH="0" baseline="0" noProof="0" dirty="0" smtClean="0">
                 <a:ln w="3175">
                   <a:noFill/>
                 </a:ln>
                 <a:solidFill>
-                  <a:schemeClr val="accent2"/>
+                  <a:schemeClr val="tx1"/>
                 </a:solidFill>
                 <a:effectLst/>
                 <a:uLnTx/>
@@ -7318,10 +11048,10 @@
                 <a:ea typeface="+mn-ea"/>
                 <a:cs typeface="Segoe UI" pitchFamily="34" charset="0"/>
               </a:rPr>
-              <a:t>History</a:t>
-            </a:r>
-            <a:r>
-              <a:rPr kumimoji="0" lang="en-US" altLang="en-US" sz="4000" b="1" i="0" u="none" strike="noStrike" kern="1200" cap="none" spc="-50" normalizeH="0" baseline="0" noProof="0" smtClean="0">
+              <a:t>COVID-19 </a:t>
+            </a:r>
+            <a:r>
+              <a:rPr kumimoji="0" lang="en-US" altLang="en-US" sz="4000" b="1" i="0" u="none" strike="noStrike" kern="1200" cap="none" spc="-50" normalizeH="0" baseline="0" noProof="0" dirty="0" smtClean="0">
                 <a:ln w="3175">
                   <a:noFill/>
                 </a:ln>
@@ -7335,7 +11065,24 @@
                 <a:ea typeface="+mn-ea"/>
                 <a:cs typeface="Segoe UI" pitchFamily="34" charset="0"/>
               </a:rPr>
-              <a:t>COVID-19 Impact on Navajo Nation in Arizona &amp; New Mexico</a:t>
+              <a:t>Impact on Navajo </a:t>
+            </a:r>
+            <a:r>
+              <a:rPr kumimoji="0" lang="en-US" altLang="en-US" sz="4000" b="1" i="0" u="none" strike="noStrike" kern="1200" cap="none" spc="-50" normalizeH="0" baseline="0" noProof="0" dirty="0" smtClean="0">
+                <a:ln w="3175">
+                  <a:noFill/>
+                </a:ln>
+                <a:solidFill>
+                  <a:schemeClr val="tx1"/>
+                </a:solidFill>
+                <a:effectLst/>
+                <a:uLnTx/>
+                <a:uFillTx/>
+                <a:latin typeface="+mj-lt"/>
+                <a:ea typeface="+mn-ea"/>
+                <a:cs typeface="Segoe UI" pitchFamily="34" charset="0"/>
+              </a:rPr>
+              <a:t>Nation</a:t>
             </a:r>
             <a:endParaRPr kumimoji="0" lang="en-US" sz="4000" b="1" i="0" u="none" strike="noStrike" kern="1200" cap="none" spc="-50" normalizeH="0" baseline="0" noProof="0" dirty="0">
               <a:ln w="3175">
@@ -7357,7 +11104,7 @@
     </p:spTree>
     <p:extLst>
       <p:ext uri="{BB962C8B-B14F-4D97-AF65-F5344CB8AC3E}">
-        <p14:creationId xmlns="" xmlns:p14="http://schemas.microsoft.com/office/powerpoint/2010/main" val="4244761525"/>
+        <p14:creationId xmlns:p14="http://schemas.microsoft.com/office/powerpoint/2010/main" xmlns="" val="4244761525"/>
       </p:ext>
     </p:extLst>
   </p:cSld>
@@ -7365,7 +11112,7 @@
     <a:masterClrMapping/>
   </p:clrMapOvr>
   <mc:AlternateContent xmlns:mc="http://schemas.openxmlformats.org/markup-compatibility/2006">
-    <mc:Choice xmlns="" xmlns:p14="http://schemas.microsoft.com/office/powerpoint/2010/main" Requires="p14">
+    <mc:Choice xmlns:p14="http://schemas.microsoft.com/office/powerpoint/2010/main" xmlns="" Requires="p14">
       <p:transition spd="med" p14:dur="700">
         <p:fade/>
       </p:transition>
@@ -7411,7 +11158,72 @@
           <a:bodyPr/>
           <a:lstStyle/>
           <a:p>
-            <a:endParaRPr lang="en-US"/>
+            <a:r>
+              <a:rPr lang="en-US" sz="2400" dirty="0" smtClean="0"/>
+              <a:t>For the purposes of this exercise, this presentation will speak on </a:t>
+            </a:r>
+            <a:r>
+              <a:rPr lang="en-US" sz="2400" dirty="0" smtClean="0"/>
+              <a:t>the effects of COVID-19 in the </a:t>
+            </a:r>
+            <a:r>
+              <a:rPr lang="en-US" sz="2400" dirty="0" smtClean="0"/>
+              <a:t>states of Arizon</a:t>
+            </a:r>
+            <a:r>
+              <a:rPr lang="en-US" sz="2400" dirty="0" smtClean="0"/>
+              <a:t>a and New Mexico.   </a:t>
+            </a:r>
+          </a:p>
+          <a:p>
+            <a:endParaRPr lang="en-US" sz="2400" dirty="0" smtClean="0"/>
+          </a:p>
+          <a:p>
+            <a:r>
+              <a:rPr lang="en-US" sz="2400" dirty="0" smtClean="0"/>
+              <a:t>We will be answering the following two questions:  </a:t>
+            </a:r>
+          </a:p>
+          <a:p>
+            <a:endParaRPr lang="en-US" sz="2400" dirty="0" smtClean="0"/>
+          </a:p>
+          <a:p>
+            <a:pPr>
+              <a:buFont typeface="Arial" pitchFamily="34" charset="0"/>
+              <a:buChar char="•"/>
+            </a:pPr>
+            <a:r>
+              <a:rPr lang="en-US" sz="2400" dirty="0" smtClean="0"/>
+              <a:t> Is there a significant difference in the number of cases and deaths from the spread of COVID-19 effecting the population in the states of AZ and NM by comparing the Navajo Nation </a:t>
+            </a:r>
+            <a:r>
+              <a:rPr lang="en-US" sz="2400" dirty="0" err="1" smtClean="0"/>
+              <a:t>vs</a:t>
+            </a:r>
+            <a:r>
+              <a:rPr lang="en-US" sz="2400" dirty="0" smtClean="0"/>
+              <a:t> Non-Navajo Nation lands?  </a:t>
+            </a:r>
+          </a:p>
+          <a:p>
+            <a:pPr>
+              <a:buFont typeface="Arial" pitchFamily="34" charset="0"/>
+              <a:buChar char="•"/>
+            </a:pPr>
+            <a:endParaRPr lang="en-US" sz="2400" dirty="0" smtClean="0"/>
+          </a:p>
+          <a:p>
+            <a:pPr>
+              <a:buFont typeface="Arial" pitchFamily="34" charset="0"/>
+              <a:buChar char="•"/>
+            </a:pPr>
+            <a:r>
+              <a:rPr lang="en-US" sz="2400" dirty="0" smtClean="0"/>
+              <a:t>What were the biggest contributing factors to the number of confirmed cases and deaths resulting from COVID-19?  </a:t>
+            </a:r>
+          </a:p>
+          <a:p>
+            <a:endParaRPr lang="en-US" dirty="0"/>
           </a:p>
         </p:txBody>
       </p:sp>
@@ -7420,7 +11232,7 @@
           <p:cNvPr id="4" name="Title 3">
             <a:extLst>
               <a:ext uri="{FF2B5EF4-FFF2-40B4-BE49-F238E27FC236}">
-                <a16:creationId xmlns="" xmlns:a16="http://schemas.microsoft.com/office/drawing/2014/main" id="{048FBE6B-DC67-4E64-80F4-CADE978D2FE3}"/>
+                <a16:creationId xmlns:a16="http://schemas.microsoft.com/office/drawing/2014/main" xmlns="" id="{048FBE6B-DC67-4E64-80F4-CADE978D2FE3}"/>
               </a:ext>
             </a:extLst>
           </p:cNvPr>
@@ -7431,23 +11243,28 @@
             <p:ph type="title"/>
           </p:nvPr>
         </p:nvSpPr>
-        <p:spPr/>
+        <p:spPr>
+          <a:xfrm>
+            <a:off x="762000" y="716577"/>
+            <a:ext cx="10668000" cy="615553"/>
+          </a:xfrm>
+        </p:spPr>
         <p:txBody>
           <a:bodyPr/>
           <a:lstStyle/>
           <a:p>
             <a:pPr algn="ctr"/>
             <a:r>
-              <a:rPr lang="en-US" dirty="0" smtClean="0">
-                <a:solidFill>
-                  <a:schemeClr val="accent2"/>
-                </a:solidFill>
-              </a:rPr>
-              <a:t>History</a:t>
-            </a:r>
-            <a:r>
               <a:rPr lang="en-US" altLang="en-US" dirty="0" smtClean="0"/>
-              <a:t>COVID-19 Impact on Navajo Nation in Arizona &amp; New Mexico</a:t>
+              <a:t>COVID-19 </a:t>
+            </a:r>
+            <a:r>
+              <a:rPr lang="en-US" altLang="en-US" dirty="0" smtClean="0"/>
+              <a:t>Impact on Navajo </a:t>
+            </a:r>
+            <a:r>
+              <a:rPr lang="en-US" altLang="en-US" dirty="0" smtClean="0"/>
+              <a:t>Nation</a:t>
             </a:r>
             <a:endParaRPr lang="en-US" dirty="0">
               <a:solidFill>
@@ -7484,32 +11301,7 @@
       </p:grpSpPr>
       <p:sp>
         <p:nvSpPr>
-          <p:cNvPr id="3" name="Text Placeholder 2"/>
-          <p:cNvSpPr>
-            <a:spLocks noGrp="1"/>
-          </p:cNvSpPr>
-          <p:nvPr>
-            <p:ph type="body" sz="quarter" idx="13"/>
-          </p:nvPr>
-        </p:nvSpPr>
-        <p:spPr/>
-        <p:txBody>
-          <a:bodyPr/>
-          <a:lstStyle/>
-          <a:p>
-            <a:endParaRPr lang="en-US"/>
-          </a:p>
-        </p:txBody>
-      </p:sp>
-      <p:sp>
-        <p:nvSpPr>
-          <p:cNvPr id="4" name="Title 3">
-            <a:extLst>
-              <a:ext uri="{FF2B5EF4-FFF2-40B4-BE49-F238E27FC236}">
-                <a16:creationId xmlns="" xmlns:a16="http://schemas.microsoft.com/office/drawing/2014/main" id="{048FBE6B-DC67-4E64-80F4-CADE978D2FE3}"/>
-              </a:ext>
-            </a:extLst>
-          </p:cNvPr>
+          <p:cNvPr id="2" name="Title 1"/>
           <p:cNvSpPr>
             <a:spLocks noGrp="1"/>
           </p:cNvSpPr>
@@ -7517,28 +11309,366 @@
             <p:ph type="title"/>
           </p:nvPr>
         </p:nvSpPr>
-        <p:spPr/>
+        <p:spPr>
+          <a:xfrm>
+            <a:off x="1430051" y="776267"/>
+            <a:ext cx="9141397" cy="615553"/>
+          </a:xfrm>
+        </p:spPr>
         <p:txBody>
           <a:bodyPr/>
           <a:lstStyle/>
           <a:p>
-            <a:pPr algn="ctr"/>
-            <a:r>
-              <a:rPr lang="en-US" dirty="0" smtClean="0">
-                <a:solidFill>
-                  <a:schemeClr val="accent2"/>
-                </a:solidFill>
-              </a:rPr>
-              <a:t>History</a:t>
-            </a:r>
-            <a:r>
-              <a:rPr lang="en-US" altLang="en-US" dirty="0" smtClean="0"/>
-              <a:t>COVID-19 Impact on Navajo Nation in Arizona &amp; New Mexico</a:t>
-            </a:r>
-            <a:endParaRPr lang="en-US" dirty="0">
+            <a:r>
+              <a:rPr lang="en-US" dirty="0" smtClean="0"/>
+              <a:t>Methods</a:t>
+            </a:r>
+            <a:endParaRPr lang="en-US" dirty="0"/>
+          </a:p>
+        </p:txBody>
+      </p:sp>
+      <p:sp>
+        <p:nvSpPr>
+          <p:cNvPr id="3" name="Text Placeholder 2"/>
+          <p:cNvSpPr>
+            <a:spLocks noGrp="1"/>
+          </p:cNvSpPr>
+          <p:nvPr>
+            <p:ph type="body" sz="quarter" idx="12"/>
+          </p:nvPr>
+        </p:nvSpPr>
+        <p:spPr>
+          <a:xfrm>
+            <a:off x="381001" y="1374755"/>
+            <a:ext cx="11572874" cy="4845070"/>
+          </a:xfrm>
+        </p:spPr>
+        <p:txBody>
+          <a:bodyPr/>
+          <a:lstStyle/>
+          <a:p>
+            <a:pPr algn="l"/>
+            <a:r>
+              <a:rPr lang="en-US" sz="2400" dirty="0" smtClean="0"/>
+              <a:t>Once we had decided on a topic and what to research on, we went to work.  </a:t>
+            </a:r>
+          </a:p>
+          <a:p>
+            <a:pPr algn="l"/>
+            <a:r>
+              <a:rPr lang="en-US" sz="2400" dirty="0" smtClean="0"/>
+              <a:t>The first thing we did was go to Google and started looking…</a:t>
+            </a:r>
+          </a:p>
+          <a:p>
+            <a:pPr algn="l"/>
+            <a:r>
+              <a:rPr lang="en-US" sz="2400" dirty="0" smtClean="0"/>
+              <a:t> </a:t>
+            </a:r>
+            <a:endParaRPr lang="en-US" sz="2400" dirty="0" smtClean="0"/>
+          </a:p>
+          <a:p>
+            <a:pPr algn="l">
+              <a:buFont typeface="Arial" pitchFamily="34" charset="0"/>
+              <a:buChar char="•"/>
+            </a:pPr>
+            <a:r>
+              <a:rPr lang="en-US" sz="2400" dirty="0" smtClean="0"/>
+              <a:t> We found many websites with information on COVID-19</a:t>
+            </a:r>
+          </a:p>
+          <a:p>
+            <a:pPr algn="l">
+              <a:buFont typeface="Arial" pitchFamily="34" charset="0"/>
+              <a:buChar char="•"/>
+            </a:pPr>
+            <a:r>
+              <a:rPr lang="en-US" sz="2400" dirty="0" smtClean="0"/>
+              <a:t> </a:t>
+            </a:r>
+            <a:r>
+              <a:rPr lang="en-US" sz="2400" dirty="0" smtClean="0"/>
+              <a:t>W</a:t>
+            </a:r>
+            <a:r>
+              <a:rPr lang="en-US" sz="2400" dirty="0" smtClean="0"/>
+              <a:t>e did not find very much data on the Navajo Nation</a:t>
+            </a:r>
+          </a:p>
+          <a:p>
+            <a:pPr algn="l">
+              <a:buFont typeface="Arial" pitchFamily="34" charset="0"/>
+              <a:buChar char="•"/>
+            </a:pPr>
+            <a:endParaRPr lang="en-US" sz="2400" dirty="0" smtClean="0"/>
+          </a:p>
+          <a:p>
+            <a:pPr algn="l">
+              <a:buFont typeface="Arial" pitchFamily="34" charset="0"/>
+              <a:buChar char="•"/>
+            </a:pPr>
+            <a:r>
+              <a:rPr lang="en-US" sz="2400" dirty="0" smtClean="0"/>
+              <a:t> The best source of data we found was from two places</a:t>
+            </a:r>
+          </a:p>
+          <a:p>
+            <a:pPr lvl="1"/>
+            <a:r>
+              <a:rPr lang="en-US" dirty="0" smtClean="0"/>
+              <a:t>Johns </a:t>
+            </a:r>
+            <a:r>
+              <a:rPr lang="en-US" dirty="0" smtClean="0"/>
+              <a:t>Hopkins University Center for Systems Science and Engineering </a:t>
+            </a:r>
+            <a:r>
+              <a:rPr lang="en-US" dirty="0" smtClean="0"/>
+              <a:t>	</a:t>
+            </a:r>
+          </a:p>
+          <a:p>
+            <a:pPr lvl="2"/>
+            <a:r>
+              <a:rPr lang="en-US" sz="1800" dirty="0" smtClean="0"/>
+              <a:t>(</a:t>
+            </a:r>
+            <a:r>
+              <a:rPr lang="en-US" sz="1800" dirty="0" smtClean="0"/>
+              <a:t>JHU </a:t>
+            </a:r>
+            <a:r>
+              <a:rPr lang="en-US" sz="1800" dirty="0" err="1" smtClean="0"/>
+              <a:t>CSSE</a:t>
+            </a:r>
+            <a:r>
+              <a:rPr lang="en-US" sz="1800" dirty="0" smtClean="0"/>
+              <a:t>) Source: </a:t>
+            </a:r>
+            <a:r>
+              <a:rPr lang="en-US" sz="1800" dirty="0" smtClean="0">
+                <a:hlinkClick r:id="rId2"/>
+              </a:rPr>
+              <a:t>https://</a:t>
+            </a:r>
+            <a:r>
+              <a:rPr lang="en-US" sz="1800" dirty="0" smtClean="0">
+                <a:hlinkClick r:id="rId2"/>
+              </a:rPr>
+              <a:t>github.com/mattrm8/COVID-19/blob/master/README.md</a:t>
+            </a:r>
+            <a:endParaRPr lang="en-US" sz="1800" dirty="0" smtClean="0"/>
+          </a:p>
+          <a:p>
+            <a:pPr lvl="2"/>
+            <a:r>
+              <a:rPr lang="en-US" sz="1800" dirty="0" smtClean="0"/>
+              <a:t>Citing an article that was written on </a:t>
+            </a:r>
+            <a:r>
+              <a:rPr lang="en-US" sz="1800" dirty="0" smtClean="0">
+                <a:hlinkClick r:id="rId3"/>
+              </a:rPr>
+              <a:t>www.thelancent.com</a:t>
+            </a:r>
+            <a:r>
+              <a:rPr lang="en-US" sz="1800" dirty="0" smtClean="0"/>
+              <a:t> regarding the original discovery and outbreak when it stated in Wuhan China in December of 2019.  </a:t>
+            </a:r>
+          </a:p>
+          <a:p>
+            <a:pPr lvl="3"/>
+            <a:r>
+              <a:rPr lang="en-US" sz="1600" dirty="0" smtClean="0"/>
+              <a:t>Source: </a:t>
+            </a:r>
+            <a:r>
+              <a:rPr lang="en-US" sz="1600" dirty="0" smtClean="0">
+                <a:hlinkClick r:id="rId4"/>
+              </a:rPr>
+              <a:t>https</a:t>
+            </a:r>
+            <a:r>
+              <a:rPr lang="en-US" sz="1600" dirty="0" smtClean="0">
+                <a:hlinkClick r:id="rId4"/>
+              </a:rPr>
+              <a:t>://</a:t>
+            </a:r>
+            <a:r>
+              <a:rPr lang="en-US" sz="1600" dirty="0" smtClean="0">
+                <a:hlinkClick r:id="rId4"/>
+              </a:rPr>
+              <a:t>www.thelancet.com/journals/laninf/article/PIIS1473-3099(20)30120-1/fulltext</a:t>
+            </a:r>
+            <a:endParaRPr lang="en-US" dirty="0" smtClean="0"/>
+          </a:p>
+          <a:p>
+            <a:pPr lvl="1"/>
+            <a:r>
+              <a:rPr lang="en-US" sz="2600" dirty="0" smtClean="0"/>
+              <a:t>New Mexico Highland University</a:t>
+            </a:r>
+          </a:p>
+          <a:p>
+            <a:pPr lvl="2"/>
+            <a:r>
+              <a:rPr lang="en-US" sz="2200" dirty="0" smtClean="0"/>
+              <a:t>Source: Dr Gil Gallegos, Computer Science Professor and Dr Orit </a:t>
+            </a:r>
+            <a:r>
+              <a:rPr lang="en-US" sz="2200" dirty="0" err="1" smtClean="0"/>
+              <a:t>Tamir</a:t>
+            </a:r>
+            <a:r>
+              <a:rPr lang="en-US" sz="2200" dirty="0" smtClean="0"/>
+              <a:t>, Anthropology Professor.  As well as several of their students in Masters Program.  </a:t>
+            </a:r>
+            <a:r>
+              <a:rPr lang="en-US" sz="1800" dirty="0" smtClean="0"/>
+              <a:t>(</a:t>
+            </a:r>
+            <a:r>
+              <a:rPr lang="en-US" sz="1800" dirty="0" err="1" smtClean="0"/>
+              <a:t>NMHU</a:t>
+            </a:r>
+            <a:r>
+              <a:rPr lang="en-US" sz="1800" dirty="0" smtClean="0"/>
+              <a:t>) Source:  </a:t>
+            </a:r>
+            <a:r>
+              <a:rPr lang="en-US" sz="1800" dirty="0" smtClean="0">
+                <a:hlinkClick r:id="rId5"/>
+              </a:rPr>
+              <a:t>https://www.appliedanthro.org/publications/news/august-2020/grant-help-navajo-nation-covid-19-data</a:t>
+            </a:r>
+            <a:endParaRPr lang="en-US" sz="1800" dirty="0" smtClean="0"/>
+          </a:p>
+          <a:p>
+            <a:pPr lvl="2"/>
+            <a:endParaRPr lang="en-US" sz="2200" dirty="0" smtClean="0"/>
+          </a:p>
+          <a:p>
+            <a:pPr lvl="2"/>
+            <a:endParaRPr lang="en-US" sz="2200" dirty="0" smtClean="0"/>
+          </a:p>
+          <a:p>
+            <a:pPr lvl="3"/>
+            <a:endParaRPr lang="en-US" sz="1600" dirty="0" smtClean="0"/>
+          </a:p>
+        </p:txBody>
+      </p:sp>
+      <p:sp>
+        <p:nvSpPr>
+          <p:cNvPr id="6" name="Title 3">
+            <a:extLst>
+              <a:ext uri="{FF2B5EF4-FFF2-40B4-BE49-F238E27FC236}">
+                <a16:creationId xmlns:a16="http://schemas.microsoft.com/office/drawing/2014/main" xmlns="" id="{048FBE6B-DC67-4E64-80F4-CADE978D2FE3}"/>
+              </a:ext>
+            </a:extLst>
+          </p:cNvPr>
+          <p:cNvSpPr txBox="1">
+            <a:spLocks/>
+          </p:cNvSpPr>
+          <p:nvPr/>
+        </p:nvSpPr>
+        <p:spPr>
+          <a:xfrm>
+            <a:off x="838200" y="249852"/>
+            <a:ext cx="10668000" cy="615553"/>
+          </a:xfrm>
+          <a:prstGeom prst="rect">
+            <a:avLst/>
+          </a:prstGeom>
+          <a:noFill/>
+        </p:spPr>
+        <p:txBody>
+          <a:bodyPr vert="horz" wrap="square" lIns="0" tIns="0" rIns="0" bIns="0" rtlCol="0" anchor="b" anchorCtr="0">
+            <a:spAutoFit/>
+          </a:bodyPr>
+          <a:lstStyle/>
+          <a:p>
+            <a:pPr marL="0" marR="0" lvl="0" indent="0" algn="ctr" defTabSz="932742" rtl="0" eaLnBrk="1" fontAlgn="auto" latinLnBrk="0" hangingPunct="1">
+              <a:lnSpc>
+                <a:spcPct val="100000"/>
+              </a:lnSpc>
+              <a:spcBef>
+                <a:spcPct val="0"/>
+              </a:spcBef>
+              <a:spcAft>
+                <a:spcPts val="0"/>
+              </a:spcAft>
+              <a:buClrTx/>
+              <a:buSzTx/>
+              <a:buFontTx/>
+              <a:buNone/>
+              <a:tabLst/>
+              <a:defRPr/>
+            </a:pPr>
+            <a:r>
+              <a:rPr kumimoji="0" lang="en-US" altLang="en-US" sz="4000" b="1" i="0" u="none" strike="noStrike" kern="1200" cap="none" spc="-50" normalizeH="0" baseline="0" noProof="0" dirty="0" smtClean="0">
+                <a:ln w="3175">
+                  <a:noFill/>
+                </a:ln>
+                <a:solidFill>
+                  <a:schemeClr val="tx1"/>
+                </a:solidFill>
+                <a:effectLst/>
+                <a:uLnTx/>
+                <a:uFillTx/>
+                <a:latin typeface="+mj-lt"/>
+                <a:ea typeface="+mn-ea"/>
+                <a:cs typeface="Segoe UI" pitchFamily="34" charset="0"/>
+              </a:rPr>
+              <a:t>COVID-19 </a:t>
+            </a:r>
+            <a:r>
+              <a:rPr kumimoji="0" lang="en-US" altLang="en-US" sz="4000" b="1" i="0" u="none" strike="noStrike" kern="1200" cap="none" spc="-50" normalizeH="0" baseline="0" noProof="0" dirty="0" smtClean="0">
+                <a:ln w="3175">
+                  <a:noFill/>
+                </a:ln>
+                <a:solidFill>
+                  <a:schemeClr val="tx1"/>
+                </a:solidFill>
+                <a:effectLst/>
+                <a:uLnTx/>
+                <a:uFillTx/>
+                <a:latin typeface="+mj-lt"/>
+                <a:ea typeface="+mn-ea"/>
+                <a:cs typeface="Segoe UI" pitchFamily="34" charset="0"/>
+              </a:rPr>
+              <a:t>Impact on Navajo </a:t>
+            </a:r>
+            <a:r>
+              <a:rPr kumimoji="0" lang="en-US" altLang="en-US" sz="4000" b="1" i="0" u="none" strike="noStrike" kern="1200" cap="none" spc="-50" normalizeH="0" baseline="0" noProof="0" dirty="0" smtClean="0">
+                <a:ln w="3175">
+                  <a:noFill/>
+                </a:ln>
+                <a:solidFill>
+                  <a:schemeClr val="tx1"/>
+                </a:solidFill>
+                <a:effectLst/>
+                <a:uLnTx/>
+                <a:uFillTx/>
+                <a:latin typeface="+mj-lt"/>
+                <a:ea typeface="+mn-ea"/>
+                <a:cs typeface="Segoe UI" pitchFamily="34" charset="0"/>
+              </a:rPr>
+              <a:t>Nation</a:t>
+            </a:r>
+            <a:endParaRPr kumimoji="0" lang="en-US" sz="4000" b="1" i="0" u="none" strike="noStrike" kern="1200" cap="none" spc="-50" normalizeH="0" baseline="0" noProof="0" dirty="0">
+              <a:ln w="3175">
+                <a:noFill/>
+              </a:ln>
               <a:solidFill>
                 <a:schemeClr val="accent2"/>
               </a:solidFill>
+              <a:effectLst/>
+              <a:uLnTx/>
+              <a:uFillTx/>
+              <a:latin typeface="+mj-lt"/>
+              <a:ea typeface="+mn-ea"/>
+              <a:cs typeface="Segoe UI" pitchFamily="34" charset="0"/>
             </a:endParaRPr>
           </a:p>
         </p:txBody>
@@ -7548,6 +11678,18 @@
   <p:clrMapOvr>
     <a:masterClrMapping/>
   </p:clrMapOvr>
+  <mc:AlternateContent xmlns:mc="http://schemas.openxmlformats.org/markup-compatibility/2006">
+    <mc:Choice xmlns:p14="http://schemas.microsoft.com/office/powerpoint/2010/main" xmlns="" Requires="p14">
+      <p:transition spd="med" p14:dur="700">
+        <p:fade/>
+      </p:transition>
+    </mc:Choice>
+    <mc:Fallback>
+      <p:transition spd="med">
+        <p:fade/>
+      </p:transition>
+    </mc:Fallback>
+  </mc:AlternateContent>
 </p:sld>
 </file>
 
@@ -7570,13 +11712,289 @@
       </p:grpSpPr>
       <p:sp>
         <p:nvSpPr>
-          <p:cNvPr id="4" name="Title 3">
-            <a:extLst>
-              <a:ext uri="{FF2B5EF4-FFF2-40B4-BE49-F238E27FC236}">
-                <a16:creationId xmlns="" xmlns:a16="http://schemas.microsoft.com/office/drawing/2014/main" id="{FD9E38B3-4686-8247-9625-49018D29F408}"/>
-              </a:ext>
-            </a:extLst>
-          </p:cNvPr>
+          <p:cNvPr id="2" name="Text Placeholder 1"/>
+          <p:cNvSpPr>
+            <a:spLocks noGrp="1"/>
+          </p:cNvSpPr>
+          <p:nvPr>
+            <p:ph type="body" sz="quarter" idx="12"/>
+          </p:nvPr>
+        </p:nvSpPr>
+        <p:spPr>
+          <a:xfrm>
+            <a:off x="581025" y="1285876"/>
+            <a:ext cx="11068050" cy="4838700"/>
+          </a:xfrm>
+        </p:spPr>
+        <p:txBody>
+          <a:bodyPr/>
+          <a:lstStyle/>
+          <a:p>
+            <a:pPr algn="l"/>
+            <a:r>
+              <a:rPr lang="en-US" dirty="0" smtClean="0"/>
+              <a:t>We used a </a:t>
+            </a:r>
+            <a:r>
+              <a:rPr lang="en-US" dirty="0" err="1" smtClean="0"/>
+              <a:t>Github</a:t>
+            </a:r>
+            <a:r>
+              <a:rPr lang="en-US" dirty="0" smtClean="0"/>
+              <a:t> Repository from Github.com, to download the data from </a:t>
+            </a:r>
+            <a:r>
+              <a:rPr lang="en-US" dirty="0" err="1" smtClean="0"/>
+              <a:t>JHU</a:t>
+            </a:r>
+            <a:r>
+              <a:rPr lang="en-US" dirty="0" smtClean="0"/>
+              <a:t> </a:t>
+            </a:r>
+            <a:r>
+              <a:rPr lang="en-US" dirty="0" err="1" smtClean="0"/>
+              <a:t>CSSE</a:t>
+            </a:r>
+            <a:r>
+              <a:rPr lang="en-US" dirty="0" smtClean="0"/>
+              <a:t>, store the data, and share among our three team members. </a:t>
+            </a:r>
+          </a:p>
+          <a:p>
+            <a:pPr lvl="1"/>
+            <a:r>
+              <a:rPr lang="en-US" b="1" dirty="0" smtClean="0">
+                <a:solidFill>
+                  <a:srgbClr val="002060"/>
+                </a:solidFill>
+                <a:hlinkClick r:id="rId2"/>
+              </a:rPr>
+              <a:t>www.github.com</a:t>
+            </a:r>
+            <a:endParaRPr lang="en-US" b="1" dirty="0" smtClean="0">
+              <a:solidFill>
+                <a:srgbClr val="002060"/>
+              </a:solidFill>
+            </a:endParaRPr>
+          </a:p>
+          <a:p>
+            <a:pPr algn="l">
+              <a:buFont typeface="Arial" pitchFamily="34" charset="0"/>
+              <a:buChar char="•"/>
+            </a:pPr>
+            <a:endParaRPr lang="en-US" dirty="0" smtClean="0"/>
+          </a:p>
+          <a:p>
+            <a:pPr algn="l"/>
+            <a:r>
+              <a:rPr lang="en-US" dirty="0" smtClean="0"/>
+              <a:t>We used a </a:t>
+            </a:r>
+            <a:r>
+              <a:rPr lang="en-US" dirty="0" err="1" smtClean="0"/>
+              <a:t>Trello</a:t>
+            </a:r>
+            <a:r>
+              <a:rPr lang="en-US" dirty="0" smtClean="0"/>
+              <a:t> </a:t>
+            </a:r>
+            <a:r>
+              <a:rPr lang="en-US" dirty="0" err="1" smtClean="0"/>
+              <a:t>KanBan</a:t>
+            </a:r>
+            <a:r>
+              <a:rPr lang="en-US" dirty="0" smtClean="0"/>
+              <a:t> Board to organize our project and keep in it all straight as far as who was responsible for doing certain tasks.   	</a:t>
+            </a:r>
+            <a:endParaRPr lang="en-US" dirty="0" smtClean="0">
+              <a:solidFill>
+                <a:schemeClr val="bg1"/>
+              </a:solidFill>
+            </a:endParaRPr>
+          </a:p>
+          <a:p>
+            <a:pPr lvl="1"/>
+            <a:r>
+              <a:rPr lang="en-US" b="1" dirty="0" smtClean="0">
+                <a:solidFill>
+                  <a:schemeClr val="bg1"/>
+                </a:solidFill>
+                <a:hlinkClick r:id="rId3"/>
+              </a:rPr>
+              <a:t>www.trello.com</a:t>
+            </a:r>
+            <a:endParaRPr lang="en-US" b="1" dirty="0" smtClean="0">
+              <a:solidFill>
+                <a:schemeClr val="bg1"/>
+              </a:solidFill>
+            </a:endParaRPr>
+          </a:p>
+          <a:p>
+            <a:pPr algn="l"/>
+            <a:endParaRPr lang="en-US" dirty="0" smtClean="0">
+              <a:solidFill>
+                <a:schemeClr val="bg1"/>
+              </a:solidFill>
+            </a:endParaRPr>
+          </a:p>
+          <a:p>
+            <a:pPr algn="l"/>
+            <a:r>
+              <a:rPr lang="en-US" dirty="0" smtClean="0">
+                <a:solidFill>
+                  <a:schemeClr val="bg1"/>
+                </a:solidFill>
+              </a:rPr>
+              <a:t>We performed our Statistical Analysis using the programming language R, which is designed specifically for statistics.  Using also R Studio which is a Graphical User Interface (GUI) </a:t>
+            </a:r>
+          </a:p>
+          <a:p>
+            <a:pPr lvl="1"/>
+            <a:r>
+              <a:rPr lang="en-US" b="1" dirty="0" smtClean="0">
+                <a:solidFill>
+                  <a:schemeClr val="bg1"/>
+                </a:solidFill>
+                <a:hlinkClick r:id="rId4"/>
+              </a:rPr>
+              <a:t>www.rstudio.com</a:t>
+            </a:r>
+            <a:endParaRPr lang="en-US" b="1" dirty="0" smtClean="0">
+              <a:solidFill>
+                <a:schemeClr val="bg1"/>
+              </a:solidFill>
+            </a:endParaRPr>
+          </a:p>
+          <a:p>
+            <a:pPr algn="l"/>
+            <a:endParaRPr lang="en-US" dirty="0" smtClean="0">
+              <a:solidFill>
+                <a:schemeClr val="bg1"/>
+              </a:solidFill>
+            </a:endParaRPr>
+          </a:p>
+          <a:p>
+            <a:pPr algn="l"/>
+            <a:r>
+              <a:rPr lang="en-US" dirty="0" smtClean="0">
+                <a:solidFill>
+                  <a:schemeClr val="bg1"/>
+                </a:solidFill>
+              </a:rPr>
+              <a:t>To be able to upload data, manipulate the date (Wrangling), and then produce a .</a:t>
+            </a:r>
+            <a:r>
+              <a:rPr lang="en-US" dirty="0" err="1" smtClean="0">
+                <a:solidFill>
+                  <a:schemeClr val="bg1"/>
+                </a:solidFill>
+              </a:rPr>
+              <a:t>xlsx</a:t>
+            </a:r>
+            <a:r>
+              <a:rPr lang="en-US" dirty="0" smtClean="0">
+                <a:solidFill>
+                  <a:schemeClr val="bg1"/>
+                </a:solidFill>
+              </a:rPr>
+              <a:t> spreadsheet that could then be uploaded into another really versatile program called TABLEAU.  </a:t>
+            </a:r>
+          </a:p>
+          <a:p>
+            <a:pPr lvl="1"/>
+            <a:r>
+              <a:rPr lang="en-US" b="1" dirty="0" smtClean="0">
+                <a:solidFill>
+                  <a:schemeClr val="bg1"/>
+                </a:solidFill>
+                <a:hlinkClick r:id="rId5"/>
+              </a:rPr>
+              <a:t>www.tableau.com</a:t>
+            </a:r>
+            <a:endParaRPr lang="en-US" b="1" dirty="0" smtClean="0">
+              <a:solidFill>
+                <a:schemeClr val="bg1"/>
+              </a:solidFill>
+            </a:endParaRPr>
+          </a:p>
+          <a:p>
+            <a:pPr algn="l"/>
+            <a:endParaRPr lang="en-US" dirty="0" smtClean="0">
+              <a:solidFill>
+                <a:schemeClr val="bg1"/>
+              </a:solidFill>
+            </a:endParaRPr>
+          </a:p>
+          <a:p>
+            <a:pPr algn="l"/>
+            <a:r>
+              <a:rPr lang="en-US" dirty="0" smtClean="0">
+                <a:solidFill>
+                  <a:schemeClr val="bg1"/>
+                </a:solidFill>
+              </a:rPr>
+              <a:t>And of course we used good old</a:t>
+            </a:r>
+            <a:r>
+              <a:rPr lang="en-US" b="1" dirty="0" smtClean="0">
+                <a:solidFill>
+                  <a:schemeClr val="bg1"/>
+                </a:solidFill>
+              </a:rPr>
+              <a:t> </a:t>
+            </a:r>
+            <a:r>
+              <a:rPr lang="en-US" b="1" dirty="0" smtClean="0">
+                <a:solidFill>
+                  <a:schemeClr val="bg1"/>
+                </a:solidFill>
+                <a:hlinkClick r:id="rId6"/>
+              </a:rPr>
+              <a:t>www.google.com</a:t>
+            </a:r>
+            <a:r>
+              <a:rPr lang="en-US" b="1" dirty="0" smtClean="0">
+                <a:solidFill>
+                  <a:schemeClr val="bg1"/>
+                </a:solidFill>
+              </a:rPr>
+              <a:t> </a:t>
+            </a:r>
+          </a:p>
+          <a:p>
+            <a:pPr lvl="1">
+              <a:buNone/>
+            </a:pPr>
+            <a:r>
+              <a:rPr lang="en-US" dirty="0" smtClean="0">
+                <a:solidFill>
+                  <a:schemeClr val="bg1"/>
+                </a:solidFill>
+              </a:rPr>
+              <a:t> </a:t>
+            </a:r>
+            <a:endParaRPr lang="en-US" dirty="0" smtClean="0">
+              <a:solidFill>
+                <a:schemeClr val="bg1"/>
+              </a:solidFill>
+            </a:endParaRPr>
+          </a:p>
+          <a:p>
+            <a:pPr lvl="1"/>
+            <a:endParaRPr lang="en-US" dirty="0" smtClean="0">
+              <a:solidFill>
+                <a:schemeClr val="bg1"/>
+              </a:solidFill>
+            </a:endParaRPr>
+          </a:p>
+          <a:p>
+            <a:endParaRPr lang="en-US" dirty="0"/>
+          </a:p>
+        </p:txBody>
+      </p:sp>
+      <p:sp>
+        <p:nvSpPr>
+          <p:cNvPr id="3" name="Title 2"/>
           <p:cNvSpPr>
             <a:spLocks noGrp="1"/>
           </p:cNvSpPr>
@@ -7584,51 +12002,34 @@
             <p:ph type="title"/>
           </p:nvPr>
         </p:nvSpPr>
-        <p:spPr/>
+        <p:spPr>
+          <a:xfrm>
+            <a:off x="1534826" y="681017"/>
+            <a:ext cx="9141397" cy="615553"/>
+          </a:xfrm>
+        </p:spPr>
         <p:txBody>
           <a:bodyPr/>
           <a:lstStyle/>
           <a:p>
-            <a:pPr algn="ctr"/>
-            <a:endParaRPr lang="en-US" b="1" dirty="0">
-              <a:solidFill>
-                <a:schemeClr val="tx1"/>
-              </a:solidFill>
-            </a:endParaRPr>
+            <a:r>
+              <a:rPr lang="en-US" sz="3200" dirty="0" smtClean="0"/>
+              <a:t>Tools and Methods (Summary)</a:t>
+            </a:r>
+            <a:r>
+              <a:rPr lang="en-US" dirty="0" smtClean="0"/>
+              <a:t> </a:t>
+            </a:r>
+            <a:endParaRPr lang="en-US" dirty="0"/>
           </a:p>
         </p:txBody>
       </p:sp>
       <p:sp>
         <p:nvSpPr>
-          <p:cNvPr id="3" name="Text Placeholder 2">
+          <p:cNvPr id="4" name="Title 3">
             <a:extLst>
               <a:ext uri="{FF2B5EF4-FFF2-40B4-BE49-F238E27FC236}">
-                <a16:creationId xmlns="" xmlns:a16="http://schemas.microsoft.com/office/drawing/2014/main" id="{17155E1D-F4AD-41A7-B948-E2D246CCFE8A}"/>
-              </a:ext>
-            </a:extLst>
-          </p:cNvPr>
-          <p:cNvSpPr>
-            <a:spLocks noGrp="1"/>
-          </p:cNvSpPr>
-          <p:nvPr>
-            <p:ph type="body" sz="quarter" idx="12"/>
-          </p:nvPr>
-        </p:nvSpPr>
-        <p:spPr/>
-        <p:txBody>
-          <a:bodyPr/>
-          <a:lstStyle/>
-          <a:p>
-            <a:endParaRPr lang="en-US" dirty="0"/>
-          </a:p>
-        </p:txBody>
-      </p:sp>
-      <p:sp>
-        <p:nvSpPr>
-          <p:cNvPr id="5" name="Title 3">
-            <a:extLst>
-              <a:ext uri="{FF2B5EF4-FFF2-40B4-BE49-F238E27FC236}">
-                <a16:creationId xmlns="" xmlns:a16="http://schemas.microsoft.com/office/drawing/2014/main" id="{048FBE6B-DC67-4E64-80F4-CADE978D2FE3}"/>
+                <a16:creationId xmlns:a16="http://schemas.microsoft.com/office/drawing/2014/main" xmlns="" id="{048FBE6B-DC67-4E64-80F4-CADE978D2FE3}"/>
               </a:ext>
             </a:extLst>
           </p:cNvPr>
@@ -7639,8 +12040,8 @@
         </p:nvSpPr>
         <p:spPr>
           <a:xfrm>
-            <a:off x="762000" y="101024"/>
-            <a:ext cx="10668000" cy="1231106"/>
+            <a:off x="933450" y="126027"/>
+            <a:ext cx="10668000" cy="615553"/>
           </a:xfrm>
           <a:prstGeom prst="rect">
             <a:avLst/>
@@ -7671,7 +12072,7 @@
               <a:defRPr/>
             </a:pPr>
             <a:r>
-              <a:rPr kumimoji="0" lang="en-US" sz="4000" b="1" i="0" u="none" strike="noStrike" kern="1200" cap="none" spc="-50" normalizeH="0" baseline="0" noProof="0" dirty="0" smtClean="0">
+              <a:rPr kumimoji="0" lang="en-US" altLang="en-US" sz="4000" b="1" i="0" u="none" strike="noStrike" kern="1200" cap="none" spc="-50" normalizeH="0" baseline="0" noProof="0" dirty="0" smtClean="0">
                 <a:ln w="3175">
                   <a:noFill/>
                 </a:ln>
@@ -7685,7 +12086,7 @@
                 <a:ea typeface="+mn-ea"/>
                 <a:cs typeface="Segoe UI" pitchFamily="34" charset="0"/>
               </a:rPr>
-              <a:t>History</a:t>
+              <a:t>COVID-19 </a:t>
             </a:r>
             <a:r>
               <a:rPr kumimoji="0" lang="en-US" altLang="en-US" sz="4000" b="1" i="0" u="none" strike="noStrike" kern="1200" cap="none" spc="-50" normalizeH="0" baseline="0" noProof="0" dirty="0" smtClean="0">
@@ -7693,7 +12094,7 @@
                   <a:noFill/>
                 </a:ln>
                 <a:solidFill>
-                  <a:schemeClr val="tx1"/>
+                  <a:schemeClr val="accent2"/>
                 </a:solidFill>
                 <a:effectLst/>
                 <a:uLnTx/>
@@ -7702,7 +12103,24 @@
                 <a:ea typeface="+mn-ea"/>
                 <a:cs typeface="Segoe UI" pitchFamily="34" charset="0"/>
               </a:rPr>
-              <a:t>COVID-19 Impact on Navajo Nation in Arizona &amp; New Mexico</a:t>
+              <a:t>Impact on Navajo </a:t>
+            </a:r>
+            <a:r>
+              <a:rPr kumimoji="0" lang="en-US" altLang="en-US" sz="4000" b="1" i="0" u="none" strike="noStrike" kern="1200" cap="none" spc="-50" normalizeH="0" baseline="0" noProof="0" dirty="0" smtClean="0">
+                <a:ln w="3175">
+                  <a:noFill/>
+                </a:ln>
+                <a:solidFill>
+                  <a:schemeClr val="accent2"/>
+                </a:solidFill>
+                <a:effectLst/>
+                <a:uLnTx/>
+                <a:uFillTx/>
+                <a:latin typeface="+mj-lt"/>
+                <a:ea typeface="+mn-ea"/>
+                <a:cs typeface="Segoe UI" pitchFamily="34" charset="0"/>
+              </a:rPr>
+              <a:t>Nation</a:t>
             </a:r>
             <a:endParaRPr kumimoji="0" lang="en-US" sz="4000" b="1" i="0" u="none" strike="noStrike" kern="1200" cap="none" spc="-50" normalizeH="0" baseline="0" noProof="0" dirty="0">
               <a:ln w="3175">
@@ -7722,27 +12140,10 @@
         </p:txBody>
       </p:sp>
     </p:spTree>
-    <p:extLst>
-      <p:ext uri="{BB962C8B-B14F-4D97-AF65-F5344CB8AC3E}">
-        <p14:creationId xmlns="" xmlns:p14="http://schemas.microsoft.com/office/powerpoint/2010/main" val="4244761525"/>
-      </p:ext>
-    </p:extLst>
   </p:cSld>
   <p:clrMapOvr>
     <a:masterClrMapping/>
   </p:clrMapOvr>
-  <mc:AlternateContent xmlns:mc="http://schemas.openxmlformats.org/markup-compatibility/2006">
-    <mc:Choice xmlns="" xmlns:p14="http://schemas.microsoft.com/office/powerpoint/2010/main" Requires="p14">
-      <p:transition spd="med" p14:dur="700">
-        <p:fade/>
-      </p:transition>
-    </mc:Choice>
-    <mc:Fallback>
-      <p:transition spd="med">
-        <p:fade/>
-      </p:transition>
-    </mc:Fallback>
-  </mc:AlternateContent>
 </p:sld>
 </file>
 
@@ -7941,7 +12342,7 @@
   <a:extraClrSchemeLst/>
   <a:extLst>
     <a:ext uri="{05A4C25C-085E-4340-85A3-A5531E510DB2}">
-      <thm15:themeFamily xmlns="" xmlns:thm15="http://schemas.microsoft.com/office/thememl/2012/main" name="Native American Heritage_TM10238373_WAC_LW_v4" id="{CD8DBC1F-6103-47D5-9C71-DE12184EFD6C}" vid="{2507BD49-7026-4E8F-85EA-549F820D09DD}"/>
+      <thm15:themeFamily xmlns:thm15="http://schemas.microsoft.com/office/thememl/2012/main" xmlns="" name="Native American Heritage_TM10238373_WAC_LW_v4" id="{CD8DBC1F-6103-47D5-9C71-DE12184EFD6C}" vid="{2507BD49-7026-4E8F-85EA-549F820D09DD}"/>
     </a:ext>
   </a:extLst>
 </a:theme>
@@ -8231,12 +12632,12 @@
 </file>
 
 <file path=customXml/item1.xml><?xml version="1.0" encoding="utf-8"?>
-<?mso-contentType ?>
-<FormTemplates xmlns="http://schemas.microsoft.com/sharepoint/v3/contenttype/forms">
-  <Display>DocumentLibraryForm</Display>
-  <Edit>DocumentLibraryForm</Edit>
-  <New>DocumentLibraryForm</New>
-</FormTemplates>
+<p:properties xmlns:p="http://schemas.microsoft.com/office/2006/metadata/properties" xmlns:xsi="http://www.w3.org/2001/XMLSchema-instance" xmlns:pc="http://schemas.microsoft.com/office/infopath/2007/PartnerControls">
+  <documentManagement>
+    <Status xmlns="71af3243-3dd4-4a8d-8c0d-dd76da1f02a5">Not started</Status>
+    <MediaServiceKeyPoints xmlns="71af3243-3dd4-4a8d-8c0d-dd76da1f02a5" xsi:nil="true"/>
+  </documentManagement>
+</p:properties>
 </file>
 
 <file path=customXml/item2.xml><?xml version="1.0" encoding="utf-8"?>
@@ -8461,18 +12862,20 @@
 </file>
 
 <file path=customXml/item3.xml><?xml version="1.0" encoding="utf-8"?>
-<p:properties xmlns:p="http://schemas.microsoft.com/office/2006/metadata/properties" xmlns:xsi="http://www.w3.org/2001/XMLSchema-instance" xmlns:pc="http://schemas.microsoft.com/office/infopath/2007/PartnerControls">
-  <documentManagement>
-    <Status xmlns="71af3243-3dd4-4a8d-8c0d-dd76da1f02a5">Not started</Status>
-    <MediaServiceKeyPoints xmlns="71af3243-3dd4-4a8d-8c0d-dd76da1f02a5" xsi:nil="true"/>
-  </documentManagement>
-</p:properties>
+<?mso-contentType ?>
+<FormTemplates xmlns="http://schemas.microsoft.com/sharepoint/v3/contenttype/forms">
+  <Display>DocumentLibraryForm</Display>
+  <Edit>DocumentLibraryForm</Edit>
+  <New>DocumentLibraryForm</New>
+</FormTemplates>
 </file>
 
 <file path=customXml/itemProps1.xml><?xml version="1.0" encoding="utf-8"?>
-<ds:datastoreItem xmlns:ds="http://schemas.openxmlformats.org/officeDocument/2006/customXml" ds:itemID="{FF48AAC1-C4CE-4FF3-AA8D-E74D22748061}">
+<ds:datastoreItem xmlns:ds="http://schemas.openxmlformats.org/officeDocument/2006/customXml" ds:itemID="{F87694BC-F79F-405B-BC53-DDA5DE16E747}">
   <ds:schemaRefs>
-    <ds:schemaRef ds:uri="http://schemas.microsoft.com/sharepoint/v3/contenttype/forms"/>
+    <ds:schemaRef ds:uri="http://schemas.microsoft.com/office/2006/metadata/properties"/>
+    <ds:schemaRef ds:uri="http://schemas.microsoft.com/office/infopath/2007/PartnerControls"/>
+    <ds:schemaRef ds:uri="71af3243-3dd4-4a8d-8c0d-dd76da1f02a5"/>
   </ds:schemaRefs>
 </ds:datastoreItem>
 </file>
@@ -8497,11 +12900,9 @@
 </file>
 
 <file path=customXml/itemProps3.xml><?xml version="1.0" encoding="utf-8"?>
-<ds:datastoreItem xmlns:ds="http://schemas.openxmlformats.org/officeDocument/2006/customXml" ds:itemID="{F87694BC-F79F-405B-BC53-DDA5DE16E747}">
+<ds:datastoreItem xmlns:ds="http://schemas.openxmlformats.org/officeDocument/2006/customXml" ds:itemID="{FF48AAC1-C4CE-4FF3-AA8D-E74D22748061}">
   <ds:schemaRefs>
-    <ds:schemaRef ds:uri="http://schemas.microsoft.com/office/2006/metadata/properties"/>
-    <ds:schemaRef ds:uri="http://schemas.microsoft.com/office/infopath/2007/PartnerControls"/>
-    <ds:schemaRef ds:uri="71af3243-3dd4-4a8d-8c0d-dd76da1f02a5"/>
+    <ds:schemaRef ds:uri="http://schemas.microsoft.com/sharepoint/v3/contenttype/forms"/>
   </ds:schemaRefs>
 </ds:datastoreItem>
 </file>